--- a/Courses/Applied-Programmer/Programming-Fundamentals/03-Масиви-и-списъци/09.Въведение-в-масиви.pptx
+++ b/Courses/Applied-Programmer/Programming-Fundamentals/03-Масиви-и-списъци/09.Въведение-в-масиви.pptx
@@ -5,10 +5,10 @@
     <p:sldMasterId id="2147483670" r:id="rId2"/>
   </p:sldMasterIdLst>
   <p:notesMasterIdLst>
-    <p:notesMasterId r:id="rId13"/>
+    <p:notesMasterId r:id="rId21"/>
   </p:notesMasterIdLst>
   <p:handoutMasterIdLst>
-    <p:handoutMasterId r:id="rId14"/>
+    <p:handoutMasterId r:id="rId22"/>
   </p:handoutMasterIdLst>
   <p:sldIdLst>
     <p:sldId id="473" r:id="rId3"/>
@@ -18,9 +18,17 @@
     <p:sldId id="470" r:id="rId7"/>
     <p:sldId id="471" r:id="rId8"/>
     <p:sldId id="472" r:id="rId9"/>
-    <p:sldId id="476" r:id="rId10"/>
-    <p:sldId id="477" r:id="rId11"/>
-    <p:sldId id="481" r:id="rId12"/>
+    <p:sldId id="490" r:id="rId10"/>
+    <p:sldId id="492" r:id="rId11"/>
+    <p:sldId id="474" r:id="rId12"/>
+    <p:sldId id="475" r:id="rId13"/>
+    <p:sldId id="493" r:id="rId14"/>
+    <p:sldId id="494" r:id="rId15"/>
+    <p:sldId id="478" r:id="rId16"/>
+    <p:sldId id="495" r:id="rId17"/>
+    <p:sldId id="476" r:id="rId18"/>
+    <p:sldId id="477" r:id="rId19"/>
+    <p:sldId id="481" r:id="rId20"/>
   </p:sldIdLst>
   <p:sldSz cx="12188825" cy="6858000"/>
   <p:notesSz cx="6858000" cy="9144000"/>
@@ -137,6 +145,18 @@
             <p14:sldId id="472"/>
           </p14:sldIdLst>
         </p14:section>
+        <p14:section name="Достъп по име и по адрес" id="{40F29670-09C0-453E-BF61-2D2104735CAF}">
+          <p14:sldIdLst>
+            <p14:sldId id="490"/>
+            <p14:sldId id="492"/>
+            <p14:sldId id="474"/>
+            <p14:sldId id="475"/>
+            <p14:sldId id="493"/>
+            <p14:sldId id="494"/>
+            <p14:sldId id="478"/>
+            <p14:sldId id="495"/>
+          </p14:sldIdLst>
+        </p14:section>
         <p14:section name="Заключение" id="{490D3B59-CCE9-4360-8ABE-5E9D2D396257}">
           <p14:sldIdLst>
             <p14:sldId id="476"/>
@@ -335,7 +355,7 @@
             <a:fld id="{FE5B4EDC-59C0-49C7-8ADA-5A781B329E02}" type="datetimeFigureOut">
               <a:rPr lang="en-US"/>
               <a:pPr/>
-              <a:t>16-Dec-19</a:t>
+              <a:t>10-Nov-20</a:t>
             </a:fld>
             <a:endParaRPr dirty="0"/>
           </a:p>
@@ -633,7 +653,7 @@
             <a:fld id="{F2D8D46A-B586-417D-BFBD-8C8FE0AAF762}" type="datetimeFigureOut">
               <a:rPr lang="en-US" smtClean="0"/>
               <a:pPr/>
-              <a:t>16-Dec-19</a:t>
+              <a:t>10-Nov-20</a:t>
             </a:fld>
             <a:endParaRPr lang="en-US" dirty="0"/>
           </a:p>
@@ -933,6 +953,332 @@
 </p:notes>
 </file>
 
+<file path=ppt/notesSlides/notesSlide10.xml><?xml version="1.0" encoding="utf-8"?>
+<p:notes xmlns:a="http://schemas.openxmlformats.org/drawingml/2006/main" xmlns:r="http://schemas.openxmlformats.org/officeDocument/2006/relationships" xmlns:p="http://schemas.openxmlformats.org/presentationml/2006/main">
+  <p:cSld>
+    <p:spTree>
+      <p:nvGrpSpPr>
+        <p:cNvPr id="1" name=""/>
+        <p:cNvGrpSpPr/>
+        <p:nvPr/>
+      </p:nvGrpSpPr>
+      <p:grpSpPr>
+        <a:xfrm>
+          <a:off x="0" y="0"/>
+          <a:ext cx="0" cy="0"/>
+          <a:chOff x="0" y="0"/>
+          <a:chExt cx="0" cy="0"/>
+        </a:xfrm>
+      </p:grpSpPr>
+      <p:sp>
+        <p:nvSpPr>
+          <p:cNvPr id="2" name="Slide Image Placeholder 1"/>
+          <p:cNvSpPr>
+            <a:spLocks noGrp="1" noRot="1" noChangeAspect="1"/>
+          </p:cNvSpPr>
+          <p:nvPr>
+            <p:ph type="sldImg"/>
+          </p:nvPr>
+        </p:nvSpPr>
+        <p:spPr/>
+      </p:sp>
+      <p:sp>
+        <p:nvSpPr>
+          <p:cNvPr id="3" name="Notes Placeholder 2"/>
+          <p:cNvSpPr>
+            <a:spLocks noGrp="1"/>
+          </p:cNvSpPr>
+          <p:nvPr>
+            <p:ph type="body" idx="1"/>
+          </p:nvPr>
+        </p:nvSpPr>
+        <p:spPr/>
+        <p:txBody>
+          <a:bodyPr/>
+          <a:lstStyle/>
+          <a:p>
+            <a:endParaRPr lang="en-US"/>
+          </a:p>
+        </p:txBody>
+      </p:sp>
+      <p:sp>
+        <p:nvSpPr>
+          <p:cNvPr id="5" name="Slide Number Placeholder 4"/>
+          <p:cNvSpPr>
+            <a:spLocks noGrp="1"/>
+          </p:cNvSpPr>
+          <p:nvPr>
+            <p:ph type="sldNum" sz="quarter" idx="11"/>
+          </p:nvPr>
+        </p:nvSpPr>
+        <p:spPr/>
+        <p:txBody>
+          <a:bodyPr/>
+          <a:lstStyle/>
+          <a:p>
+            <a:fld id="{3EBA5BD7-F043-4D1B-AA17-CD412FC534DE}" type="slidenum">
+              <a:rPr lang="en-US" smtClean="0">
+                <a:solidFill>
+                  <a:prstClr val="black"/>
+                </a:solidFill>
+              </a:rPr>
+              <a:t>17</a:t>
+            </a:fld>
+            <a:endParaRPr lang="en-US" dirty="0">
+              <a:solidFill>
+                <a:prstClr val="black"/>
+              </a:solidFill>
+            </a:endParaRPr>
+          </a:p>
+        </p:txBody>
+      </p:sp>
+      <p:sp>
+        <p:nvSpPr>
+          <p:cNvPr id="6" name="Footer Placeholder">
+            <a:extLst>
+              <a:ext uri="{FF2B5EF4-FFF2-40B4-BE49-F238E27FC236}">
+                <a16:creationId xmlns:a16="http://schemas.microsoft.com/office/drawing/2014/main" id="{A7A0766E-DBD4-4FBE-9494-52C92B330D2E}"/>
+              </a:ext>
+            </a:extLst>
+          </p:cNvPr>
+          <p:cNvSpPr>
+            <a:spLocks noGrp="1"/>
+          </p:cNvSpPr>
+          <p:nvPr>
+            <p:ph type="ftr" sz="quarter" idx="4"/>
+          </p:nvPr>
+        </p:nvSpPr>
+        <p:spPr>
+          <a:xfrm>
+            <a:off x="-1" y="8747999"/>
+            <a:ext cx="6308999" cy="394413"/>
+          </a:xfrm>
+          <a:prstGeom prst="rect">
+            <a:avLst/>
+          </a:prstGeom>
+        </p:spPr>
+        <p:txBody>
+          <a:bodyPr vert="horz" lIns="91440" tIns="45720" rIns="91440" bIns="45720" rtlCol="0" anchor="b"/>
+          <a:lstStyle>
+            <a:lvl1pPr algn="l">
+              <a:defRPr sz="1000"/>
+            </a:lvl1pPr>
+          </a:lstStyle>
+          <a:p>
+            <a:r>
+              <a:rPr lang="en-US" dirty="0"/>
+              <a:t>Created by the </a:t>
+            </a:r>
+            <a:r>
+              <a:rPr lang="en-US" b="1" dirty="0"/>
+              <a:t>Software University Foundation</a:t>
+            </a:r>
+            <a:r>
+              <a:rPr lang="en-US" dirty="0"/>
+              <a:t> – </a:t>
+            </a:r>
+            <a:r>
+              <a:rPr lang="en-US" u="sng" dirty="0">
+                <a:hlinkClick r:id="rId3"/>
+              </a:rPr>
+              <a:t>https://softuni.foundation</a:t>
+            </a:r>
+            <a:endParaRPr lang="en-US" dirty="0"/>
+          </a:p>
+          <a:p>
+            <a:r>
+              <a:rPr lang="en-US" dirty="0"/>
+              <a:t>This work is licensed under the </a:t>
+            </a:r>
+            <a:r>
+              <a:rPr lang="en-US" u="sng" noProof="1">
+                <a:hlinkClick r:id="rId4"/>
+              </a:rPr>
+              <a:t>Creative Commons Attribution-NonCommercial-ShareAlike</a:t>
+            </a:r>
+            <a:r>
+              <a:rPr lang="en-US" noProof="1"/>
+              <a:t> </a:t>
+            </a:r>
+            <a:r>
+              <a:rPr lang="en-US" dirty="0"/>
+              <a:t>license.</a:t>
+            </a:r>
+          </a:p>
+        </p:txBody>
+      </p:sp>
+    </p:spTree>
+    <p:extLst>
+      <p:ext uri="{BB962C8B-B14F-4D97-AF65-F5344CB8AC3E}">
+        <p14:creationId xmlns:p14="http://schemas.microsoft.com/office/powerpoint/2010/main" val="4283733440"/>
+      </p:ext>
+    </p:extLst>
+  </p:cSld>
+  <p:clrMapOvr>
+    <a:masterClrMapping/>
+  </p:clrMapOvr>
+</p:notes>
+</file>
+
+<file path=ppt/notesSlides/notesSlide11.xml><?xml version="1.0" encoding="utf-8"?>
+<p:notes xmlns:a="http://schemas.openxmlformats.org/drawingml/2006/main" xmlns:r="http://schemas.openxmlformats.org/officeDocument/2006/relationships" xmlns:p="http://schemas.openxmlformats.org/presentationml/2006/main">
+  <p:cSld>
+    <p:spTree>
+      <p:nvGrpSpPr>
+        <p:cNvPr id="1" name=""/>
+        <p:cNvGrpSpPr/>
+        <p:nvPr/>
+      </p:nvGrpSpPr>
+      <p:grpSpPr>
+        <a:xfrm>
+          <a:off x="0" y="0"/>
+          <a:ext cx="0" cy="0"/>
+          <a:chOff x="0" y="0"/>
+          <a:chExt cx="0" cy="0"/>
+        </a:xfrm>
+      </p:grpSpPr>
+      <p:sp>
+        <p:nvSpPr>
+          <p:cNvPr id="2" name="Slide Image Placeholder 1"/>
+          <p:cNvSpPr>
+            <a:spLocks noGrp="1" noRot="1" noChangeAspect="1"/>
+          </p:cNvSpPr>
+          <p:nvPr>
+            <p:ph type="sldImg"/>
+          </p:nvPr>
+        </p:nvSpPr>
+        <p:spPr/>
+      </p:sp>
+      <p:sp>
+        <p:nvSpPr>
+          <p:cNvPr id="3" name="Notes Placeholder 2"/>
+          <p:cNvSpPr>
+            <a:spLocks noGrp="1"/>
+          </p:cNvSpPr>
+          <p:nvPr>
+            <p:ph type="body" idx="1"/>
+          </p:nvPr>
+        </p:nvSpPr>
+        <p:spPr/>
+        <p:txBody>
+          <a:bodyPr/>
+          <a:lstStyle/>
+          <a:p>
+            <a:endParaRPr lang="en-US"/>
+          </a:p>
+        </p:txBody>
+      </p:sp>
+      <p:sp>
+        <p:nvSpPr>
+          <p:cNvPr id="5" name="Slide Number Placeholder 4"/>
+          <p:cNvSpPr>
+            <a:spLocks noGrp="1"/>
+          </p:cNvSpPr>
+          <p:nvPr>
+            <p:ph type="sldNum" sz="quarter" idx="11"/>
+          </p:nvPr>
+        </p:nvSpPr>
+        <p:spPr/>
+        <p:txBody>
+          <a:bodyPr/>
+          <a:lstStyle/>
+          <a:p>
+            <a:fld id="{3EBA5BD7-F043-4D1B-AA17-CD412FC534DE}" type="slidenum">
+              <a:rPr lang="en-US" smtClean="0"/>
+              <a:t>18</a:t>
+            </a:fld>
+            <a:endParaRPr lang="en-US" dirty="0"/>
+          </a:p>
+        </p:txBody>
+      </p:sp>
+      <p:sp>
+        <p:nvSpPr>
+          <p:cNvPr id="6" name="Footer Placeholder">
+            <a:extLst>
+              <a:ext uri="{FF2B5EF4-FFF2-40B4-BE49-F238E27FC236}">
+                <a16:creationId xmlns:a16="http://schemas.microsoft.com/office/drawing/2014/main" id="{A7BC737F-7965-4CA3-A495-E433E14762EB}"/>
+              </a:ext>
+            </a:extLst>
+          </p:cNvPr>
+          <p:cNvSpPr>
+            <a:spLocks noGrp="1"/>
+          </p:cNvSpPr>
+          <p:nvPr>
+            <p:ph type="ftr" sz="quarter" idx="4"/>
+          </p:nvPr>
+        </p:nvSpPr>
+        <p:spPr>
+          <a:xfrm>
+            <a:off x="-1" y="8747999"/>
+            <a:ext cx="6308999" cy="394413"/>
+          </a:xfrm>
+          <a:prstGeom prst="rect">
+            <a:avLst/>
+          </a:prstGeom>
+        </p:spPr>
+        <p:txBody>
+          <a:bodyPr vert="horz" lIns="91440" tIns="45720" rIns="91440" bIns="45720" rtlCol="0" anchor="b"/>
+          <a:lstStyle>
+            <a:lvl1pPr algn="l">
+              <a:defRPr sz="1000"/>
+            </a:lvl1pPr>
+          </a:lstStyle>
+          <a:p>
+            <a:r>
+              <a:rPr lang="en-US" dirty="0"/>
+              <a:t>Created by the </a:t>
+            </a:r>
+            <a:r>
+              <a:rPr lang="en-US" b="1" dirty="0"/>
+              <a:t>Software University Foundation</a:t>
+            </a:r>
+            <a:r>
+              <a:rPr lang="en-US" dirty="0"/>
+              <a:t> – </a:t>
+            </a:r>
+            <a:r>
+              <a:rPr lang="en-US" u="sng" dirty="0">
+                <a:hlinkClick r:id="rId3"/>
+              </a:rPr>
+              <a:t>https://softuni.foundation</a:t>
+            </a:r>
+            <a:endParaRPr lang="en-US" dirty="0"/>
+          </a:p>
+          <a:p>
+            <a:r>
+              <a:rPr lang="en-US" dirty="0"/>
+              <a:t>This work is licensed under the </a:t>
+            </a:r>
+            <a:r>
+              <a:rPr lang="en-US" u="sng" noProof="1">
+                <a:hlinkClick r:id="rId4"/>
+              </a:rPr>
+              <a:t>Creative Commons Attribution-NonCommercial-ShareAlike</a:t>
+            </a:r>
+            <a:r>
+              <a:rPr lang="en-US" noProof="1"/>
+              <a:t> </a:t>
+            </a:r>
+            <a:r>
+              <a:rPr lang="en-US" dirty="0"/>
+              <a:t>license.</a:t>
+            </a:r>
+          </a:p>
+        </p:txBody>
+      </p:sp>
+    </p:spTree>
+    <p:extLst>
+      <p:ext uri="{BB962C8B-B14F-4D97-AF65-F5344CB8AC3E}">
+        <p14:creationId xmlns:p14="http://schemas.microsoft.com/office/powerpoint/2010/main" val="3396201328"/>
+      </p:ext>
+    </p:extLst>
+  </p:cSld>
+  <p:clrMapOvr>
+    <a:masterClrMapping/>
+  </p:clrMapOvr>
+</p:notes>
+</file>
+
 <file path=ppt/notesSlides/notesSlide2.xml><?xml version="1.0" encoding="utf-8"?>
 <p:notes xmlns:a="http://schemas.openxmlformats.org/drawingml/2006/main" xmlns:r="http://schemas.openxmlformats.org/officeDocument/2006/relationships" xmlns:p="http://schemas.openxmlformats.org/presentationml/2006/main">
   <p:cSld>
@@ -1273,16 +1619,48 @@
           <a:bodyPr/>
           <a:lstStyle/>
           <a:p>
-            <a:endParaRPr lang="en-US"/>
+            <a:endParaRPr lang="en-US" dirty="0"/>
           </a:p>
         </p:txBody>
       </p:sp>
       <p:sp>
         <p:nvSpPr>
-          <p:cNvPr id="4" name="Footer Placeholder">
+          <p:cNvPr id="6" name="Slide Number Placeholder 5"/>
+          <p:cNvSpPr>
+            <a:spLocks noGrp="1"/>
+          </p:cNvSpPr>
+          <p:nvPr>
+            <p:ph type="sldNum" sz="quarter" idx="11"/>
+          </p:nvPr>
+        </p:nvSpPr>
+        <p:spPr/>
+        <p:txBody>
+          <a:bodyPr/>
+          <a:lstStyle/>
+          <a:p>
+            <a:fld id="{3EBA5BD7-F043-4D1B-AA17-CD412FC534DE}" type="slidenum">
+              <a:rPr lang="en-US" smtClean="0">
+                <a:solidFill>
+                  <a:prstClr val="black"/>
+                </a:solidFill>
+              </a:rPr>
+              <a:pPr/>
+              <a:t>8</a:t>
+            </a:fld>
+            <a:endParaRPr lang="en-US" dirty="0">
+              <a:solidFill>
+                <a:prstClr val="black"/>
+              </a:solidFill>
+            </a:endParaRPr>
+          </a:p>
+        </p:txBody>
+      </p:sp>
+      <p:sp>
+        <p:nvSpPr>
+          <p:cNvPr id="7" name="Footer Placeholder">
             <a:extLst>
               <a:ext uri="{FF2B5EF4-FFF2-40B4-BE49-F238E27FC236}">
-                <a16:creationId xmlns:a16="http://schemas.microsoft.com/office/drawing/2014/main" id="{EFA0ACE4-6710-4701-98ED-07557A5A13B4}"/>
+                <a16:creationId xmlns:a16="http://schemas.microsoft.com/office/drawing/2014/main" id="{F92B37B6-0A33-476D-931F-295A058532E8}"/>
               </a:ext>
             </a:extLst>
           </p:cNvPr>
@@ -1355,7 +1733,7 @@
     </p:spTree>
     <p:extLst>
       <p:ext uri="{BB962C8B-B14F-4D97-AF65-F5344CB8AC3E}">
-        <p14:creationId xmlns:p14="http://schemas.microsoft.com/office/powerpoint/2010/main" val="4086551543"/>
+        <p14:creationId xmlns:p14="http://schemas.microsoft.com/office/powerpoint/2010/main" val="107063609"/>
       </p:ext>
     </p:extLst>
   </p:cSld>
@@ -1409,18 +1787,18 @@
           <a:bodyPr/>
           <a:lstStyle/>
           <a:p>
-            <a:endParaRPr lang="en-US"/>
+            <a:endParaRPr lang="en-US" dirty="0"/>
           </a:p>
         </p:txBody>
       </p:sp>
       <p:sp>
         <p:nvSpPr>
-          <p:cNvPr id="5" name="Slide Number Placeholder 4"/>
+          <p:cNvPr id="4" name="Slide Number Placeholder 3"/>
           <p:cNvSpPr>
             <a:spLocks noGrp="1"/>
           </p:cNvSpPr>
           <p:nvPr>
-            <p:ph type="sldNum" sz="quarter" idx="11"/>
+            <p:ph type="sldNum" sz="quarter" idx="10"/>
           </p:nvPr>
         </p:nvSpPr>
         <p:spPr/>
@@ -1429,18 +1807,11 @@
           <a:lstStyle/>
           <a:p>
             <a:fld id="{3EBA5BD7-F043-4D1B-AA17-CD412FC534DE}" type="slidenum">
-              <a:rPr lang="en-US" smtClean="0">
-                <a:solidFill>
-                  <a:prstClr val="black"/>
-                </a:solidFill>
-              </a:rPr>
+              <a:rPr lang="en-US" smtClean="0"/>
+              <a:pPr/>
               <a:t>9</a:t>
             </a:fld>
-            <a:endParaRPr lang="en-US" dirty="0">
-              <a:solidFill>
-                <a:prstClr val="black"/>
-              </a:solidFill>
-            </a:endParaRPr>
+            <a:endParaRPr lang="en-US" dirty="0"/>
           </a:p>
         </p:txBody>
       </p:sp>
@@ -1449,7 +1820,7 @@
           <p:cNvPr id="6" name="Footer Placeholder">
             <a:extLst>
               <a:ext uri="{FF2B5EF4-FFF2-40B4-BE49-F238E27FC236}">
-                <a16:creationId xmlns:a16="http://schemas.microsoft.com/office/drawing/2014/main" id="{A7A0766E-DBD4-4FBE-9494-52C92B330D2E}"/>
+                <a16:creationId xmlns:a16="http://schemas.microsoft.com/office/drawing/2014/main" id="{5F0C0AF5-9913-42A5-9AB1-BC319543FB8F}"/>
               </a:ext>
             </a:extLst>
           </p:cNvPr>
@@ -1522,7 +1893,7 @@
     </p:spTree>
     <p:extLst>
       <p:ext uri="{BB962C8B-B14F-4D97-AF65-F5344CB8AC3E}">
-        <p14:creationId xmlns:p14="http://schemas.microsoft.com/office/powerpoint/2010/main" val="4283733440"/>
+        <p14:creationId xmlns:p14="http://schemas.microsoft.com/office/powerpoint/2010/main" val="15179329"/>
       </p:ext>
     </p:extLst>
   </p:cSld>
@@ -1576,7 +1947,7 @@
           <a:bodyPr/>
           <a:lstStyle/>
           <a:p>
-            <a:endParaRPr lang="en-US"/>
+            <a:endParaRPr lang="en-US" dirty="0"/>
           </a:p>
         </p:txBody>
       </p:sp>
@@ -1597,6 +1968,7 @@
           <a:p>
             <a:fld id="{3EBA5BD7-F043-4D1B-AA17-CD412FC534DE}" type="slidenum">
               <a:rPr lang="en-US" smtClean="0"/>
+              <a:pPr/>
               <a:t>10</a:t>
             </a:fld>
             <a:endParaRPr lang="en-US" dirty="0"/>
@@ -1608,7 +1980,7 @@
           <p:cNvPr id="6" name="Footer Placeholder">
             <a:extLst>
               <a:ext uri="{FF2B5EF4-FFF2-40B4-BE49-F238E27FC236}">
-                <a16:creationId xmlns:a16="http://schemas.microsoft.com/office/drawing/2014/main" id="{A7BC737F-7965-4CA3-A495-E433E14762EB}"/>
+                <a16:creationId xmlns:a16="http://schemas.microsoft.com/office/drawing/2014/main" id="{46C6E198-4C27-408F-999E-3D2B8C5A47D9}"/>
               </a:ext>
             </a:extLst>
           </p:cNvPr>
@@ -1681,7 +2053,463 @@
     </p:spTree>
     <p:extLst>
       <p:ext uri="{BB962C8B-B14F-4D97-AF65-F5344CB8AC3E}">
-        <p14:creationId xmlns:p14="http://schemas.microsoft.com/office/powerpoint/2010/main" val="3396201328"/>
+        <p14:creationId xmlns:p14="http://schemas.microsoft.com/office/powerpoint/2010/main" val="2582074173"/>
+      </p:ext>
+    </p:extLst>
+  </p:cSld>
+  <p:clrMapOvr>
+    <a:masterClrMapping/>
+  </p:clrMapOvr>
+</p:notes>
+</file>
+
+<file path=ppt/notesSlides/notesSlide7.xml><?xml version="1.0" encoding="utf-8"?>
+<p:notes xmlns:a="http://schemas.openxmlformats.org/drawingml/2006/main" xmlns:r="http://schemas.openxmlformats.org/officeDocument/2006/relationships" xmlns:p="http://schemas.openxmlformats.org/presentationml/2006/main">
+  <p:cSld>
+    <p:spTree>
+      <p:nvGrpSpPr>
+        <p:cNvPr id="1" name=""/>
+        <p:cNvGrpSpPr/>
+        <p:nvPr/>
+      </p:nvGrpSpPr>
+      <p:grpSpPr>
+        <a:xfrm>
+          <a:off x="0" y="0"/>
+          <a:ext cx="0" cy="0"/>
+          <a:chOff x="0" y="0"/>
+          <a:chExt cx="0" cy="0"/>
+        </a:xfrm>
+      </p:grpSpPr>
+      <p:sp>
+        <p:nvSpPr>
+          <p:cNvPr id="2" name="Slide Image Placeholder 1"/>
+          <p:cNvSpPr>
+            <a:spLocks noGrp="1" noRot="1" noChangeAspect="1"/>
+          </p:cNvSpPr>
+          <p:nvPr>
+            <p:ph type="sldImg"/>
+          </p:nvPr>
+        </p:nvSpPr>
+        <p:spPr/>
+      </p:sp>
+      <p:sp>
+        <p:nvSpPr>
+          <p:cNvPr id="3" name="Notes Placeholder 2"/>
+          <p:cNvSpPr>
+            <a:spLocks noGrp="1"/>
+          </p:cNvSpPr>
+          <p:nvPr>
+            <p:ph type="body" idx="1"/>
+          </p:nvPr>
+        </p:nvSpPr>
+        <p:spPr/>
+        <p:txBody>
+          <a:bodyPr/>
+          <a:lstStyle/>
+          <a:p>
+            <a:endParaRPr lang="en-US" dirty="0"/>
+          </a:p>
+        </p:txBody>
+      </p:sp>
+      <p:sp>
+        <p:nvSpPr>
+          <p:cNvPr id="5" name="Slide Number Placeholder 4"/>
+          <p:cNvSpPr>
+            <a:spLocks noGrp="1"/>
+          </p:cNvSpPr>
+          <p:nvPr>
+            <p:ph type="sldNum" sz="quarter" idx="11"/>
+          </p:nvPr>
+        </p:nvSpPr>
+        <p:spPr/>
+        <p:txBody>
+          <a:bodyPr/>
+          <a:lstStyle/>
+          <a:p>
+            <a:fld id="{3EBA5BD7-F043-4D1B-AA17-CD412FC534DE}" type="slidenum">
+              <a:rPr lang="en-US" smtClean="0"/>
+              <a:pPr/>
+              <a:t>11</a:t>
+            </a:fld>
+            <a:endParaRPr lang="en-US" dirty="0"/>
+          </a:p>
+        </p:txBody>
+      </p:sp>
+      <p:sp>
+        <p:nvSpPr>
+          <p:cNvPr id="6" name="Footer Placeholder">
+            <a:extLst>
+              <a:ext uri="{FF2B5EF4-FFF2-40B4-BE49-F238E27FC236}">
+                <a16:creationId xmlns:a16="http://schemas.microsoft.com/office/drawing/2014/main" id="{F1EDB461-1BB9-48D4-B4DA-D7883DCE8D7A}"/>
+              </a:ext>
+            </a:extLst>
+          </p:cNvPr>
+          <p:cNvSpPr>
+            <a:spLocks noGrp="1"/>
+          </p:cNvSpPr>
+          <p:nvPr>
+            <p:ph type="ftr" sz="quarter" idx="4"/>
+          </p:nvPr>
+        </p:nvSpPr>
+        <p:spPr>
+          <a:xfrm>
+            <a:off x="-1" y="8747999"/>
+            <a:ext cx="6308999" cy="394413"/>
+          </a:xfrm>
+          <a:prstGeom prst="rect">
+            <a:avLst/>
+          </a:prstGeom>
+        </p:spPr>
+        <p:txBody>
+          <a:bodyPr vert="horz" lIns="91440" tIns="45720" rIns="91440" bIns="45720" rtlCol="0" anchor="b"/>
+          <a:lstStyle>
+            <a:lvl1pPr algn="l">
+              <a:defRPr sz="1000"/>
+            </a:lvl1pPr>
+          </a:lstStyle>
+          <a:p>
+            <a:r>
+              <a:rPr lang="en-US" dirty="0"/>
+              <a:t>Created by the </a:t>
+            </a:r>
+            <a:r>
+              <a:rPr lang="en-US" b="1" dirty="0"/>
+              <a:t>Software University Foundation</a:t>
+            </a:r>
+            <a:r>
+              <a:rPr lang="en-US" dirty="0"/>
+              <a:t> – </a:t>
+            </a:r>
+            <a:r>
+              <a:rPr lang="en-US" u="sng" dirty="0">
+                <a:hlinkClick r:id="rId3"/>
+              </a:rPr>
+              <a:t>https://softuni.foundation</a:t>
+            </a:r>
+            <a:endParaRPr lang="en-US" dirty="0"/>
+          </a:p>
+          <a:p>
+            <a:r>
+              <a:rPr lang="en-US" dirty="0"/>
+              <a:t>This work is licensed under the </a:t>
+            </a:r>
+            <a:r>
+              <a:rPr lang="en-US" u="sng" noProof="1">
+                <a:hlinkClick r:id="rId4"/>
+              </a:rPr>
+              <a:t>Creative Commons Attribution-NonCommercial-ShareAlike</a:t>
+            </a:r>
+            <a:r>
+              <a:rPr lang="en-US" noProof="1"/>
+              <a:t> </a:t>
+            </a:r>
+            <a:r>
+              <a:rPr lang="en-US" dirty="0"/>
+              <a:t>license.</a:t>
+            </a:r>
+          </a:p>
+        </p:txBody>
+      </p:sp>
+    </p:spTree>
+    <p:extLst>
+      <p:ext uri="{BB962C8B-B14F-4D97-AF65-F5344CB8AC3E}">
+        <p14:creationId xmlns:p14="http://schemas.microsoft.com/office/powerpoint/2010/main" val="240113606"/>
+      </p:ext>
+    </p:extLst>
+  </p:cSld>
+  <p:clrMapOvr>
+    <a:masterClrMapping/>
+  </p:clrMapOvr>
+</p:notes>
+</file>
+
+<file path=ppt/notesSlides/notesSlide8.xml><?xml version="1.0" encoding="utf-8"?>
+<p:notes xmlns:a="http://schemas.openxmlformats.org/drawingml/2006/main" xmlns:r="http://schemas.openxmlformats.org/officeDocument/2006/relationships" xmlns:p="http://schemas.openxmlformats.org/presentationml/2006/main">
+  <p:cSld>
+    <p:spTree>
+      <p:nvGrpSpPr>
+        <p:cNvPr id="1" name=""/>
+        <p:cNvGrpSpPr/>
+        <p:nvPr/>
+      </p:nvGrpSpPr>
+      <p:grpSpPr>
+        <a:xfrm>
+          <a:off x="0" y="0"/>
+          <a:ext cx="0" cy="0"/>
+          <a:chOff x="0" y="0"/>
+          <a:chExt cx="0" cy="0"/>
+        </a:xfrm>
+      </p:grpSpPr>
+      <p:sp>
+        <p:nvSpPr>
+          <p:cNvPr id="2" name="Slide Image Placeholder 1"/>
+          <p:cNvSpPr>
+            <a:spLocks noGrp="1" noRot="1" noChangeAspect="1"/>
+          </p:cNvSpPr>
+          <p:nvPr>
+            <p:ph type="sldImg"/>
+          </p:nvPr>
+        </p:nvSpPr>
+        <p:spPr/>
+      </p:sp>
+      <p:sp>
+        <p:nvSpPr>
+          <p:cNvPr id="3" name="Notes Placeholder 2"/>
+          <p:cNvSpPr>
+            <a:spLocks noGrp="1"/>
+          </p:cNvSpPr>
+          <p:nvPr>
+            <p:ph type="body" idx="1"/>
+          </p:nvPr>
+        </p:nvSpPr>
+        <p:spPr/>
+        <p:txBody>
+          <a:bodyPr/>
+          <a:lstStyle/>
+          <a:p>
+            <a:endParaRPr lang="en-US" dirty="0"/>
+          </a:p>
+        </p:txBody>
+      </p:sp>
+      <p:sp>
+        <p:nvSpPr>
+          <p:cNvPr id="5" name="Slide Number Placeholder 4"/>
+          <p:cNvSpPr>
+            <a:spLocks noGrp="1"/>
+          </p:cNvSpPr>
+          <p:nvPr>
+            <p:ph type="sldNum" sz="quarter" idx="11"/>
+          </p:nvPr>
+        </p:nvSpPr>
+        <p:spPr/>
+        <p:txBody>
+          <a:bodyPr/>
+          <a:lstStyle/>
+          <a:p>
+            <a:fld id="{3EBA5BD7-F043-4D1B-AA17-CD412FC534DE}" type="slidenum">
+              <a:rPr lang="en-US" smtClean="0"/>
+              <a:pPr/>
+              <a:t>13</a:t>
+            </a:fld>
+            <a:endParaRPr lang="en-US" dirty="0"/>
+          </a:p>
+        </p:txBody>
+      </p:sp>
+      <p:sp>
+        <p:nvSpPr>
+          <p:cNvPr id="6" name="Footer Placeholder">
+            <a:extLst>
+              <a:ext uri="{FF2B5EF4-FFF2-40B4-BE49-F238E27FC236}">
+                <a16:creationId xmlns:a16="http://schemas.microsoft.com/office/drawing/2014/main" id="{0751D8F2-F1D3-4CDA-8931-DB76B66014E9}"/>
+              </a:ext>
+            </a:extLst>
+          </p:cNvPr>
+          <p:cNvSpPr>
+            <a:spLocks noGrp="1"/>
+          </p:cNvSpPr>
+          <p:nvPr>
+            <p:ph type="ftr" sz="quarter" idx="4"/>
+          </p:nvPr>
+        </p:nvSpPr>
+        <p:spPr>
+          <a:xfrm>
+            <a:off x="-1" y="8747999"/>
+            <a:ext cx="6308999" cy="394413"/>
+          </a:xfrm>
+          <a:prstGeom prst="rect">
+            <a:avLst/>
+          </a:prstGeom>
+        </p:spPr>
+        <p:txBody>
+          <a:bodyPr vert="horz" lIns="91440" tIns="45720" rIns="91440" bIns="45720" rtlCol="0" anchor="b"/>
+          <a:lstStyle>
+            <a:lvl1pPr algn="l">
+              <a:defRPr sz="1000"/>
+            </a:lvl1pPr>
+          </a:lstStyle>
+          <a:p>
+            <a:r>
+              <a:rPr lang="en-US" dirty="0"/>
+              <a:t>Created by the </a:t>
+            </a:r>
+            <a:r>
+              <a:rPr lang="en-US" b="1" dirty="0"/>
+              <a:t>Software University Foundation</a:t>
+            </a:r>
+            <a:r>
+              <a:rPr lang="en-US" dirty="0"/>
+              <a:t> – </a:t>
+            </a:r>
+            <a:r>
+              <a:rPr lang="en-US" u="sng" dirty="0">
+                <a:hlinkClick r:id="rId3"/>
+              </a:rPr>
+              <a:t>https://softuni.foundation</a:t>
+            </a:r>
+            <a:endParaRPr lang="en-US" dirty="0"/>
+          </a:p>
+          <a:p>
+            <a:r>
+              <a:rPr lang="en-US" dirty="0"/>
+              <a:t>This work is licensed under the </a:t>
+            </a:r>
+            <a:r>
+              <a:rPr lang="en-US" u="sng" noProof="1">
+                <a:hlinkClick r:id="rId4"/>
+              </a:rPr>
+              <a:t>Creative Commons Attribution-NonCommercial-ShareAlike</a:t>
+            </a:r>
+            <a:r>
+              <a:rPr lang="en-US" noProof="1"/>
+              <a:t> </a:t>
+            </a:r>
+            <a:r>
+              <a:rPr lang="en-US" dirty="0"/>
+              <a:t>license.</a:t>
+            </a:r>
+          </a:p>
+        </p:txBody>
+      </p:sp>
+    </p:spTree>
+    <p:extLst>
+      <p:ext uri="{BB962C8B-B14F-4D97-AF65-F5344CB8AC3E}">
+        <p14:creationId xmlns:p14="http://schemas.microsoft.com/office/powerpoint/2010/main" val="1899261534"/>
+      </p:ext>
+    </p:extLst>
+  </p:cSld>
+  <p:clrMapOvr>
+    <a:masterClrMapping/>
+  </p:clrMapOvr>
+</p:notes>
+</file>
+
+<file path=ppt/notesSlides/notesSlide9.xml><?xml version="1.0" encoding="utf-8"?>
+<p:notes xmlns:a="http://schemas.openxmlformats.org/drawingml/2006/main" xmlns:r="http://schemas.openxmlformats.org/officeDocument/2006/relationships" xmlns:p="http://schemas.openxmlformats.org/presentationml/2006/main">
+  <p:cSld>
+    <p:spTree>
+      <p:nvGrpSpPr>
+        <p:cNvPr id="1" name=""/>
+        <p:cNvGrpSpPr/>
+        <p:nvPr/>
+      </p:nvGrpSpPr>
+      <p:grpSpPr>
+        <a:xfrm>
+          <a:off x="0" y="0"/>
+          <a:ext cx="0" cy="0"/>
+          <a:chOff x="0" y="0"/>
+          <a:chExt cx="0" cy="0"/>
+        </a:xfrm>
+      </p:grpSpPr>
+      <p:sp>
+        <p:nvSpPr>
+          <p:cNvPr id="2" name="Slide Image Placeholder 1"/>
+          <p:cNvSpPr>
+            <a:spLocks noGrp="1" noRot="1" noChangeAspect="1"/>
+          </p:cNvSpPr>
+          <p:nvPr>
+            <p:ph type="sldImg"/>
+          </p:nvPr>
+        </p:nvSpPr>
+        <p:spPr/>
+      </p:sp>
+      <p:sp>
+        <p:nvSpPr>
+          <p:cNvPr id="3" name="Notes Placeholder 2"/>
+          <p:cNvSpPr>
+            <a:spLocks noGrp="1"/>
+          </p:cNvSpPr>
+          <p:nvPr>
+            <p:ph type="body" idx="1"/>
+          </p:nvPr>
+        </p:nvSpPr>
+        <p:spPr/>
+        <p:txBody>
+          <a:bodyPr/>
+          <a:lstStyle/>
+          <a:p>
+            <a:endParaRPr lang="en-US"/>
+          </a:p>
+        </p:txBody>
+      </p:sp>
+      <p:sp>
+        <p:nvSpPr>
+          <p:cNvPr id="4" name="Footer Placeholder">
+            <a:extLst>
+              <a:ext uri="{FF2B5EF4-FFF2-40B4-BE49-F238E27FC236}">
+                <a16:creationId xmlns:a16="http://schemas.microsoft.com/office/drawing/2014/main" id="{EFA0ACE4-6710-4701-98ED-07557A5A13B4}"/>
+              </a:ext>
+            </a:extLst>
+          </p:cNvPr>
+          <p:cNvSpPr>
+            <a:spLocks noGrp="1"/>
+          </p:cNvSpPr>
+          <p:nvPr>
+            <p:ph type="ftr" sz="quarter" idx="4"/>
+          </p:nvPr>
+        </p:nvSpPr>
+        <p:spPr>
+          <a:xfrm>
+            <a:off x="-1" y="8747999"/>
+            <a:ext cx="6308999" cy="394413"/>
+          </a:xfrm>
+          <a:prstGeom prst="rect">
+            <a:avLst/>
+          </a:prstGeom>
+        </p:spPr>
+        <p:txBody>
+          <a:bodyPr vert="horz" lIns="91440" tIns="45720" rIns="91440" bIns="45720" rtlCol="0" anchor="b"/>
+          <a:lstStyle>
+            <a:lvl1pPr algn="l">
+              <a:defRPr sz="1000"/>
+            </a:lvl1pPr>
+          </a:lstStyle>
+          <a:p>
+            <a:r>
+              <a:rPr lang="en-US" dirty="0"/>
+              <a:t>Created by the </a:t>
+            </a:r>
+            <a:r>
+              <a:rPr lang="en-US" b="1" dirty="0"/>
+              <a:t>Software University Foundation</a:t>
+            </a:r>
+            <a:r>
+              <a:rPr lang="en-US" dirty="0"/>
+              <a:t> – </a:t>
+            </a:r>
+            <a:r>
+              <a:rPr lang="en-US" u="sng" dirty="0">
+                <a:hlinkClick r:id="rId3"/>
+              </a:rPr>
+              <a:t>https://softuni.foundation</a:t>
+            </a:r>
+            <a:endParaRPr lang="en-US" dirty="0"/>
+          </a:p>
+          <a:p>
+            <a:r>
+              <a:rPr lang="en-US" dirty="0"/>
+              <a:t>This work is licensed under the </a:t>
+            </a:r>
+            <a:r>
+              <a:rPr lang="en-US" u="sng" noProof="1">
+                <a:hlinkClick r:id="rId4"/>
+              </a:rPr>
+              <a:t>Creative Commons Attribution-NonCommercial-ShareAlike</a:t>
+            </a:r>
+            <a:r>
+              <a:rPr lang="en-US" noProof="1"/>
+              <a:t> </a:t>
+            </a:r>
+            <a:r>
+              <a:rPr lang="en-US" dirty="0"/>
+              <a:t>license.</a:t>
+            </a:r>
+          </a:p>
+        </p:txBody>
+      </p:sp>
+    </p:spTree>
+    <p:extLst>
+      <p:ext uri="{BB962C8B-B14F-4D97-AF65-F5344CB8AC3E}">
+        <p14:creationId xmlns:p14="http://schemas.microsoft.com/office/powerpoint/2010/main" val="4086551543"/>
       </p:ext>
     </p:extLst>
   </p:cSld>
@@ -4847,6 +5675,5288 @@
       </p:grpSpPr>
       <p:sp>
         <p:nvSpPr>
+          <p:cNvPr id="6" name="Content Placeholder 5"/>
+          <p:cNvSpPr>
+            <a:spLocks noGrp="1"/>
+          </p:cNvSpPr>
+          <p:nvPr>
+            <p:ph idx="1"/>
+          </p:nvPr>
+        </p:nvSpPr>
+        <p:spPr>
+          <a:xfrm>
+            <a:off x="190413" y="990600"/>
+            <a:ext cx="11804822" cy="5570355"/>
+          </a:xfrm>
+          <a:ln>
+            <a:noFill/>
+          </a:ln>
+        </p:spPr>
+        <p:txBody>
+          <a:bodyPr/>
+          <a:lstStyle/>
+          <a:p>
+            <a:r>
+              <a:rPr lang="bg-BG" dirty="0">
+                <a:solidFill>
+                  <a:schemeClr val="tx2">
+                    <a:lumMod val="75000"/>
+                  </a:schemeClr>
+                </a:solidFill>
+              </a:rPr>
+              <a:t>Стойностен тип </a:t>
+            </a:r>
+            <a:r>
+              <a:rPr lang="bg-BG" dirty="0"/>
+              <a:t>- променливите</a:t>
+            </a:r>
+            <a:r>
+              <a:rPr lang="en-US" dirty="0"/>
+              <a:t> </a:t>
+            </a:r>
+            <a:r>
+              <a:rPr lang="bg-BG" dirty="0"/>
+              <a:t>държат в себе си собствената стойност . В стека може да получим стойността на променливата като я извикаме по име</a:t>
+            </a:r>
+            <a:endParaRPr lang="en-US" dirty="0"/>
+          </a:p>
+          <a:p>
+            <a:pPr lvl="1"/>
+            <a:r>
+              <a:rPr lang="en-US" b="1" noProof="1">
+                <a:solidFill>
+                  <a:schemeClr val="tx2">
+                    <a:lumMod val="75000"/>
+                  </a:schemeClr>
+                </a:solidFill>
+                <a:latin typeface="Consolas" panose="020B0609020204030204" pitchFamily="49" charset="0"/>
+              </a:rPr>
+              <a:t>int</a:t>
+            </a:r>
+            <a:r>
+              <a:rPr lang="en-US" dirty="0"/>
+              <a:t>, </a:t>
+            </a:r>
+            <a:r>
+              <a:rPr lang="en-US" b="1" noProof="1">
+                <a:solidFill>
+                  <a:schemeClr val="tx2">
+                    <a:lumMod val="75000"/>
+                  </a:schemeClr>
+                </a:solidFill>
+                <a:latin typeface="Consolas" panose="020B0609020204030204" pitchFamily="49" charset="0"/>
+              </a:rPr>
+              <a:t>float</a:t>
+            </a:r>
+            <a:r>
+              <a:rPr lang="en-US" dirty="0"/>
+              <a:t>, </a:t>
+            </a:r>
+            <a:r>
+              <a:rPr lang="en-US" b="1" noProof="1">
+                <a:solidFill>
+                  <a:schemeClr val="tx2">
+                    <a:lumMod val="75000"/>
+                  </a:schemeClr>
+                </a:solidFill>
+                <a:latin typeface="Consolas" panose="020B0609020204030204" pitchFamily="49" charset="0"/>
+              </a:rPr>
+              <a:t>double</a:t>
+            </a:r>
+            <a:r>
+              <a:rPr lang="en-US" dirty="0"/>
+              <a:t>, </a:t>
+            </a:r>
+            <a:r>
+              <a:rPr lang="en-US" b="1" noProof="1">
+                <a:solidFill>
+                  <a:schemeClr val="tx2">
+                    <a:lumMod val="75000"/>
+                  </a:schemeClr>
+                </a:solidFill>
+                <a:latin typeface="Consolas" panose="020B0609020204030204" pitchFamily="49" charset="0"/>
+              </a:rPr>
+              <a:t>bool</a:t>
+            </a:r>
+            <a:r>
+              <a:rPr lang="en-US" dirty="0"/>
+              <a:t>, </a:t>
+            </a:r>
+            <a:r>
+              <a:rPr lang="en-US" b="1" noProof="1">
+                <a:solidFill>
+                  <a:schemeClr val="tx2">
+                    <a:lumMod val="75000"/>
+                  </a:schemeClr>
+                </a:solidFill>
+                <a:latin typeface="Consolas" panose="020B0609020204030204" pitchFamily="49" charset="0"/>
+              </a:rPr>
+              <a:t>char</a:t>
+            </a:r>
+            <a:r>
+              <a:rPr lang="en-US" dirty="0"/>
+              <a:t>, </a:t>
+            </a:r>
+            <a:r>
+              <a:rPr lang="en-US" b="1" noProof="1">
+                <a:solidFill>
+                  <a:schemeClr val="tx2">
+                    <a:lumMod val="75000"/>
+                  </a:schemeClr>
+                </a:solidFill>
+                <a:latin typeface="Consolas" panose="020B0609020204030204" pitchFamily="49" charset="0"/>
+              </a:rPr>
+              <a:t>DateTime</a:t>
+            </a:r>
+            <a:r>
+              <a:rPr lang="en-US" dirty="0"/>
+              <a:t>, </a:t>
+            </a:r>
+            <a:r>
+              <a:rPr lang="en-US" b="1" noProof="1">
+                <a:solidFill>
+                  <a:schemeClr val="tx2">
+                    <a:lumMod val="75000"/>
+                  </a:schemeClr>
+                </a:solidFill>
+                <a:effectLst>
+                  <a:outerShdw blurRad="38100" dist="38100" dir="2700000" algn="tl">
+                    <a:srgbClr val="000000">
+                      <a:alpha val="43137"/>
+                    </a:srgbClr>
+                  </a:outerShdw>
+                </a:effectLst>
+                <a:latin typeface="Consolas" panose="020B0609020204030204" pitchFamily="49" charset="0"/>
+              </a:rPr>
+              <a:t>BigInteger</a:t>
+            </a:r>
+            <a:r>
+              <a:rPr lang="en-US" dirty="0"/>
+              <a:t>, …</a:t>
+            </a:r>
+          </a:p>
+          <a:p>
+            <a:pPr lvl="1"/>
+            <a:r>
+              <a:rPr lang="en-US" dirty="0">
+                <a:hlinkClick r:id="rId3"/>
+              </a:rPr>
+              <a:t>msdn.microsoft.com/library/bfft1t3c.aspx</a:t>
+            </a:r>
+            <a:r>
+              <a:rPr lang="en-US" dirty="0"/>
+              <a:t> </a:t>
+            </a:r>
+          </a:p>
+          <a:p>
+            <a:r>
+              <a:rPr lang="bg-BG" dirty="0"/>
+              <a:t>Всяка променлива пази </a:t>
+            </a:r>
+            <a:r>
+              <a:rPr lang="bg-BG" dirty="0">
+                <a:solidFill>
+                  <a:schemeClr val="tx2">
+                    <a:lumMod val="75000"/>
+                  </a:schemeClr>
+                </a:solidFill>
+              </a:rPr>
+              <a:t>копие</a:t>
+            </a:r>
+            <a:r>
+              <a:rPr lang="en-US" dirty="0"/>
+              <a:t> </a:t>
+            </a:r>
+            <a:r>
+              <a:rPr lang="bg-BG" dirty="0"/>
+              <a:t>на</a:t>
+            </a:r>
+            <a:r>
+              <a:rPr lang="en-US" dirty="0"/>
+              <a:t> </a:t>
+            </a:r>
+            <a:r>
+              <a:rPr lang="bg-BG" dirty="0">
+                <a:solidFill>
+                  <a:schemeClr val="tx2">
+                    <a:lumMod val="75000"/>
+                  </a:schemeClr>
+                </a:solidFill>
+              </a:rPr>
+              <a:t>данните</a:t>
+            </a:r>
+            <a:endParaRPr lang="en-US" dirty="0">
+              <a:solidFill>
+                <a:schemeClr val="tx2">
+                  <a:lumMod val="75000"/>
+                </a:schemeClr>
+              </a:solidFill>
+            </a:endParaRPr>
+          </a:p>
+        </p:txBody>
+      </p:sp>
+      <p:sp>
+        <p:nvSpPr>
+          <p:cNvPr id="428034" name="Rectangle 2"/>
+          <p:cNvSpPr>
+            <a:spLocks noGrp="1" noChangeArrowheads="1"/>
+          </p:cNvSpPr>
+          <p:nvPr>
+            <p:ph type="title"/>
+          </p:nvPr>
+        </p:nvSpPr>
+        <p:spPr/>
+        <p:txBody>
+          <a:bodyPr/>
+          <a:lstStyle/>
+          <a:p>
+            <a:r>
+              <a:rPr lang="bg-BG" dirty="0"/>
+              <a:t>Стойностни типове (</a:t>
+            </a:r>
+            <a:r>
+              <a:rPr lang="en-US" dirty="0"/>
+              <a:t>Value Types</a:t>
+            </a:r>
+            <a:r>
+              <a:rPr lang="bg-BG" dirty="0"/>
+              <a:t>) </a:t>
+            </a:r>
+          </a:p>
+        </p:txBody>
+      </p:sp>
+      <p:pic>
+        <p:nvPicPr>
+          <p:cNvPr id="5" name="Picture 2" descr="clip_image003[12]"/>
+          <p:cNvPicPr>
+            <a:picLocks noChangeAspect="1" noChangeArrowheads="1"/>
+          </p:cNvPicPr>
+          <p:nvPr/>
+        </p:nvPicPr>
+        <p:blipFill rotWithShape="1">
+          <a:blip r:embed="rId4" cstate="print">
+            <a:extLst>
+              <a:ext uri="{28A0092B-C50C-407E-A947-70E740481C1C}">
+                <a14:useLocalDpi xmlns:a14="http://schemas.microsoft.com/office/drawing/2010/main" val="0"/>
+              </a:ext>
+            </a:extLst>
+          </a:blip>
+          <a:srcRect/>
+          <a:stretch/>
+        </p:blipFill>
+        <p:spPr bwMode="auto">
+          <a:xfrm>
+            <a:off x="8857044" y="3440152"/>
+            <a:ext cx="2708569" cy="3172202"/>
+          </a:xfrm>
+          <a:prstGeom prst="roundRect">
+            <a:avLst>
+              <a:gd name="adj" fmla="val 280"/>
+            </a:avLst>
+          </a:prstGeom>
+          <a:solidFill>
+            <a:schemeClr val="tx1"/>
+          </a:solidFill>
+        </p:spPr>
+      </p:pic>
+      <p:sp>
+        <p:nvSpPr>
+          <p:cNvPr id="8" name="Text Placeholder 5"/>
+          <p:cNvSpPr txBox="1">
+            <a:spLocks/>
+          </p:cNvSpPr>
+          <p:nvPr/>
+        </p:nvSpPr>
+        <p:spPr>
+          <a:xfrm>
+            <a:off x="2208212" y="4773915"/>
+            <a:ext cx="5105400" cy="1849325"/>
+          </a:xfrm>
+          <a:prstGeom prst="rect">
+            <a:avLst/>
+          </a:prstGeom>
+          <a:solidFill>
+            <a:schemeClr val="accent5">
+              <a:lumMod val="40000"/>
+              <a:lumOff val="60000"/>
+              <a:alpha val="20000"/>
+            </a:schemeClr>
+          </a:solidFill>
+          <a:ln w="12700">
+            <a:solidFill>
+              <a:schemeClr val="accent5">
+                <a:lumMod val="60000"/>
+                <a:lumOff val="40000"/>
+              </a:schemeClr>
+            </a:solidFill>
+          </a:ln>
+        </p:spPr>
+        <p:txBody>
+          <a:bodyPr vert="horz" wrap="square" lIns="144000" tIns="108000" rIns="144000" bIns="108000" rtlCol="0">
+            <a:spAutoFit/>
+          </a:bodyPr>
+          <a:lstStyle>
+            <a:lvl1pPr indent="0">
+              <a:lnSpc>
+                <a:spcPct val="100000"/>
+              </a:lnSpc>
+              <a:spcBef>
+                <a:spcPts val="0"/>
+              </a:spcBef>
+              <a:spcAft>
+                <a:spcPts val="0"/>
+              </a:spcAft>
+              <a:buClr>
+                <a:srgbClr val="F2B254"/>
+              </a:buClr>
+              <a:buSzPct val="100000"/>
+              <a:buFont typeface="Wingdings" panose="05000000000000000000" pitchFamily="2" charset="2"/>
+              <a:buNone/>
+              <a:defRPr lang="en-US" b="1" noProof="1" smtClean="0">
+                <a:solidFill>
+                  <a:srgbClr val="FBEEDC"/>
+                </a:solidFill>
+                <a:effectLst>
+                  <a:outerShdw blurRad="38100" dist="38100" dir="2700000" algn="tl">
+                    <a:srgbClr val="000000">
+                      <a:alpha val="43137"/>
+                    </a:srgbClr>
+                  </a:outerShdw>
+                </a:effectLst>
+                <a:latin typeface="Consolas" pitchFamily="49" charset="0"/>
+                <a:cs typeface="Consolas" pitchFamily="49" charset="0"/>
+              </a:defRPr>
+            </a:lvl1pPr>
+            <a:lvl2pPr indent="-231606">
+              <a:lnSpc>
+                <a:spcPct val="105000"/>
+              </a:lnSpc>
+              <a:spcBef>
+                <a:spcPts val="600"/>
+              </a:spcBef>
+              <a:spcAft>
+                <a:spcPts val="600"/>
+              </a:spcAft>
+              <a:buClr>
+                <a:schemeClr val="accent1"/>
+              </a:buClr>
+              <a:buSzPct val="80000"/>
+              <a:buFont typeface="Wingdings" panose="05000000000000000000" pitchFamily="2" charset="2"/>
+              <a:buChar char="§"/>
+              <a:defRPr sz="3200" b="0"/>
+            </a:lvl2pPr>
+            <a:lvl3pPr marL="914240" indent="-231606">
+              <a:lnSpc>
+                <a:spcPct val="105000"/>
+              </a:lnSpc>
+              <a:spcBef>
+                <a:spcPts val="600"/>
+              </a:spcBef>
+              <a:spcAft>
+                <a:spcPts val="600"/>
+              </a:spcAft>
+              <a:buClr>
+                <a:srgbClr val="EF9A1D"/>
+              </a:buClr>
+              <a:buSzPct val="80000"/>
+              <a:buFont typeface="Wingdings" panose="05000000000000000000" pitchFamily="2" charset="2"/>
+              <a:buChar char="§"/>
+              <a:defRPr sz="3000" b="0"/>
+            </a:lvl3pPr>
+            <a:lvl4pPr marL="1218987" indent="-231606">
+              <a:lnSpc>
+                <a:spcPct val="105000"/>
+              </a:lnSpc>
+              <a:spcBef>
+                <a:spcPts val="600"/>
+              </a:spcBef>
+              <a:spcAft>
+                <a:spcPts val="600"/>
+              </a:spcAft>
+              <a:buClr>
+                <a:srgbClr val="ED9411"/>
+              </a:buClr>
+              <a:buSzPct val="80000"/>
+              <a:buFont typeface="Wingdings" panose="05000000000000000000" pitchFamily="2" charset="2"/>
+              <a:buChar char="§"/>
+              <a:defRPr sz="2800" b="0"/>
+            </a:lvl4pPr>
+            <a:lvl5pPr marL="1523733" indent="-231606">
+              <a:lnSpc>
+                <a:spcPct val="105000"/>
+              </a:lnSpc>
+              <a:spcBef>
+                <a:spcPts val="600"/>
+              </a:spcBef>
+              <a:spcAft>
+                <a:spcPts val="600"/>
+              </a:spcAft>
+              <a:buClr>
+                <a:srgbClr val="E28D10"/>
+              </a:buClr>
+              <a:buSzPct val="80000"/>
+              <a:buFont typeface="Wingdings" panose="05000000000000000000" pitchFamily="2" charset="2"/>
+              <a:buChar char="§"/>
+              <a:defRPr sz="2600" b="0"/>
+            </a:lvl5pPr>
+            <a:lvl6pPr marL="1828480" indent="-231606">
+              <a:lnSpc>
+                <a:spcPct val="90000"/>
+              </a:lnSpc>
+              <a:spcBef>
+                <a:spcPts val="800"/>
+              </a:spcBef>
+              <a:buClr>
+                <a:schemeClr val="accent1"/>
+              </a:buClr>
+              <a:buSzPct val="80000"/>
+              <a:buFont typeface="Arial" pitchFamily="34" charset="0"/>
+              <a:buChar char="•"/>
+              <a:defRPr sz="2000"/>
+            </a:lvl6pPr>
+            <a:lvl7pPr marL="2133227" indent="-231606">
+              <a:lnSpc>
+                <a:spcPct val="90000"/>
+              </a:lnSpc>
+              <a:spcBef>
+                <a:spcPts val="800"/>
+              </a:spcBef>
+              <a:buClr>
+                <a:schemeClr val="accent1"/>
+              </a:buClr>
+              <a:buSzPct val="80000"/>
+              <a:buFont typeface="Arial" pitchFamily="34" charset="0"/>
+              <a:buChar char="•"/>
+              <a:defRPr sz="2000"/>
+            </a:lvl7pPr>
+            <a:lvl8pPr marL="2437972" indent="-231606">
+              <a:lnSpc>
+                <a:spcPct val="90000"/>
+              </a:lnSpc>
+              <a:spcBef>
+                <a:spcPts val="800"/>
+              </a:spcBef>
+              <a:buClr>
+                <a:schemeClr val="accent1"/>
+              </a:buClr>
+              <a:buSzPct val="80000"/>
+              <a:buFont typeface="Arial" pitchFamily="34" charset="0"/>
+              <a:buChar char="•"/>
+              <a:defRPr sz="2000" baseline="0"/>
+            </a:lvl8pPr>
+            <a:lvl9pPr marL="2742720" indent="-231606">
+              <a:lnSpc>
+                <a:spcPct val="90000"/>
+              </a:lnSpc>
+              <a:spcBef>
+                <a:spcPts val="800"/>
+              </a:spcBef>
+              <a:buClr>
+                <a:schemeClr val="accent1"/>
+              </a:buClr>
+              <a:buSzPct val="80000"/>
+              <a:buFont typeface="Arial" pitchFamily="34" charset="0"/>
+              <a:buChar char="•"/>
+              <a:defRPr sz="2000" baseline="0"/>
+            </a:lvl9pPr>
+          </a:lstStyle>
+          <a:p>
+            <a:pPr>
+              <a:spcBef>
+                <a:spcPts val="600"/>
+              </a:spcBef>
+            </a:pPr>
+            <a:r>
+              <a:rPr lang="en-US" sz="3200">
+                <a:solidFill>
+                  <a:schemeClr val="tx2">
+                    <a:lumMod val="75000"/>
+                  </a:schemeClr>
+                </a:solidFill>
+              </a:rPr>
+              <a:t>int</a:t>
+            </a:r>
+            <a:r>
+              <a:rPr lang="en-US" sz="3200"/>
+              <a:t> i = 42;</a:t>
+            </a:r>
+            <a:endParaRPr lang="en-US" sz="3200" dirty="0"/>
+          </a:p>
+          <a:p>
+            <a:pPr>
+              <a:spcBef>
+                <a:spcPts val="600"/>
+              </a:spcBef>
+            </a:pPr>
+            <a:r>
+              <a:rPr lang="en-US" sz="3200">
+                <a:solidFill>
+                  <a:schemeClr val="tx2">
+                    <a:lumMod val="75000"/>
+                  </a:schemeClr>
+                </a:solidFill>
+              </a:rPr>
+              <a:t>char</a:t>
+            </a:r>
+            <a:r>
+              <a:rPr lang="en-US" sz="3200"/>
+              <a:t> ch = 'A';</a:t>
+            </a:r>
+            <a:endParaRPr lang="en-US" sz="3200" dirty="0"/>
+          </a:p>
+          <a:p>
+            <a:pPr>
+              <a:spcBef>
+                <a:spcPts val="600"/>
+              </a:spcBef>
+            </a:pPr>
+            <a:r>
+              <a:rPr lang="en-US" sz="3200">
+                <a:solidFill>
+                  <a:schemeClr val="tx2">
+                    <a:lumMod val="75000"/>
+                  </a:schemeClr>
+                </a:solidFill>
+              </a:rPr>
+              <a:t>bool</a:t>
+            </a:r>
+            <a:r>
+              <a:rPr lang="en-US" sz="3200"/>
+              <a:t> result = true;</a:t>
+            </a:r>
+            <a:endParaRPr lang="en-US" sz="3200" dirty="0"/>
+          </a:p>
+        </p:txBody>
+      </p:sp>
+      <p:sp>
+        <p:nvSpPr>
+          <p:cNvPr id="7" name="Slide Number Placeholder">
+            <a:extLst>
+              <a:ext uri="{FF2B5EF4-FFF2-40B4-BE49-F238E27FC236}">
+                <a16:creationId xmlns:a16="http://schemas.microsoft.com/office/drawing/2014/main" id="{5DEE1E48-944E-4E06-A4E0-C1795492B6F1}"/>
+              </a:ext>
+            </a:extLst>
+          </p:cNvPr>
+          <p:cNvSpPr>
+            <a:spLocks noGrp="1"/>
+          </p:cNvSpPr>
+          <p:nvPr>
+            <p:ph type="sldNum" sz="quarter" idx="4"/>
+          </p:nvPr>
+        </p:nvSpPr>
+        <p:spPr>
+          <a:xfrm>
+            <a:off x="11566412" y="6525002"/>
+            <a:ext cx="428822" cy="196477"/>
+          </a:xfrm>
+          <a:prstGeom prst="rect">
+            <a:avLst/>
+          </a:prstGeom>
+        </p:spPr>
+        <p:txBody>
+          <a:bodyPr vert="horz" lIns="36000" tIns="36000" rIns="36000" bIns="36000" rtlCol="0" anchor="ctr"/>
+          <a:lstStyle>
+            <a:lvl1pPr algn="r">
+              <a:defRPr sz="1000">
+                <a:solidFill>
+                  <a:schemeClr val="tx1">
+                    <a:tint val="75000"/>
+                  </a:schemeClr>
+                </a:solidFill>
+              </a:defRPr>
+            </a:lvl1pPr>
+          </a:lstStyle>
+          <a:p>
+            <a:fld id="{C014DD1E-5D91-48A3-AD6D-45FBA980D106}" type="slidenum">
+              <a:rPr lang="en-US" smtClean="0">
+                <a:solidFill>
+                  <a:prstClr val="white">
+                    <a:tint val="75000"/>
+                  </a:prstClr>
+                </a:solidFill>
+              </a:rPr>
+              <a:pPr/>
+              <a:t>10</a:t>
+            </a:fld>
+            <a:endParaRPr lang="en-US" dirty="0">
+              <a:solidFill>
+                <a:prstClr val="white">
+                  <a:tint val="75000"/>
+                </a:prstClr>
+              </a:solidFill>
+            </a:endParaRPr>
+          </a:p>
+        </p:txBody>
+      </p:sp>
+    </p:spTree>
+    <p:extLst>
+      <p:ext uri="{BB962C8B-B14F-4D97-AF65-F5344CB8AC3E}">
+        <p14:creationId xmlns:p14="http://schemas.microsoft.com/office/powerpoint/2010/main" val="3814822806"/>
+      </p:ext>
+    </p:extLst>
+  </p:cSld>
+  <p:clrMapOvr>
+    <a:masterClrMapping/>
+  </p:clrMapOvr>
+  <p:transition/>
+  <p:timing>
+    <p:tnLst>
+      <p:par>
+        <p:cTn id="1" dur="indefinite" restart="never" nodeType="tmRoot">
+          <p:childTnLst>
+            <p:seq concurrent="1" nextAc="seek">
+              <p:cTn id="2" dur="indefinite" nodeType="mainSeq">
+                <p:childTnLst>
+                  <p:par>
+                    <p:cTn id="3" fill="hold">
+                      <p:stCondLst>
+                        <p:cond delay="indefinite"/>
+                      </p:stCondLst>
+                      <p:childTnLst>
+                        <p:par>
+                          <p:cTn id="4" fill="hold">
+                            <p:stCondLst>
+                              <p:cond delay="0"/>
+                            </p:stCondLst>
+                            <p:childTnLst>
+                              <p:par>
+                                <p:cTn id="5" presetID="1" presetClass="entr" presetSubtype="0" fill="hold" grpId="0" nodeType="clickEffect">
+                                  <p:stCondLst>
+                                    <p:cond delay="0"/>
+                                  </p:stCondLst>
+                                  <p:childTnLst>
+                                    <p:set>
+                                      <p:cBhvr>
+                                        <p:cTn id="6" dur="1" fill="hold">
+                                          <p:stCondLst>
+                                            <p:cond delay="0"/>
+                                          </p:stCondLst>
+                                        </p:cTn>
+                                        <p:tgtEl>
+                                          <p:spTgt spid="6">
+                                            <p:bg/>
+                                          </p:spTgt>
+                                        </p:tgtEl>
+                                        <p:attrNameLst>
+                                          <p:attrName>style.visibility</p:attrName>
+                                        </p:attrNameLst>
+                                      </p:cBhvr>
+                                      <p:to>
+                                        <p:strVal val="visible"/>
+                                      </p:to>
+                                    </p:set>
+                                  </p:childTnLst>
+                                </p:cTn>
+                              </p:par>
+                            </p:childTnLst>
+                          </p:cTn>
+                        </p:par>
+                      </p:childTnLst>
+                    </p:cTn>
+                  </p:par>
+                  <p:par>
+                    <p:cTn id="7" fill="hold">
+                      <p:stCondLst>
+                        <p:cond delay="indefinite"/>
+                      </p:stCondLst>
+                      <p:childTnLst>
+                        <p:par>
+                          <p:cTn id="8" fill="hold">
+                            <p:stCondLst>
+                              <p:cond delay="0"/>
+                            </p:stCondLst>
+                            <p:childTnLst>
+                              <p:par>
+                                <p:cTn id="9" presetID="1" presetClass="entr" presetSubtype="0" fill="hold" grpId="0" nodeType="clickEffect">
+                                  <p:stCondLst>
+                                    <p:cond delay="0"/>
+                                  </p:stCondLst>
+                                  <p:childTnLst>
+                                    <p:set>
+                                      <p:cBhvr>
+                                        <p:cTn id="10" dur="1" fill="hold">
+                                          <p:stCondLst>
+                                            <p:cond delay="0"/>
+                                          </p:stCondLst>
+                                        </p:cTn>
+                                        <p:tgtEl>
+                                          <p:spTgt spid="6">
+                                            <p:txEl>
+                                              <p:pRg st="3" end="3"/>
+                                            </p:txEl>
+                                          </p:spTgt>
+                                        </p:tgtEl>
+                                        <p:attrNameLst>
+                                          <p:attrName>style.visibility</p:attrName>
+                                        </p:attrNameLst>
+                                      </p:cBhvr>
+                                      <p:to>
+                                        <p:strVal val="visible"/>
+                                      </p:to>
+                                    </p:set>
+                                  </p:childTnLst>
+                                </p:cTn>
+                              </p:par>
+                            </p:childTnLst>
+                          </p:cTn>
+                        </p:par>
+                      </p:childTnLst>
+                    </p:cTn>
+                  </p:par>
+                  <p:par>
+                    <p:cTn id="11" fill="hold">
+                      <p:stCondLst>
+                        <p:cond delay="indefinite"/>
+                      </p:stCondLst>
+                      <p:childTnLst>
+                        <p:par>
+                          <p:cTn id="12" fill="hold">
+                            <p:stCondLst>
+                              <p:cond delay="0"/>
+                            </p:stCondLst>
+                            <p:childTnLst>
+                              <p:par>
+                                <p:cTn id="13" presetID="1" presetClass="entr" presetSubtype="0" fill="hold" grpId="0" nodeType="clickEffect">
+                                  <p:stCondLst>
+                                    <p:cond delay="0"/>
+                                  </p:stCondLst>
+                                  <p:childTnLst>
+                                    <p:set>
+                                      <p:cBhvr>
+                                        <p:cTn id="14" dur="1" fill="hold">
+                                          <p:stCondLst>
+                                            <p:cond delay="0"/>
+                                          </p:stCondLst>
+                                        </p:cTn>
+                                        <p:tgtEl>
+                                          <p:spTgt spid="8"/>
+                                        </p:tgtEl>
+                                        <p:attrNameLst>
+                                          <p:attrName>style.visibility</p:attrName>
+                                        </p:attrNameLst>
+                                      </p:cBhvr>
+                                      <p:to>
+                                        <p:strVal val="visible"/>
+                                      </p:to>
+                                    </p:set>
+                                  </p:childTnLst>
+                                </p:cTn>
+                              </p:par>
+                              <p:par>
+                                <p:cTn id="15" presetID="1" presetClass="entr" presetSubtype="0" fill="hold" nodeType="withEffect">
+                                  <p:stCondLst>
+                                    <p:cond delay="0"/>
+                                  </p:stCondLst>
+                                  <p:childTnLst>
+                                    <p:set>
+                                      <p:cBhvr>
+                                        <p:cTn id="16" dur="1" fill="hold">
+                                          <p:stCondLst>
+                                            <p:cond delay="0"/>
+                                          </p:stCondLst>
+                                        </p:cTn>
+                                        <p:tgtEl>
+                                          <p:spTgt spid="5"/>
+                                        </p:tgtEl>
+                                        <p:attrNameLst>
+                                          <p:attrName>style.visibility</p:attrName>
+                                        </p:attrNameLst>
+                                      </p:cBhvr>
+                                      <p:to>
+                                        <p:strVal val="visible"/>
+                                      </p:to>
+                                    </p:set>
+                                  </p:childTnLst>
+                                </p:cTn>
+                              </p:par>
+                            </p:childTnLst>
+                          </p:cTn>
+                        </p:par>
+                      </p:childTnLst>
+                    </p:cTn>
+                  </p:par>
+                </p:childTnLst>
+              </p:cTn>
+              <p:prevCondLst>
+                <p:cond evt="onPrev" delay="0">
+                  <p:tgtEl>
+                    <p:sldTgt/>
+                  </p:tgtEl>
+                </p:cond>
+              </p:prevCondLst>
+              <p:nextCondLst>
+                <p:cond evt="onNext" delay="0">
+                  <p:tgtEl>
+                    <p:sldTgt/>
+                  </p:tgtEl>
+                </p:cond>
+              </p:nextCondLst>
+            </p:seq>
+          </p:childTnLst>
+        </p:cTn>
+      </p:par>
+    </p:tnLst>
+    <p:bldLst>
+      <p:bldP spid="6" grpId="0" uiExpand="1" build="p" animBg="1"/>
+      <p:bldP spid="8" grpId="0" animBg="1"/>
+    </p:bldLst>
+  </p:timing>
+</p:sld>
+</file>
+
+<file path=ppt/slides/slide11.xml><?xml version="1.0" encoding="utf-8"?>
+<p:sld xmlns:a="http://schemas.openxmlformats.org/drawingml/2006/main" xmlns:r="http://schemas.openxmlformats.org/officeDocument/2006/relationships" xmlns:p="http://schemas.openxmlformats.org/presentationml/2006/main">
+  <p:cSld>
+    <p:spTree>
+      <p:nvGrpSpPr>
+        <p:cNvPr id="1" name=""/>
+        <p:cNvGrpSpPr/>
+        <p:nvPr/>
+      </p:nvGrpSpPr>
+      <p:grpSpPr>
+        <a:xfrm>
+          <a:off x="0" y="0"/>
+          <a:ext cx="0" cy="0"/>
+          <a:chOff x="0" y="0"/>
+          <a:chExt cx="0" cy="0"/>
+        </a:xfrm>
+      </p:grpSpPr>
+      <p:sp>
+        <p:nvSpPr>
+          <p:cNvPr id="4" name="Content Placeholder 5"/>
+          <p:cNvSpPr>
+            <a:spLocks noGrp="1"/>
+          </p:cNvSpPr>
+          <p:nvPr>
+            <p:ph idx="1"/>
+          </p:nvPr>
+        </p:nvSpPr>
+        <p:spPr>
+          <a:xfrm>
+            <a:off x="190413" y="1151121"/>
+            <a:ext cx="11804821" cy="4868679"/>
+          </a:xfrm>
+        </p:spPr>
+        <p:txBody>
+          <a:bodyPr>
+            <a:normAutofit fontScale="92500" lnSpcReduction="10000"/>
+          </a:bodyPr>
+          <a:lstStyle/>
+          <a:p>
+            <a:r>
+              <a:rPr lang="bg-BG" dirty="0"/>
+              <a:t>Променливите от </a:t>
+            </a:r>
+            <a:r>
+              <a:rPr lang="bg-BG" dirty="0">
+                <a:solidFill>
+                  <a:schemeClr val="tx2">
+                    <a:lumMod val="75000"/>
+                  </a:schemeClr>
+                </a:solidFill>
+              </a:rPr>
+              <a:t>референтен тип </a:t>
+            </a:r>
+            <a:r>
+              <a:rPr lang="bg-BG" dirty="0"/>
+              <a:t>съдържат</a:t>
+            </a:r>
+            <a:r>
+              <a:rPr lang="en-US" dirty="0"/>
+              <a:t> (</a:t>
+            </a:r>
+            <a:r>
+              <a:rPr lang="bg-BG" dirty="0"/>
+              <a:t>указател</a:t>
+            </a:r>
+            <a:r>
+              <a:rPr lang="en-US" dirty="0"/>
+              <a:t> /</a:t>
+            </a:r>
+            <a:r>
+              <a:rPr lang="bg-BG" dirty="0"/>
+              <a:t> адрес от паметта</a:t>
+            </a:r>
+            <a:r>
+              <a:rPr lang="en-US" dirty="0"/>
+              <a:t>)</a:t>
+            </a:r>
+            <a:r>
+              <a:rPr lang="bg-BG" dirty="0"/>
+              <a:t>, на който се пазят стойностите на данните</a:t>
+            </a:r>
+            <a:endParaRPr lang="en-US" dirty="0"/>
+          </a:p>
+          <a:p>
+            <a:pPr lvl="1"/>
+            <a:r>
+              <a:rPr lang="en-US" b="1" dirty="0">
+                <a:solidFill>
+                  <a:schemeClr val="tx2">
+                    <a:lumMod val="75000"/>
+                  </a:schemeClr>
+                </a:solidFill>
+                <a:effectLst>
+                  <a:outerShdw blurRad="38100" dist="38100" dir="2700000" algn="tl">
+                    <a:srgbClr val="000000">
+                      <a:alpha val="43137"/>
+                    </a:srgbClr>
+                  </a:outerShdw>
+                </a:effectLst>
+                <a:latin typeface="Consolas" panose="020B0609020204030204" pitchFamily="49" charset="0"/>
+              </a:rPr>
+              <a:t>string</a:t>
+            </a:r>
+            <a:r>
+              <a:rPr lang="en-US" dirty="0"/>
+              <a:t>, </a:t>
+            </a:r>
+            <a:r>
+              <a:rPr lang="en-US" b="1" noProof="1">
+                <a:solidFill>
+                  <a:schemeClr val="tx2">
+                    <a:lumMod val="75000"/>
+                  </a:schemeClr>
+                </a:solidFill>
+                <a:effectLst>
+                  <a:outerShdw blurRad="38100" dist="38100" dir="2700000" algn="tl">
+                    <a:srgbClr val="000000">
+                      <a:alpha val="43137"/>
+                    </a:srgbClr>
+                  </a:outerShdw>
+                </a:effectLst>
+                <a:latin typeface="Consolas" panose="020B0609020204030204" pitchFamily="49" charset="0"/>
+              </a:rPr>
+              <a:t>int</a:t>
+            </a:r>
+            <a:r>
+              <a:rPr lang="en-US" b="1" dirty="0">
+                <a:solidFill>
+                  <a:schemeClr val="tx2">
+                    <a:lumMod val="75000"/>
+                  </a:schemeClr>
+                </a:solidFill>
+                <a:effectLst>
+                  <a:outerShdw blurRad="38100" dist="38100" dir="2700000" algn="tl">
+                    <a:srgbClr val="000000">
+                      <a:alpha val="43137"/>
+                    </a:srgbClr>
+                  </a:outerShdw>
+                </a:effectLst>
+                <a:latin typeface="Consolas" panose="020B0609020204030204" pitchFamily="49" charset="0"/>
+              </a:rPr>
+              <a:t>[]</a:t>
+            </a:r>
+            <a:r>
+              <a:rPr lang="en-US" dirty="0"/>
+              <a:t>, </a:t>
+            </a:r>
+            <a:r>
+              <a:rPr lang="en-US" b="1" dirty="0">
+                <a:solidFill>
+                  <a:schemeClr val="tx2">
+                    <a:lumMod val="75000"/>
+                  </a:schemeClr>
+                </a:solidFill>
+                <a:effectLst>
+                  <a:outerShdw blurRad="38100" dist="38100" dir="2700000" algn="tl">
+                    <a:srgbClr val="000000">
+                      <a:alpha val="43137"/>
+                    </a:srgbClr>
+                  </a:outerShdw>
+                </a:effectLst>
+                <a:latin typeface="Consolas" panose="020B0609020204030204" pitchFamily="49" charset="0"/>
+              </a:rPr>
+              <a:t>char[]</a:t>
+            </a:r>
+            <a:r>
+              <a:rPr lang="en-US" dirty="0"/>
+              <a:t>, </a:t>
+            </a:r>
+            <a:r>
+              <a:rPr lang="en-US" b="1" dirty="0">
+                <a:solidFill>
+                  <a:schemeClr val="tx2">
+                    <a:lumMod val="75000"/>
+                  </a:schemeClr>
+                </a:solidFill>
+                <a:effectLst>
+                  <a:outerShdw blurRad="38100" dist="38100" dir="2700000" algn="tl">
+                    <a:srgbClr val="000000">
+                      <a:alpha val="43137"/>
+                    </a:srgbClr>
+                  </a:outerShdw>
+                </a:effectLst>
+                <a:latin typeface="Consolas" panose="020B0609020204030204" pitchFamily="49" charset="0"/>
+              </a:rPr>
+              <a:t>string[]</a:t>
+            </a:r>
+            <a:r>
+              <a:rPr lang="en-US" dirty="0"/>
+              <a:t>, </a:t>
+            </a:r>
+            <a:r>
+              <a:rPr lang="en-US" b="1" dirty="0">
+                <a:solidFill>
+                  <a:schemeClr val="tx2">
+                    <a:lumMod val="75000"/>
+                  </a:schemeClr>
+                </a:solidFill>
+                <a:effectLst>
+                  <a:outerShdw blurRad="38100" dist="38100" dir="2700000" algn="tl">
+                    <a:srgbClr val="000000">
+                      <a:alpha val="43137"/>
+                    </a:srgbClr>
+                  </a:outerShdw>
+                </a:effectLst>
+                <a:latin typeface="Consolas" panose="020B0609020204030204" pitchFamily="49" charset="0"/>
+              </a:rPr>
+              <a:t>Random</a:t>
+            </a:r>
+            <a:r>
+              <a:rPr lang="en-US" dirty="0"/>
+              <a:t>, </a:t>
+            </a:r>
+            <a:r>
+              <a:rPr lang="bg-BG" dirty="0"/>
+              <a:t>инстанции на </a:t>
+            </a:r>
+            <a:r>
+              <a:rPr lang="en-US" dirty="0">
+                <a:solidFill>
+                  <a:schemeClr val="tx2">
+                    <a:lumMod val="75000"/>
+                  </a:schemeClr>
+                </a:solidFill>
+              </a:rPr>
+              <a:t>classes</a:t>
+            </a:r>
+            <a:r>
+              <a:rPr lang="en-US" dirty="0"/>
+              <a:t>, </a:t>
+            </a:r>
+            <a:r>
+              <a:rPr lang="en-US" dirty="0">
+                <a:solidFill>
+                  <a:schemeClr val="tx2">
+                    <a:lumMod val="75000"/>
+                  </a:schemeClr>
+                </a:solidFill>
+              </a:rPr>
+              <a:t>interfaces</a:t>
+            </a:r>
+            <a:r>
+              <a:rPr lang="en-US" dirty="0"/>
+              <a:t>, </a:t>
+            </a:r>
+            <a:r>
+              <a:rPr lang="en-US" dirty="0">
+                <a:solidFill>
+                  <a:schemeClr val="tx2">
+                    <a:lumMod val="75000"/>
+                  </a:schemeClr>
+                </a:solidFill>
+              </a:rPr>
+              <a:t>delegates</a:t>
+            </a:r>
+            <a:endParaRPr lang="bg-BG" dirty="0">
+              <a:solidFill>
+                <a:schemeClr val="tx2">
+                  <a:lumMod val="75000"/>
+                </a:schemeClr>
+              </a:solidFill>
+            </a:endParaRPr>
+          </a:p>
+          <a:p>
+            <a:pPr lvl="1"/>
+            <a:r>
+              <a:rPr lang="bg-BG" dirty="0"/>
+              <a:t>В този тип пазим не стойността, а </a:t>
+            </a:r>
+            <a:r>
+              <a:rPr lang="bg-BG" dirty="0">
+                <a:solidFill>
+                  <a:schemeClr val="tx2">
+                    <a:lumMod val="75000"/>
+                  </a:schemeClr>
+                </a:solidFill>
+              </a:rPr>
+              <a:t>адреса</a:t>
+            </a:r>
+            <a:r>
+              <a:rPr lang="bg-BG" dirty="0"/>
+              <a:t> на стойността</a:t>
+            </a:r>
+            <a:endParaRPr lang="en-US" dirty="0"/>
+          </a:p>
+          <a:p>
+            <a:r>
+              <a:rPr lang="bg-BG" dirty="0"/>
+              <a:t>Две променливи от референтен тип могат</a:t>
+            </a:r>
+            <a:br>
+              <a:rPr lang="bg-BG" dirty="0"/>
+            </a:br>
+            <a:r>
+              <a:rPr lang="bg-BG" dirty="0"/>
+              <a:t>да сочат (реферират)</a:t>
+            </a:r>
+            <a:r>
+              <a:rPr lang="en-US" dirty="0"/>
+              <a:t> </a:t>
+            </a:r>
+            <a:r>
+              <a:rPr lang="bg-BG" dirty="0">
+                <a:solidFill>
+                  <a:schemeClr val="tx2">
+                    <a:lumMod val="75000"/>
+                  </a:schemeClr>
+                </a:solidFill>
+              </a:rPr>
+              <a:t>един и същи обект</a:t>
+            </a:r>
+            <a:endParaRPr lang="en-US" dirty="0"/>
+          </a:p>
+          <a:p>
+            <a:pPr lvl="1"/>
+            <a:r>
+              <a:rPr lang="bg-BG" dirty="0"/>
+              <a:t>Операциите за достъп/промяна чрез двата</a:t>
+            </a:r>
+            <a:br>
+              <a:rPr lang="bg-BG" dirty="0"/>
+            </a:br>
+            <a:r>
+              <a:rPr lang="bg-BG" dirty="0"/>
+              <a:t>обекта въздействат върху едни и същи данни</a:t>
+            </a:r>
+          </a:p>
+          <a:p>
+            <a:pPr lvl="1"/>
+            <a:endParaRPr lang="bg-BG" dirty="0"/>
+          </a:p>
+          <a:p>
+            <a:endParaRPr lang="bg-BG" dirty="0"/>
+          </a:p>
+          <a:p>
+            <a:endParaRPr lang="en-US" dirty="0"/>
+          </a:p>
+        </p:txBody>
+      </p:sp>
+      <p:sp>
+        <p:nvSpPr>
+          <p:cNvPr id="428034" name="Rectangle 2"/>
+          <p:cNvSpPr>
+            <a:spLocks noGrp="1" noChangeArrowheads="1"/>
+          </p:cNvSpPr>
+          <p:nvPr>
+            <p:ph type="title"/>
+          </p:nvPr>
+        </p:nvSpPr>
+        <p:spPr/>
+        <p:txBody>
+          <a:bodyPr>
+            <a:normAutofit/>
+          </a:bodyPr>
+          <a:lstStyle/>
+          <a:p>
+            <a:r>
+              <a:rPr lang="bg-BG" dirty="0"/>
+              <a:t>Референтни типове(</a:t>
+            </a:r>
+            <a:r>
+              <a:rPr lang="en-US" dirty="0"/>
+              <a:t>Reference Types</a:t>
+            </a:r>
+            <a:r>
+              <a:rPr lang="bg-BG" dirty="0"/>
+              <a:t> )</a:t>
+            </a:r>
+          </a:p>
+        </p:txBody>
+      </p:sp>
+      <p:sp>
+        <p:nvSpPr>
+          <p:cNvPr id="6" name="Text Placeholder 5"/>
+          <p:cNvSpPr txBox="1">
+            <a:spLocks/>
+          </p:cNvSpPr>
+          <p:nvPr/>
+        </p:nvSpPr>
+        <p:spPr>
+          <a:xfrm>
+            <a:off x="608012" y="5937561"/>
+            <a:ext cx="7226300" cy="587441"/>
+          </a:xfrm>
+          <a:prstGeom prst="rect">
+            <a:avLst/>
+          </a:prstGeom>
+          <a:solidFill>
+            <a:schemeClr val="accent5">
+              <a:lumMod val="40000"/>
+              <a:lumOff val="60000"/>
+              <a:alpha val="20000"/>
+            </a:schemeClr>
+          </a:solidFill>
+          <a:ln w="12700">
+            <a:solidFill>
+              <a:schemeClr val="accent5">
+                <a:lumMod val="60000"/>
+                <a:lumOff val="40000"/>
+              </a:schemeClr>
+            </a:solidFill>
+          </a:ln>
+        </p:spPr>
+        <p:txBody>
+          <a:bodyPr vert="horz" wrap="square" lIns="144000" tIns="108000" rIns="144000" bIns="108000" rtlCol="0">
+            <a:spAutoFit/>
+          </a:bodyPr>
+          <a:lstStyle>
+            <a:lvl1pPr indent="0">
+              <a:lnSpc>
+                <a:spcPct val="100000"/>
+              </a:lnSpc>
+              <a:spcBef>
+                <a:spcPts val="0"/>
+              </a:spcBef>
+              <a:spcAft>
+                <a:spcPts val="0"/>
+              </a:spcAft>
+              <a:buClr>
+                <a:srgbClr val="F2B254"/>
+              </a:buClr>
+              <a:buSzPct val="100000"/>
+              <a:buFont typeface="Wingdings" panose="05000000000000000000" pitchFamily="2" charset="2"/>
+              <a:buNone/>
+              <a:defRPr lang="en-US" b="1" noProof="1" smtClean="0">
+                <a:solidFill>
+                  <a:srgbClr val="FBEEDC"/>
+                </a:solidFill>
+                <a:effectLst>
+                  <a:outerShdw blurRad="38100" dist="38100" dir="2700000" algn="tl">
+                    <a:srgbClr val="000000">
+                      <a:alpha val="43137"/>
+                    </a:srgbClr>
+                  </a:outerShdw>
+                </a:effectLst>
+                <a:latin typeface="Consolas" pitchFamily="49" charset="0"/>
+                <a:cs typeface="Consolas" pitchFamily="49" charset="0"/>
+              </a:defRPr>
+            </a:lvl1pPr>
+            <a:lvl2pPr indent="-231606">
+              <a:lnSpc>
+                <a:spcPct val="105000"/>
+              </a:lnSpc>
+              <a:spcBef>
+                <a:spcPts val="600"/>
+              </a:spcBef>
+              <a:spcAft>
+                <a:spcPts val="600"/>
+              </a:spcAft>
+              <a:buClr>
+                <a:schemeClr val="accent1"/>
+              </a:buClr>
+              <a:buSzPct val="80000"/>
+              <a:buFont typeface="Wingdings" panose="05000000000000000000" pitchFamily="2" charset="2"/>
+              <a:buChar char="§"/>
+              <a:defRPr sz="3200" b="0"/>
+            </a:lvl2pPr>
+            <a:lvl3pPr marL="914240" indent="-231606">
+              <a:lnSpc>
+                <a:spcPct val="105000"/>
+              </a:lnSpc>
+              <a:spcBef>
+                <a:spcPts val="600"/>
+              </a:spcBef>
+              <a:spcAft>
+                <a:spcPts val="600"/>
+              </a:spcAft>
+              <a:buClr>
+                <a:srgbClr val="EF9A1D"/>
+              </a:buClr>
+              <a:buSzPct val="80000"/>
+              <a:buFont typeface="Wingdings" panose="05000000000000000000" pitchFamily="2" charset="2"/>
+              <a:buChar char="§"/>
+              <a:defRPr sz="3000" b="0"/>
+            </a:lvl3pPr>
+            <a:lvl4pPr marL="1218987" indent="-231606">
+              <a:lnSpc>
+                <a:spcPct val="105000"/>
+              </a:lnSpc>
+              <a:spcBef>
+                <a:spcPts val="600"/>
+              </a:spcBef>
+              <a:spcAft>
+                <a:spcPts val="600"/>
+              </a:spcAft>
+              <a:buClr>
+                <a:srgbClr val="ED9411"/>
+              </a:buClr>
+              <a:buSzPct val="80000"/>
+              <a:buFont typeface="Wingdings" panose="05000000000000000000" pitchFamily="2" charset="2"/>
+              <a:buChar char="§"/>
+              <a:defRPr sz="2800" b="0"/>
+            </a:lvl4pPr>
+            <a:lvl5pPr marL="1523733" indent="-231606">
+              <a:lnSpc>
+                <a:spcPct val="105000"/>
+              </a:lnSpc>
+              <a:spcBef>
+                <a:spcPts val="600"/>
+              </a:spcBef>
+              <a:spcAft>
+                <a:spcPts val="600"/>
+              </a:spcAft>
+              <a:buClr>
+                <a:srgbClr val="E28D10"/>
+              </a:buClr>
+              <a:buSzPct val="80000"/>
+              <a:buFont typeface="Wingdings" panose="05000000000000000000" pitchFamily="2" charset="2"/>
+              <a:buChar char="§"/>
+              <a:defRPr sz="2600" b="0"/>
+            </a:lvl5pPr>
+            <a:lvl6pPr marL="1828480" indent="-231606">
+              <a:lnSpc>
+                <a:spcPct val="90000"/>
+              </a:lnSpc>
+              <a:spcBef>
+                <a:spcPts val="800"/>
+              </a:spcBef>
+              <a:buClr>
+                <a:schemeClr val="accent1"/>
+              </a:buClr>
+              <a:buSzPct val="80000"/>
+              <a:buFont typeface="Arial" pitchFamily="34" charset="0"/>
+              <a:buChar char="•"/>
+              <a:defRPr sz="2000"/>
+            </a:lvl6pPr>
+            <a:lvl7pPr marL="2133227" indent="-231606">
+              <a:lnSpc>
+                <a:spcPct val="90000"/>
+              </a:lnSpc>
+              <a:spcBef>
+                <a:spcPts val="800"/>
+              </a:spcBef>
+              <a:buClr>
+                <a:schemeClr val="accent1"/>
+              </a:buClr>
+              <a:buSzPct val="80000"/>
+              <a:buFont typeface="Arial" pitchFamily="34" charset="0"/>
+              <a:buChar char="•"/>
+              <a:defRPr sz="2000"/>
+            </a:lvl7pPr>
+            <a:lvl8pPr marL="2437972" indent="-231606">
+              <a:lnSpc>
+                <a:spcPct val="90000"/>
+              </a:lnSpc>
+              <a:spcBef>
+                <a:spcPts val="800"/>
+              </a:spcBef>
+              <a:buClr>
+                <a:schemeClr val="accent1"/>
+              </a:buClr>
+              <a:buSzPct val="80000"/>
+              <a:buFont typeface="Arial" pitchFamily="34" charset="0"/>
+              <a:buChar char="•"/>
+              <a:defRPr sz="2000" baseline="0"/>
+            </a:lvl8pPr>
+            <a:lvl9pPr marL="2742720" indent="-231606">
+              <a:lnSpc>
+                <a:spcPct val="90000"/>
+              </a:lnSpc>
+              <a:spcBef>
+                <a:spcPts val="800"/>
+              </a:spcBef>
+              <a:buClr>
+                <a:schemeClr val="accent1"/>
+              </a:buClr>
+              <a:buSzPct val="80000"/>
+              <a:buFont typeface="Arial" pitchFamily="34" charset="0"/>
+              <a:buChar char="•"/>
+              <a:defRPr sz="2000" baseline="0"/>
+            </a:lvl9pPr>
+          </a:lstStyle>
+          <a:p>
+            <a:r>
+              <a:rPr lang="en-US" dirty="0" err="1"/>
+              <a:t>var</a:t>
+            </a:r>
+            <a:r>
+              <a:rPr lang="en-US" dirty="0"/>
+              <a:t> </a:t>
+            </a:r>
+            <a:r>
+              <a:rPr lang="en-US" dirty="0" err="1"/>
+              <a:t>arr</a:t>
+            </a:r>
+            <a:r>
+              <a:rPr lang="en-US" dirty="0"/>
+              <a:t> = new </a:t>
+            </a:r>
+            <a:r>
+              <a:rPr lang="en-US" dirty="0" err="1"/>
+              <a:t>int</a:t>
+            </a:r>
+            <a:r>
+              <a:rPr lang="en-US" dirty="0"/>
+              <a:t>[] { 1, 2, 3, 4, 5, 6 };</a:t>
+            </a:r>
+          </a:p>
+        </p:txBody>
+      </p:sp>
+      <p:pic>
+        <p:nvPicPr>
+          <p:cNvPr id="2054" name="Picture 6" descr="clip_image008[6]"/>
+          <p:cNvPicPr>
+            <a:picLocks noChangeAspect="1" noChangeArrowheads="1"/>
+          </p:cNvPicPr>
+          <p:nvPr/>
+        </p:nvPicPr>
+        <p:blipFill>
+          <a:blip r:embed="rId3">
+            <a:extLst>
+              <a:ext uri="{28A0092B-C50C-407E-A947-70E740481C1C}">
+                <a14:useLocalDpi xmlns:a14="http://schemas.microsoft.com/office/drawing/2010/main" val="0"/>
+              </a:ext>
+            </a:extLst>
+          </a:blip>
+          <a:srcRect/>
+          <a:stretch>
+            <a:fillRect/>
+          </a:stretch>
+        </p:blipFill>
+        <p:spPr bwMode="auto">
+          <a:xfrm>
+            <a:off x="8177611" y="3962400"/>
+            <a:ext cx="3607844" cy="1138862"/>
+          </a:xfrm>
+          <a:prstGeom prst="rect">
+            <a:avLst/>
+          </a:prstGeom>
+          <a:solidFill>
+            <a:schemeClr val="tx1"/>
+          </a:solidFill>
+        </p:spPr>
+      </p:pic>
+      <p:sp>
+        <p:nvSpPr>
+          <p:cNvPr id="7" name="Slide Number Placeholder">
+            <a:extLst>
+              <a:ext uri="{FF2B5EF4-FFF2-40B4-BE49-F238E27FC236}">
+                <a16:creationId xmlns:a16="http://schemas.microsoft.com/office/drawing/2014/main" id="{1C85FFA1-E4C5-4F81-8E8C-01EC133CC857}"/>
+              </a:ext>
+            </a:extLst>
+          </p:cNvPr>
+          <p:cNvSpPr>
+            <a:spLocks noGrp="1"/>
+          </p:cNvSpPr>
+          <p:nvPr>
+            <p:ph type="sldNum" sz="quarter" idx="4"/>
+          </p:nvPr>
+        </p:nvSpPr>
+        <p:spPr>
+          <a:xfrm>
+            <a:off x="11566412" y="6525002"/>
+            <a:ext cx="428822" cy="196477"/>
+          </a:xfrm>
+          <a:prstGeom prst="rect">
+            <a:avLst/>
+          </a:prstGeom>
+        </p:spPr>
+        <p:txBody>
+          <a:bodyPr vert="horz" lIns="36000" tIns="36000" rIns="36000" bIns="36000" rtlCol="0" anchor="ctr"/>
+          <a:lstStyle>
+            <a:lvl1pPr algn="r">
+              <a:defRPr sz="1000">
+                <a:solidFill>
+                  <a:schemeClr val="tx1">
+                    <a:tint val="75000"/>
+                  </a:schemeClr>
+                </a:solidFill>
+              </a:defRPr>
+            </a:lvl1pPr>
+          </a:lstStyle>
+          <a:p>
+            <a:fld id="{C014DD1E-5D91-48A3-AD6D-45FBA980D106}" type="slidenum">
+              <a:rPr lang="en-US" smtClean="0">
+                <a:solidFill>
+                  <a:prstClr val="white">
+                    <a:tint val="75000"/>
+                  </a:prstClr>
+                </a:solidFill>
+              </a:rPr>
+              <a:pPr/>
+              <a:t>11</a:t>
+            </a:fld>
+            <a:endParaRPr lang="en-US" dirty="0">
+              <a:solidFill>
+                <a:prstClr val="white">
+                  <a:tint val="75000"/>
+                </a:prstClr>
+              </a:solidFill>
+            </a:endParaRPr>
+          </a:p>
+        </p:txBody>
+      </p:sp>
+    </p:spTree>
+    <p:extLst>
+      <p:ext uri="{BB962C8B-B14F-4D97-AF65-F5344CB8AC3E}">
+        <p14:creationId xmlns:p14="http://schemas.microsoft.com/office/powerpoint/2010/main" val="2179784054"/>
+      </p:ext>
+    </p:extLst>
+  </p:cSld>
+  <p:clrMapOvr>
+    <a:masterClrMapping/>
+  </p:clrMapOvr>
+  <p:transition/>
+  <p:timing>
+    <p:tnLst>
+      <p:par>
+        <p:cTn id="1" dur="indefinite" restart="never" nodeType="tmRoot">
+          <p:childTnLst>
+            <p:seq concurrent="1" nextAc="seek">
+              <p:cTn id="2" dur="indefinite" nodeType="mainSeq">
+                <p:childTnLst>
+                  <p:par>
+                    <p:cTn id="3" fill="hold">
+                      <p:stCondLst>
+                        <p:cond delay="indefinite"/>
+                      </p:stCondLst>
+                      <p:childTnLst>
+                        <p:par>
+                          <p:cTn id="4" fill="hold">
+                            <p:stCondLst>
+                              <p:cond delay="0"/>
+                            </p:stCondLst>
+                            <p:childTnLst>
+                              <p:par>
+                                <p:cTn id="5" presetID="1" presetClass="entr" presetSubtype="0" fill="hold" grpId="0" nodeType="clickEffect">
+                                  <p:stCondLst>
+                                    <p:cond delay="0"/>
+                                  </p:stCondLst>
+                                  <p:childTnLst>
+                                    <p:set>
+                                      <p:cBhvr>
+                                        <p:cTn id="6" dur="1" fill="hold">
+                                          <p:stCondLst>
+                                            <p:cond delay="0"/>
+                                          </p:stCondLst>
+                                        </p:cTn>
+                                        <p:tgtEl>
+                                          <p:spTgt spid="4">
+                                            <p:txEl>
+                                              <p:pRg st="3" end="3"/>
+                                            </p:txEl>
+                                          </p:spTgt>
+                                        </p:tgtEl>
+                                        <p:attrNameLst>
+                                          <p:attrName>style.visibility</p:attrName>
+                                        </p:attrNameLst>
+                                      </p:cBhvr>
+                                      <p:to>
+                                        <p:strVal val="visible"/>
+                                      </p:to>
+                                    </p:set>
+                                  </p:childTnLst>
+                                </p:cTn>
+                              </p:par>
+                              <p:par>
+                                <p:cTn id="7" presetID="1" presetClass="entr" presetSubtype="0" fill="hold" grpId="0" nodeType="withEffect">
+                                  <p:stCondLst>
+                                    <p:cond delay="0"/>
+                                  </p:stCondLst>
+                                  <p:childTnLst>
+                                    <p:set>
+                                      <p:cBhvr>
+                                        <p:cTn id="8" dur="1" fill="hold">
+                                          <p:stCondLst>
+                                            <p:cond delay="0"/>
+                                          </p:stCondLst>
+                                        </p:cTn>
+                                        <p:tgtEl>
+                                          <p:spTgt spid="4">
+                                            <p:txEl>
+                                              <p:pRg st="4" end="4"/>
+                                            </p:txEl>
+                                          </p:spTgt>
+                                        </p:tgtEl>
+                                        <p:attrNameLst>
+                                          <p:attrName>style.visibility</p:attrName>
+                                        </p:attrNameLst>
+                                      </p:cBhvr>
+                                      <p:to>
+                                        <p:strVal val="visible"/>
+                                      </p:to>
+                                    </p:set>
+                                  </p:childTnLst>
+                                </p:cTn>
+                              </p:par>
+                            </p:childTnLst>
+                          </p:cTn>
+                        </p:par>
+                      </p:childTnLst>
+                    </p:cTn>
+                  </p:par>
+                  <p:par>
+                    <p:cTn id="9" fill="hold">
+                      <p:stCondLst>
+                        <p:cond delay="indefinite"/>
+                      </p:stCondLst>
+                      <p:childTnLst>
+                        <p:par>
+                          <p:cTn id="10" fill="hold">
+                            <p:stCondLst>
+                              <p:cond delay="0"/>
+                            </p:stCondLst>
+                            <p:childTnLst>
+                              <p:par>
+                                <p:cTn id="11" presetID="1" presetClass="entr" presetSubtype="0" fill="hold" grpId="0" nodeType="clickEffect">
+                                  <p:stCondLst>
+                                    <p:cond delay="0"/>
+                                  </p:stCondLst>
+                                  <p:childTnLst>
+                                    <p:set>
+                                      <p:cBhvr>
+                                        <p:cTn id="12" dur="1" fill="hold">
+                                          <p:stCondLst>
+                                            <p:cond delay="0"/>
+                                          </p:stCondLst>
+                                        </p:cTn>
+                                        <p:tgtEl>
+                                          <p:spTgt spid="6"/>
+                                        </p:tgtEl>
+                                        <p:attrNameLst>
+                                          <p:attrName>style.visibility</p:attrName>
+                                        </p:attrNameLst>
+                                      </p:cBhvr>
+                                      <p:to>
+                                        <p:strVal val="visible"/>
+                                      </p:to>
+                                    </p:set>
+                                  </p:childTnLst>
+                                </p:cTn>
+                              </p:par>
+                              <p:par>
+                                <p:cTn id="13" presetID="1" presetClass="entr" presetSubtype="0" fill="hold" nodeType="withEffect">
+                                  <p:stCondLst>
+                                    <p:cond delay="0"/>
+                                  </p:stCondLst>
+                                  <p:childTnLst>
+                                    <p:set>
+                                      <p:cBhvr>
+                                        <p:cTn id="14" dur="1" fill="hold">
+                                          <p:stCondLst>
+                                            <p:cond delay="0"/>
+                                          </p:stCondLst>
+                                        </p:cTn>
+                                        <p:tgtEl>
+                                          <p:spTgt spid="2054"/>
+                                        </p:tgtEl>
+                                        <p:attrNameLst>
+                                          <p:attrName>style.visibility</p:attrName>
+                                        </p:attrNameLst>
+                                      </p:cBhvr>
+                                      <p:to>
+                                        <p:strVal val="visible"/>
+                                      </p:to>
+                                    </p:set>
+                                  </p:childTnLst>
+                                </p:cTn>
+                              </p:par>
+                            </p:childTnLst>
+                          </p:cTn>
+                        </p:par>
+                      </p:childTnLst>
+                    </p:cTn>
+                  </p:par>
+                </p:childTnLst>
+              </p:cTn>
+              <p:prevCondLst>
+                <p:cond evt="onPrev" delay="0">
+                  <p:tgtEl>
+                    <p:sldTgt/>
+                  </p:tgtEl>
+                </p:cond>
+              </p:prevCondLst>
+              <p:nextCondLst>
+                <p:cond evt="onNext" delay="0">
+                  <p:tgtEl>
+                    <p:sldTgt/>
+                  </p:tgtEl>
+                </p:cond>
+              </p:nextCondLst>
+            </p:seq>
+          </p:childTnLst>
+        </p:cTn>
+      </p:par>
+    </p:tnLst>
+    <p:bldLst>
+      <p:bldP spid="4" grpId="0" uiExpand="1" build="p"/>
+      <p:bldP spid="6" grpId="0" animBg="1"/>
+    </p:bldLst>
+  </p:timing>
+</p:sld>
+</file>
+
+<file path=ppt/slides/slide12.xml><?xml version="1.0" encoding="utf-8"?>
+<p:sld xmlns:a="http://schemas.openxmlformats.org/drawingml/2006/main" xmlns:r="http://schemas.openxmlformats.org/officeDocument/2006/relationships" xmlns:p="http://schemas.openxmlformats.org/presentationml/2006/main">
+  <p:cSld>
+    <p:spTree>
+      <p:nvGrpSpPr>
+        <p:cNvPr id="1" name=""/>
+        <p:cNvGrpSpPr/>
+        <p:nvPr/>
+      </p:nvGrpSpPr>
+      <p:grpSpPr>
+        <a:xfrm>
+          <a:off x="0" y="0"/>
+          <a:ext cx="0" cy="0"/>
+          <a:chOff x="0" y="0"/>
+          <a:chExt cx="0" cy="0"/>
+        </a:xfrm>
+      </p:grpSpPr>
+      <p:sp>
+        <p:nvSpPr>
+          <p:cNvPr id="4" name="Title 3"/>
+          <p:cNvSpPr>
+            <a:spLocks noGrp="1"/>
+          </p:cNvSpPr>
+          <p:nvPr>
+            <p:ph type="title"/>
+          </p:nvPr>
+        </p:nvSpPr>
+        <p:spPr/>
+        <p:txBody>
+          <a:bodyPr>
+            <a:normAutofit/>
+          </a:bodyPr>
+          <a:lstStyle/>
+          <a:p>
+            <a:r>
+              <a:rPr lang="bg-BG" dirty="0"/>
+              <a:t>Разлики между референтен и стойностен тип</a:t>
+            </a:r>
+            <a:endParaRPr lang="en-US" dirty="0"/>
+          </a:p>
+        </p:txBody>
+      </p:sp>
+      <p:pic>
+        <p:nvPicPr>
+          <p:cNvPr id="4098" name="Picture 2" descr="clip_image003[12]"/>
+          <p:cNvPicPr>
+            <a:picLocks noChangeAspect="1" noChangeArrowheads="1"/>
+          </p:cNvPicPr>
+          <p:nvPr/>
+        </p:nvPicPr>
+        <p:blipFill rotWithShape="1">
+          <a:blip r:embed="rId2" cstate="print">
+            <a:extLst>
+              <a:ext uri="{28A0092B-C50C-407E-A947-70E740481C1C}">
+                <a14:useLocalDpi xmlns:a14="http://schemas.microsoft.com/office/drawing/2010/main" val="0"/>
+              </a:ext>
+            </a:extLst>
+          </a:blip>
+          <a:srcRect l="-1900" t="-1475" r="-1090" b="-1475"/>
+          <a:stretch/>
+        </p:blipFill>
+        <p:spPr bwMode="auto">
+          <a:xfrm>
+            <a:off x="6283706" y="1143000"/>
+            <a:ext cx="5293634" cy="5368690"/>
+          </a:xfrm>
+          <a:prstGeom prst="roundRect">
+            <a:avLst>
+              <a:gd name="adj" fmla="val 280"/>
+            </a:avLst>
+          </a:prstGeom>
+          <a:solidFill>
+            <a:schemeClr val="tx1"/>
+          </a:solidFill>
+        </p:spPr>
+      </p:pic>
+      <p:sp>
+        <p:nvSpPr>
+          <p:cNvPr id="6" name="Text Placeholder 5"/>
+          <p:cNvSpPr txBox="1">
+            <a:spLocks/>
+          </p:cNvSpPr>
+          <p:nvPr/>
+        </p:nvSpPr>
+        <p:spPr>
+          <a:xfrm>
+            <a:off x="836612" y="1636294"/>
+            <a:ext cx="5029200" cy="4696258"/>
+          </a:xfrm>
+          <a:prstGeom prst="rect">
+            <a:avLst/>
+          </a:prstGeom>
+          <a:solidFill>
+            <a:schemeClr val="accent5">
+              <a:lumMod val="40000"/>
+              <a:lumOff val="60000"/>
+              <a:alpha val="20000"/>
+            </a:schemeClr>
+          </a:solidFill>
+          <a:ln w="12700">
+            <a:solidFill>
+              <a:schemeClr val="accent5">
+                <a:lumMod val="60000"/>
+                <a:lumOff val="40000"/>
+              </a:schemeClr>
+            </a:solidFill>
+          </a:ln>
+        </p:spPr>
+        <p:txBody>
+          <a:bodyPr vert="horz" wrap="square" lIns="144000" tIns="108000" rIns="144000" bIns="108000" rtlCol="0">
+            <a:spAutoFit/>
+          </a:bodyPr>
+          <a:lstStyle>
+            <a:lvl1pPr indent="0">
+              <a:lnSpc>
+                <a:spcPct val="100000"/>
+              </a:lnSpc>
+              <a:spcBef>
+                <a:spcPts val="0"/>
+              </a:spcBef>
+              <a:spcAft>
+                <a:spcPts val="0"/>
+              </a:spcAft>
+              <a:buClr>
+                <a:srgbClr val="F2B254"/>
+              </a:buClr>
+              <a:buSzPct val="100000"/>
+              <a:buFont typeface="Wingdings" panose="05000000000000000000" pitchFamily="2" charset="2"/>
+              <a:buNone/>
+              <a:defRPr lang="en-US" b="1" noProof="1" smtClean="0">
+                <a:solidFill>
+                  <a:srgbClr val="FBEEDC"/>
+                </a:solidFill>
+                <a:effectLst>
+                  <a:outerShdw blurRad="38100" dist="38100" dir="2700000" algn="tl">
+                    <a:srgbClr val="000000">
+                      <a:alpha val="43137"/>
+                    </a:srgbClr>
+                  </a:outerShdw>
+                </a:effectLst>
+                <a:latin typeface="Consolas" pitchFamily="49" charset="0"/>
+                <a:cs typeface="Consolas" pitchFamily="49" charset="0"/>
+              </a:defRPr>
+            </a:lvl1pPr>
+            <a:lvl2pPr indent="-231606">
+              <a:lnSpc>
+                <a:spcPct val="105000"/>
+              </a:lnSpc>
+              <a:spcBef>
+                <a:spcPts val="600"/>
+              </a:spcBef>
+              <a:spcAft>
+                <a:spcPts val="600"/>
+              </a:spcAft>
+              <a:buClr>
+                <a:schemeClr val="accent1"/>
+              </a:buClr>
+              <a:buSzPct val="80000"/>
+              <a:buFont typeface="Wingdings" panose="05000000000000000000" pitchFamily="2" charset="2"/>
+              <a:buChar char="§"/>
+              <a:defRPr sz="3200" b="0"/>
+            </a:lvl2pPr>
+            <a:lvl3pPr marL="914240" indent="-231606">
+              <a:lnSpc>
+                <a:spcPct val="105000"/>
+              </a:lnSpc>
+              <a:spcBef>
+                <a:spcPts val="600"/>
+              </a:spcBef>
+              <a:spcAft>
+                <a:spcPts val="600"/>
+              </a:spcAft>
+              <a:buClr>
+                <a:srgbClr val="EF9A1D"/>
+              </a:buClr>
+              <a:buSzPct val="80000"/>
+              <a:buFont typeface="Wingdings" panose="05000000000000000000" pitchFamily="2" charset="2"/>
+              <a:buChar char="§"/>
+              <a:defRPr sz="3000" b="0"/>
+            </a:lvl3pPr>
+            <a:lvl4pPr marL="1218987" indent="-231606">
+              <a:lnSpc>
+                <a:spcPct val="105000"/>
+              </a:lnSpc>
+              <a:spcBef>
+                <a:spcPts val="600"/>
+              </a:spcBef>
+              <a:spcAft>
+                <a:spcPts val="600"/>
+              </a:spcAft>
+              <a:buClr>
+                <a:srgbClr val="ED9411"/>
+              </a:buClr>
+              <a:buSzPct val="80000"/>
+              <a:buFont typeface="Wingdings" panose="05000000000000000000" pitchFamily="2" charset="2"/>
+              <a:buChar char="§"/>
+              <a:defRPr sz="2800" b="0"/>
+            </a:lvl4pPr>
+            <a:lvl5pPr marL="1523733" indent="-231606">
+              <a:lnSpc>
+                <a:spcPct val="105000"/>
+              </a:lnSpc>
+              <a:spcBef>
+                <a:spcPts val="600"/>
+              </a:spcBef>
+              <a:spcAft>
+                <a:spcPts val="600"/>
+              </a:spcAft>
+              <a:buClr>
+                <a:srgbClr val="E28D10"/>
+              </a:buClr>
+              <a:buSzPct val="80000"/>
+              <a:buFont typeface="Wingdings" panose="05000000000000000000" pitchFamily="2" charset="2"/>
+              <a:buChar char="§"/>
+              <a:defRPr sz="2600" b="0"/>
+            </a:lvl5pPr>
+            <a:lvl6pPr marL="1828480" indent="-231606">
+              <a:lnSpc>
+                <a:spcPct val="90000"/>
+              </a:lnSpc>
+              <a:spcBef>
+                <a:spcPts val="800"/>
+              </a:spcBef>
+              <a:buClr>
+                <a:schemeClr val="accent1"/>
+              </a:buClr>
+              <a:buSzPct val="80000"/>
+              <a:buFont typeface="Arial" pitchFamily="34" charset="0"/>
+              <a:buChar char="•"/>
+              <a:defRPr sz="2000"/>
+            </a:lvl6pPr>
+            <a:lvl7pPr marL="2133227" indent="-231606">
+              <a:lnSpc>
+                <a:spcPct val="90000"/>
+              </a:lnSpc>
+              <a:spcBef>
+                <a:spcPts val="800"/>
+              </a:spcBef>
+              <a:buClr>
+                <a:schemeClr val="accent1"/>
+              </a:buClr>
+              <a:buSzPct val="80000"/>
+              <a:buFont typeface="Arial" pitchFamily="34" charset="0"/>
+              <a:buChar char="•"/>
+              <a:defRPr sz="2000"/>
+            </a:lvl7pPr>
+            <a:lvl8pPr marL="2437972" indent="-231606">
+              <a:lnSpc>
+                <a:spcPct val="90000"/>
+              </a:lnSpc>
+              <a:spcBef>
+                <a:spcPts val="800"/>
+              </a:spcBef>
+              <a:buClr>
+                <a:schemeClr val="accent1"/>
+              </a:buClr>
+              <a:buSzPct val="80000"/>
+              <a:buFont typeface="Arial" pitchFamily="34" charset="0"/>
+              <a:buChar char="•"/>
+              <a:defRPr sz="2000" baseline="0"/>
+            </a:lvl8pPr>
+            <a:lvl9pPr marL="2742720" indent="-231606">
+              <a:lnSpc>
+                <a:spcPct val="90000"/>
+              </a:lnSpc>
+              <a:spcBef>
+                <a:spcPts val="800"/>
+              </a:spcBef>
+              <a:buClr>
+                <a:schemeClr val="accent1"/>
+              </a:buClr>
+              <a:buSzPct val="80000"/>
+              <a:buFont typeface="Arial" pitchFamily="34" charset="0"/>
+              <a:buChar char="•"/>
+              <a:defRPr sz="2000" baseline="0"/>
+            </a:lvl9pPr>
+          </a:lstStyle>
+          <a:p>
+            <a:pPr>
+              <a:spcBef>
+                <a:spcPts val="600"/>
+              </a:spcBef>
+            </a:pPr>
+            <a:r>
+              <a:rPr lang="en-US" sz="3200" dirty="0" err="1">
+                <a:solidFill>
+                  <a:schemeClr val="tx2">
+                    <a:lumMod val="75000"/>
+                  </a:schemeClr>
+                </a:solidFill>
+              </a:rPr>
+              <a:t>int</a:t>
+            </a:r>
+            <a:r>
+              <a:rPr lang="en-US" sz="3200" dirty="0"/>
+              <a:t> </a:t>
+            </a:r>
+            <a:r>
+              <a:rPr lang="en-US" sz="3200" dirty="0" err="1"/>
+              <a:t>i</a:t>
+            </a:r>
+            <a:r>
+              <a:rPr lang="en-US" sz="3200" dirty="0"/>
+              <a:t> = 42;</a:t>
+            </a:r>
+          </a:p>
+          <a:p>
+            <a:pPr>
+              <a:spcBef>
+                <a:spcPts val="600"/>
+              </a:spcBef>
+            </a:pPr>
+            <a:r>
+              <a:rPr lang="en-US" sz="3200" dirty="0">
+                <a:solidFill>
+                  <a:schemeClr val="tx2">
+                    <a:lumMod val="75000"/>
+                  </a:schemeClr>
+                </a:solidFill>
+              </a:rPr>
+              <a:t>char</a:t>
+            </a:r>
+            <a:r>
+              <a:rPr lang="en-US" sz="3200" dirty="0"/>
+              <a:t> </a:t>
+            </a:r>
+            <a:r>
+              <a:rPr lang="en-US" sz="3200" dirty="0" err="1"/>
+              <a:t>ch</a:t>
+            </a:r>
+            <a:r>
+              <a:rPr lang="en-US" sz="3200" dirty="0"/>
+              <a:t> = 'A';</a:t>
+            </a:r>
+          </a:p>
+          <a:p>
+            <a:pPr>
+              <a:spcBef>
+                <a:spcPts val="600"/>
+              </a:spcBef>
+            </a:pPr>
+            <a:r>
+              <a:rPr lang="en-US" sz="3200" dirty="0">
+                <a:solidFill>
+                  <a:schemeClr val="tx2">
+                    <a:lumMod val="75000"/>
+                  </a:schemeClr>
+                </a:solidFill>
+              </a:rPr>
+              <a:t>bool</a:t>
+            </a:r>
+            <a:r>
+              <a:rPr lang="en-US" sz="3200" dirty="0"/>
+              <a:t> result = true;</a:t>
+            </a:r>
+          </a:p>
+          <a:p>
+            <a:pPr>
+              <a:spcBef>
+                <a:spcPts val="600"/>
+              </a:spcBef>
+            </a:pPr>
+            <a:r>
+              <a:rPr lang="en-US" sz="3200" dirty="0">
+                <a:solidFill>
+                  <a:schemeClr val="tx2">
+                    <a:lumMod val="75000"/>
+                  </a:schemeClr>
+                </a:solidFill>
+              </a:rPr>
+              <a:t>object</a:t>
+            </a:r>
+            <a:r>
+              <a:rPr lang="en-US" sz="3200" dirty="0"/>
+              <a:t> </a:t>
+            </a:r>
+            <a:r>
+              <a:rPr lang="en-US" sz="3200" dirty="0" err="1"/>
+              <a:t>obj</a:t>
+            </a:r>
+            <a:r>
+              <a:rPr lang="en-US" sz="3200" dirty="0"/>
+              <a:t> = 42;</a:t>
+            </a:r>
+          </a:p>
+          <a:p>
+            <a:pPr>
+              <a:spcBef>
+                <a:spcPts val="600"/>
+              </a:spcBef>
+            </a:pPr>
+            <a:r>
+              <a:rPr lang="en-US" sz="3200" dirty="0">
+                <a:solidFill>
+                  <a:schemeClr val="tx2">
+                    <a:lumMod val="75000"/>
+                  </a:schemeClr>
+                </a:solidFill>
+              </a:rPr>
+              <a:t>string</a:t>
+            </a:r>
+            <a:r>
+              <a:rPr lang="en-US" sz="3200" dirty="0"/>
+              <a:t> </a:t>
+            </a:r>
+            <a:r>
+              <a:rPr lang="en-US" sz="3200" dirty="0" err="1"/>
+              <a:t>str</a:t>
+            </a:r>
+            <a:r>
+              <a:rPr lang="en-US" sz="3200" dirty="0"/>
+              <a:t> = </a:t>
+            </a:r>
+          </a:p>
+          <a:p>
+            <a:pPr>
+              <a:spcBef>
+                <a:spcPts val="600"/>
+              </a:spcBef>
+            </a:pPr>
+            <a:r>
+              <a:rPr lang="en-US" sz="3200" dirty="0"/>
+              <a:t>  "Hello";</a:t>
+            </a:r>
+          </a:p>
+          <a:p>
+            <a:pPr>
+              <a:spcBef>
+                <a:spcPts val="600"/>
+              </a:spcBef>
+            </a:pPr>
+            <a:r>
+              <a:rPr lang="en-US" sz="3200" dirty="0">
+                <a:solidFill>
+                  <a:schemeClr val="tx2">
+                    <a:lumMod val="75000"/>
+                  </a:schemeClr>
+                </a:solidFill>
+              </a:rPr>
+              <a:t>byte[]</a:t>
+            </a:r>
+            <a:r>
+              <a:rPr lang="en-US" sz="3200" dirty="0"/>
+              <a:t> bytes =</a:t>
+            </a:r>
+          </a:p>
+          <a:p>
+            <a:pPr>
+              <a:spcBef>
+                <a:spcPts val="600"/>
+              </a:spcBef>
+            </a:pPr>
+            <a:r>
+              <a:rPr lang="en-US" sz="3200" dirty="0"/>
+              <a:t>  { 1, 2, 3 };</a:t>
+            </a:r>
+          </a:p>
+        </p:txBody>
+      </p:sp>
+      <p:sp>
+        <p:nvSpPr>
+          <p:cNvPr id="7" name="Slide Number Placeholder">
+            <a:extLst>
+              <a:ext uri="{FF2B5EF4-FFF2-40B4-BE49-F238E27FC236}">
+                <a16:creationId xmlns:a16="http://schemas.microsoft.com/office/drawing/2014/main" id="{C13D327E-3F30-466F-8DE0-A2192F54FDB0}"/>
+              </a:ext>
+            </a:extLst>
+          </p:cNvPr>
+          <p:cNvSpPr>
+            <a:spLocks noGrp="1"/>
+          </p:cNvSpPr>
+          <p:nvPr>
+            <p:ph type="sldNum" sz="quarter" idx="4"/>
+          </p:nvPr>
+        </p:nvSpPr>
+        <p:spPr>
+          <a:xfrm>
+            <a:off x="11566412" y="6525002"/>
+            <a:ext cx="428822" cy="196477"/>
+          </a:xfrm>
+          <a:prstGeom prst="rect">
+            <a:avLst/>
+          </a:prstGeom>
+        </p:spPr>
+        <p:txBody>
+          <a:bodyPr vert="horz" lIns="36000" tIns="36000" rIns="36000" bIns="36000" rtlCol="0" anchor="ctr"/>
+          <a:lstStyle>
+            <a:lvl1pPr algn="r">
+              <a:defRPr sz="1000">
+                <a:solidFill>
+                  <a:schemeClr val="tx1">
+                    <a:tint val="75000"/>
+                  </a:schemeClr>
+                </a:solidFill>
+              </a:defRPr>
+            </a:lvl1pPr>
+          </a:lstStyle>
+          <a:p>
+            <a:fld id="{C014DD1E-5D91-48A3-AD6D-45FBA980D106}" type="slidenum">
+              <a:rPr lang="en-US" smtClean="0">
+                <a:solidFill>
+                  <a:prstClr val="white">
+                    <a:tint val="75000"/>
+                  </a:prstClr>
+                </a:solidFill>
+              </a:rPr>
+              <a:pPr/>
+              <a:t>12</a:t>
+            </a:fld>
+            <a:endParaRPr lang="en-US" dirty="0">
+              <a:solidFill>
+                <a:prstClr val="white">
+                  <a:tint val="75000"/>
+                </a:prstClr>
+              </a:solidFill>
+            </a:endParaRPr>
+          </a:p>
+        </p:txBody>
+      </p:sp>
+    </p:spTree>
+    <p:extLst>
+      <p:ext uri="{BB962C8B-B14F-4D97-AF65-F5344CB8AC3E}">
+        <p14:creationId xmlns:p14="http://schemas.microsoft.com/office/powerpoint/2010/main" val="671004402"/>
+      </p:ext>
+    </p:extLst>
+  </p:cSld>
+  <p:clrMapOvr>
+    <a:masterClrMapping/>
+  </p:clrMapOvr>
+</p:sld>
+</file>
+
+<file path=ppt/slides/slide13.xml><?xml version="1.0" encoding="utf-8"?>
+<p:sld xmlns:a="http://schemas.openxmlformats.org/drawingml/2006/main" xmlns:r="http://schemas.openxmlformats.org/officeDocument/2006/relationships" xmlns:p="http://schemas.openxmlformats.org/presentationml/2006/main">
+  <p:cSld>
+    <p:spTree>
+      <p:nvGrpSpPr>
+        <p:cNvPr id="1" name=""/>
+        <p:cNvGrpSpPr/>
+        <p:nvPr/>
+      </p:nvGrpSpPr>
+      <p:grpSpPr>
+        <a:xfrm>
+          <a:off x="0" y="0"/>
+          <a:ext cx="0" cy="0"/>
+          <a:chOff x="0" y="0"/>
+          <a:chExt cx="0" cy="0"/>
+        </a:xfrm>
+      </p:grpSpPr>
+      <p:sp>
+        <p:nvSpPr>
+          <p:cNvPr id="428034" name="Rectangle 2"/>
+          <p:cNvSpPr>
+            <a:spLocks noGrp="1" noChangeArrowheads="1"/>
+          </p:cNvSpPr>
+          <p:nvPr>
+            <p:ph type="title"/>
+          </p:nvPr>
+        </p:nvSpPr>
+        <p:spPr/>
+        <p:txBody>
+          <a:bodyPr>
+            <a:normAutofit/>
+          </a:bodyPr>
+          <a:lstStyle/>
+          <a:p>
+            <a:r>
+              <a:rPr lang="bg-BG" dirty="0"/>
+              <a:t>Разлики между референтен и стойностен тип</a:t>
+            </a:r>
+          </a:p>
+        </p:txBody>
+      </p:sp>
+      <p:pic>
+        <p:nvPicPr>
+          <p:cNvPr id="3" name="Picture 2"/>
+          <p:cNvPicPr>
+            <a:picLocks noChangeAspect="1"/>
+          </p:cNvPicPr>
+          <p:nvPr/>
+        </p:nvPicPr>
+        <p:blipFill>
+          <a:blip r:embed="rId3">
+            <a:extLst>
+              <a:ext uri="{28A0092B-C50C-407E-A947-70E740481C1C}">
+                <a14:useLocalDpi xmlns:a14="http://schemas.microsoft.com/office/drawing/2010/main" val="0"/>
+              </a:ext>
+            </a:extLst>
+          </a:blip>
+          <a:stretch>
+            <a:fillRect/>
+          </a:stretch>
+        </p:blipFill>
+        <p:spPr>
+          <a:xfrm>
+            <a:off x="2436812" y="2057400"/>
+            <a:ext cx="6896806" cy="3724275"/>
+          </a:xfrm>
+          <a:prstGeom prst="rect">
+            <a:avLst/>
+          </a:prstGeom>
+        </p:spPr>
+      </p:pic>
+      <p:sp>
+        <p:nvSpPr>
+          <p:cNvPr id="5" name="Slide Number Placeholder">
+            <a:extLst>
+              <a:ext uri="{FF2B5EF4-FFF2-40B4-BE49-F238E27FC236}">
+                <a16:creationId xmlns:a16="http://schemas.microsoft.com/office/drawing/2014/main" id="{172102F5-6B6E-47A8-A71C-B73DD4EEFEF9}"/>
+              </a:ext>
+            </a:extLst>
+          </p:cNvPr>
+          <p:cNvSpPr>
+            <a:spLocks noGrp="1"/>
+          </p:cNvSpPr>
+          <p:nvPr>
+            <p:ph type="sldNum" sz="quarter" idx="4"/>
+          </p:nvPr>
+        </p:nvSpPr>
+        <p:spPr>
+          <a:xfrm>
+            <a:off x="11566412" y="6525002"/>
+            <a:ext cx="428822" cy="196477"/>
+          </a:xfrm>
+          <a:prstGeom prst="rect">
+            <a:avLst/>
+          </a:prstGeom>
+        </p:spPr>
+        <p:txBody>
+          <a:bodyPr vert="horz" lIns="36000" tIns="36000" rIns="36000" bIns="36000" rtlCol="0" anchor="ctr"/>
+          <a:lstStyle>
+            <a:lvl1pPr algn="r">
+              <a:defRPr sz="1000">
+                <a:solidFill>
+                  <a:schemeClr val="tx1">
+                    <a:tint val="75000"/>
+                  </a:schemeClr>
+                </a:solidFill>
+              </a:defRPr>
+            </a:lvl1pPr>
+          </a:lstStyle>
+          <a:p>
+            <a:fld id="{C014DD1E-5D91-48A3-AD6D-45FBA980D106}" type="slidenum">
+              <a:rPr lang="en-US" smtClean="0">
+                <a:solidFill>
+                  <a:prstClr val="white">
+                    <a:tint val="75000"/>
+                  </a:prstClr>
+                </a:solidFill>
+              </a:rPr>
+              <a:pPr/>
+              <a:t>13</a:t>
+            </a:fld>
+            <a:endParaRPr lang="en-US" dirty="0">
+              <a:solidFill>
+                <a:prstClr val="white">
+                  <a:tint val="75000"/>
+                </a:prstClr>
+              </a:solidFill>
+            </a:endParaRPr>
+          </a:p>
+        </p:txBody>
+      </p:sp>
+    </p:spTree>
+    <p:extLst>
+      <p:ext uri="{BB962C8B-B14F-4D97-AF65-F5344CB8AC3E}">
+        <p14:creationId xmlns:p14="http://schemas.microsoft.com/office/powerpoint/2010/main" val="3858911492"/>
+      </p:ext>
+    </p:extLst>
+  </p:cSld>
+  <p:clrMapOvr>
+    <a:masterClrMapping/>
+  </p:clrMapOvr>
+  <p:transition/>
+</p:sld>
+</file>
+
+<file path=ppt/slides/slide14.xml><?xml version="1.0" encoding="utf-8"?>
+<p:sld xmlns:a="http://schemas.openxmlformats.org/drawingml/2006/main" xmlns:r="http://schemas.openxmlformats.org/officeDocument/2006/relationships" xmlns:p="http://schemas.openxmlformats.org/presentationml/2006/main">
+  <p:cSld>
+    <p:spTree>
+      <p:nvGrpSpPr>
+        <p:cNvPr id="1" name=""/>
+        <p:cNvGrpSpPr/>
+        <p:nvPr/>
+      </p:nvGrpSpPr>
+      <p:grpSpPr>
+        <a:xfrm>
+          <a:off x="0" y="0"/>
+          <a:ext cx="0" cy="0"/>
+          <a:chOff x="0" y="0"/>
+          <a:chExt cx="0" cy="0"/>
+        </a:xfrm>
+      </p:grpSpPr>
+      <p:sp>
+        <p:nvSpPr>
+          <p:cNvPr id="4" name="Title 3"/>
+          <p:cNvSpPr>
+            <a:spLocks noGrp="1"/>
+          </p:cNvSpPr>
+          <p:nvPr>
+            <p:ph type="title"/>
+          </p:nvPr>
+        </p:nvSpPr>
+        <p:spPr>
+          <a:xfrm>
+            <a:off x="188815" y="40341"/>
+            <a:ext cx="11804822" cy="1110780"/>
+          </a:xfrm>
+        </p:spPr>
+        <p:txBody>
+          <a:bodyPr>
+            <a:normAutofit/>
+          </a:bodyPr>
+          <a:lstStyle/>
+          <a:p>
+            <a:r>
+              <a:rPr lang="bg-BG" dirty="0"/>
+              <a:t>Пример: Стойностен тип (</a:t>
+            </a:r>
+            <a:r>
+              <a:rPr lang="en-US" dirty="0"/>
+              <a:t>Value</a:t>
+            </a:r>
+            <a:r>
+              <a:rPr lang="bg-BG" dirty="0"/>
+              <a:t> </a:t>
+            </a:r>
+            <a:r>
+              <a:rPr lang="en-US" dirty="0"/>
+              <a:t>Types</a:t>
+            </a:r>
+            <a:r>
+              <a:rPr lang="bg-BG" dirty="0"/>
+              <a:t>)</a:t>
+            </a:r>
+            <a:endParaRPr lang="en-US" dirty="0"/>
+          </a:p>
+        </p:txBody>
+      </p:sp>
+      <p:sp>
+        <p:nvSpPr>
+          <p:cNvPr id="7" name="Text Placeholder 5"/>
+          <p:cNvSpPr txBox="1">
+            <a:spLocks/>
+          </p:cNvSpPr>
+          <p:nvPr/>
+        </p:nvSpPr>
+        <p:spPr>
+          <a:xfrm>
+            <a:off x="835025" y="1295400"/>
+            <a:ext cx="10515598" cy="4957868"/>
+          </a:xfrm>
+          <a:prstGeom prst="rect">
+            <a:avLst/>
+          </a:prstGeom>
+          <a:solidFill>
+            <a:schemeClr val="accent5">
+              <a:lumMod val="40000"/>
+              <a:lumOff val="60000"/>
+              <a:alpha val="20000"/>
+            </a:schemeClr>
+          </a:solidFill>
+          <a:ln w="12700">
+            <a:solidFill>
+              <a:schemeClr val="accent5">
+                <a:lumMod val="60000"/>
+                <a:lumOff val="40000"/>
+              </a:schemeClr>
+            </a:solidFill>
+          </a:ln>
+        </p:spPr>
+        <p:txBody>
+          <a:bodyPr vert="horz" wrap="square" lIns="144000" tIns="108000" rIns="144000" bIns="108000" rtlCol="0">
+            <a:spAutoFit/>
+          </a:bodyPr>
+          <a:lstStyle>
+            <a:lvl1pPr indent="0">
+              <a:lnSpc>
+                <a:spcPct val="100000"/>
+              </a:lnSpc>
+              <a:spcBef>
+                <a:spcPts val="0"/>
+              </a:spcBef>
+              <a:spcAft>
+                <a:spcPts val="0"/>
+              </a:spcAft>
+              <a:buClr>
+                <a:srgbClr val="F2B254"/>
+              </a:buClr>
+              <a:buSzPct val="100000"/>
+              <a:buFont typeface="Wingdings" panose="05000000000000000000" pitchFamily="2" charset="2"/>
+              <a:buNone/>
+              <a:defRPr lang="en-US" b="1" noProof="1" smtClean="0">
+                <a:solidFill>
+                  <a:srgbClr val="FBEEDC"/>
+                </a:solidFill>
+                <a:effectLst>
+                  <a:outerShdw blurRad="38100" dist="38100" dir="2700000" algn="tl">
+                    <a:srgbClr val="000000">
+                      <a:alpha val="43137"/>
+                    </a:srgbClr>
+                  </a:outerShdw>
+                </a:effectLst>
+                <a:latin typeface="Consolas" pitchFamily="49" charset="0"/>
+                <a:cs typeface="Consolas" pitchFamily="49" charset="0"/>
+              </a:defRPr>
+            </a:lvl1pPr>
+            <a:lvl2pPr indent="-231606">
+              <a:lnSpc>
+                <a:spcPct val="105000"/>
+              </a:lnSpc>
+              <a:spcBef>
+                <a:spcPts val="600"/>
+              </a:spcBef>
+              <a:spcAft>
+                <a:spcPts val="600"/>
+              </a:spcAft>
+              <a:buClr>
+                <a:schemeClr val="accent1"/>
+              </a:buClr>
+              <a:buSzPct val="80000"/>
+              <a:buFont typeface="Wingdings" panose="05000000000000000000" pitchFamily="2" charset="2"/>
+              <a:buChar char="§"/>
+              <a:defRPr sz="3200" b="0"/>
+            </a:lvl2pPr>
+            <a:lvl3pPr marL="914240" indent="-231606">
+              <a:lnSpc>
+                <a:spcPct val="105000"/>
+              </a:lnSpc>
+              <a:spcBef>
+                <a:spcPts val="600"/>
+              </a:spcBef>
+              <a:spcAft>
+                <a:spcPts val="600"/>
+              </a:spcAft>
+              <a:buClr>
+                <a:srgbClr val="EF9A1D"/>
+              </a:buClr>
+              <a:buSzPct val="80000"/>
+              <a:buFont typeface="Wingdings" panose="05000000000000000000" pitchFamily="2" charset="2"/>
+              <a:buChar char="§"/>
+              <a:defRPr sz="3000" b="0"/>
+            </a:lvl3pPr>
+            <a:lvl4pPr marL="1218987" indent="-231606">
+              <a:lnSpc>
+                <a:spcPct val="105000"/>
+              </a:lnSpc>
+              <a:spcBef>
+                <a:spcPts val="600"/>
+              </a:spcBef>
+              <a:spcAft>
+                <a:spcPts val="600"/>
+              </a:spcAft>
+              <a:buClr>
+                <a:srgbClr val="ED9411"/>
+              </a:buClr>
+              <a:buSzPct val="80000"/>
+              <a:buFont typeface="Wingdings" panose="05000000000000000000" pitchFamily="2" charset="2"/>
+              <a:buChar char="§"/>
+              <a:defRPr sz="2800" b="0"/>
+            </a:lvl4pPr>
+            <a:lvl5pPr marL="1523733" indent="-231606">
+              <a:lnSpc>
+                <a:spcPct val="105000"/>
+              </a:lnSpc>
+              <a:spcBef>
+                <a:spcPts val="600"/>
+              </a:spcBef>
+              <a:spcAft>
+                <a:spcPts val="600"/>
+              </a:spcAft>
+              <a:buClr>
+                <a:srgbClr val="E28D10"/>
+              </a:buClr>
+              <a:buSzPct val="80000"/>
+              <a:buFont typeface="Wingdings" panose="05000000000000000000" pitchFamily="2" charset="2"/>
+              <a:buChar char="§"/>
+              <a:defRPr sz="2600" b="0"/>
+            </a:lvl5pPr>
+            <a:lvl6pPr marL="1828480" indent="-231606">
+              <a:lnSpc>
+                <a:spcPct val="90000"/>
+              </a:lnSpc>
+              <a:spcBef>
+                <a:spcPts val="800"/>
+              </a:spcBef>
+              <a:buClr>
+                <a:schemeClr val="accent1"/>
+              </a:buClr>
+              <a:buSzPct val="80000"/>
+              <a:buFont typeface="Arial" pitchFamily="34" charset="0"/>
+              <a:buChar char="•"/>
+              <a:defRPr sz="2000"/>
+            </a:lvl6pPr>
+            <a:lvl7pPr marL="2133227" indent="-231606">
+              <a:lnSpc>
+                <a:spcPct val="90000"/>
+              </a:lnSpc>
+              <a:spcBef>
+                <a:spcPts val="800"/>
+              </a:spcBef>
+              <a:buClr>
+                <a:schemeClr val="accent1"/>
+              </a:buClr>
+              <a:buSzPct val="80000"/>
+              <a:buFont typeface="Arial" pitchFamily="34" charset="0"/>
+              <a:buChar char="•"/>
+              <a:defRPr sz="2000"/>
+            </a:lvl7pPr>
+            <a:lvl8pPr marL="2437972" indent="-231606">
+              <a:lnSpc>
+                <a:spcPct val="90000"/>
+              </a:lnSpc>
+              <a:spcBef>
+                <a:spcPts val="800"/>
+              </a:spcBef>
+              <a:buClr>
+                <a:schemeClr val="accent1"/>
+              </a:buClr>
+              <a:buSzPct val="80000"/>
+              <a:buFont typeface="Arial" pitchFamily="34" charset="0"/>
+              <a:buChar char="•"/>
+              <a:defRPr sz="2000" baseline="0"/>
+            </a:lvl8pPr>
+            <a:lvl9pPr marL="2742720" indent="-231606">
+              <a:lnSpc>
+                <a:spcPct val="90000"/>
+              </a:lnSpc>
+              <a:spcBef>
+                <a:spcPts val="800"/>
+              </a:spcBef>
+              <a:buClr>
+                <a:schemeClr val="accent1"/>
+              </a:buClr>
+              <a:buSzPct val="80000"/>
+              <a:buFont typeface="Arial" pitchFamily="34" charset="0"/>
+              <a:buChar char="•"/>
+              <a:defRPr sz="2000" baseline="0"/>
+            </a:lvl9pPr>
+          </a:lstStyle>
+          <a:p>
+            <a:r>
+              <a:rPr lang="en-US" sz="2800" dirty="0"/>
+              <a:t>public static void Main()</a:t>
+            </a:r>
+          </a:p>
+          <a:p>
+            <a:r>
+              <a:rPr lang="en-US" sz="2800" dirty="0"/>
+              <a:t>{</a:t>
+            </a:r>
+          </a:p>
+          <a:p>
+            <a:r>
+              <a:rPr lang="en-US" sz="2800" dirty="0"/>
+              <a:t>  int num = 5;</a:t>
+            </a:r>
+          </a:p>
+          <a:p>
+            <a:r>
+              <a:rPr lang="en-US" sz="2800" dirty="0"/>
+              <a:t>  </a:t>
+            </a:r>
+            <a:r>
+              <a:rPr lang="en-US" sz="2800" dirty="0">
+                <a:solidFill>
+                  <a:schemeClr val="tx2">
+                    <a:lumMod val="75000"/>
+                  </a:schemeClr>
+                </a:solidFill>
+              </a:rPr>
+              <a:t>Increment</a:t>
+            </a:r>
+            <a:r>
+              <a:rPr lang="en-US" sz="2800" dirty="0"/>
+              <a:t>(num, 15);</a:t>
+            </a:r>
+          </a:p>
+          <a:p>
+            <a:r>
+              <a:rPr lang="en-US" sz="2800" dirty="0"/>
+              <a:t>  Console.WriteLine(num);</a:t>
+            </a:r>
+          </a:p>
+          <a:p>
+            <a:r>
+              <a:rPr lang="en-US" sz="2800" dirty="0"/>
+              <a:t>}</a:t>
+            </a:r>
+          </a:p>
+          <a:p>
+            <a:endParaRPr lang="en-US" sz="2800" dirty="0"/>
+          </a:p>
+          <a:p>
+            <a:r>
+              <a:rPr lang="en-US" sz="2800" dirty="0"/>
+              <a:t>private static void Increment(int </a:t>
+            </a:r>
+            <a:r>
+              <a:rPr lang="en-US" sz="2800" dirty="0">
+                <a:solidFill>
+                  <a:schemeClr val="tx2">
+                    <a:lumMod val="75000"/>
+                  </a:schemeClr>
+                </a:solidFill>
+              </a:rPr>
+              <a:t>num</a:t>
+            </a:r>
+            <a:r>
+              <a:rPr lang="en-US" sz="2800" dirty="0"/>
+              <a:t>, int value)</a:t>
+            </a:r>
+          </a:p>
+          <a:p>
+            <a:r>
+              <a:rPr lang="en-US" sz="2800" dirty="0"/>
+              <a:t>{</a:t>
+            </a:r>
+          </a:p>
+          <a:p>
+            <a:r>
+              <a:rPr lang="en-US" sz="2800" dirty="0"/>
+              <a:t>  </a:t>
+            </a:r>
+            <a:r>
+              <a:rPr lang="en-US" sz="2800" dirty="0">
+                <a:solidFill>
+                  <a:schemeClr val="tx2">
+                    <a:lumMod val="75000"/>
+                  </a:schemeClr>
+                </a:solidFill>
+              </a:rPr>
+              <a:t>num</a:t>
+            </a:r>
+            <a:r>
+              <a:rPr lang="en-US" sz="2800" dirty="0"/>
+              <a:t> += value;</a:t>
+            </a:r>
+          </a:p>
+          <a:p>
+            <a:r>
+              <a:rPr lang="en-US" sz="2800" dirty="0"/>
+              <a:t>}</a:t>
+            </a:r>
+          </a:p>
+        </p:txBody>
+      </p:sp>
+      <p:sp>
+        <p:nvSpPr>
+          <p:cNvPr id="5" name="AutoShape 24"/>
+          <p:cNvSpPr>
+            <a:spLocks noChangeArrowheads="1"/>
+          </p:cNvSpPr>
+          <p:nvPr/>
+        </p:nvSpPr>
+        <p:spPr bwMode="auto">
+          <a:xfrm>
+            <a:off x="6323012" y="1652692"/>
+            <a:ext cx="2133600" cy="762000"/>
+          </a:xfrm>
+          <a:prstGeom prst="wedgeRoundRectCallout">
+            <a:avLst>
+              <a:gd name="adj1" fmla="val -75011"/>
+              <a:gd name="adj2" fmla="val 70962"/>
+              <a:gd name="adj3" fmla="val 16667"/>
+            </a:avLst>
+          </a:prstGeom>
+          <a:solidFill>
+            <a:srgbClr val="663606">
+              <a:alpha val="94902"/>
+            </a:srgbClr>
+          </a:solidFill>
+          <a:ln w="19050">
+            <a:solidFill>
+              <a:srgbClr val="F8D49E">
+                <a:alpha val="80000"/>
+              </a:srgbClr>
+            </a:solidFill>
+          </a:ln>
+        </p:spPr>
+        <p:style>
+          <a:lnRef idx="2">
+            <a:schemeClr val="accent1">
+              <a:shade val="50000"/>
+            </a:schemeClr>
+          </a:lnRef>
+          <a:fillRef idx="1">
+            <a:schemeClr val="accent1"/>
+          </a:fillRef>
+          <a:effectRef idx="0">
+            <a:schemeClr val="accent1"/>
+          </a:effectRef>
+          <a:fontRef idx="minor">
+            <a:schemeClr val="lt1"/>
+          </a:fontRef>
+        </p:style>
+        <p:txBody>
+          <a:bodyPr rot="0" spcFirstLastPara="0" vertOverflow="overflow" horzOverflow="overflow" vert="horz" wrap="square" lIns="91440" tIns="45720" rIns="91440" bIns="45720" numCol="1" spcCol="0" rtlCol="0" fromWordArt="0" anchor="ctr" anchorCtr="0" forceAA="0" compatLnSpc="1">
+            <a:prstTxWarp prst="textNoShape">
+              <a:avLst/>
+            </a:prstTxWarp>
+            <a:noAutofit/>
+          </a:bodyPr>
+          <a:lstStyle/>
+          <a:p>
+            <a:pPr algn="ctr" defTabSz="1218987"/>
+            <a:r>
+              <a:rPr lang="en-US" sz="3200" noProof="1">
+                <a:solidFill>
+                  <a:srgbClr val="FFFFFF"/>
+                </a:solidFill>
+                <a:effectLst>
+                  <a:outerShdw blurRad="38100" dist="38100" dir="2700000" algn="tl">
+                    <a:srgbClr val="000000">
+                      <a:alpha val="43137"/>
+                    </a:srgbClr>
+                  </a:outerShdw>
+                </a:effectLst>
+              </a:rPr>
+              <a:t>num == </a:t>
+            </a:r>
+            <a:r>
+              <a:rPr lang="en-US" sz="3200" noProof="1">
+                <a:solidFill>
+                  <a:schemeClr val="tx2">
+                    <a:lumMod val="75000"/>
+                  </a:schemeClr>
+                </a:solidFill>
+                <a:effectLst>
+                  <a:outerShdw blurRad="38100" dist="38100" dir="2700000" algn="tl">
+                    <a:srgbClr val="000000">
+                      <a:alpha val="43137"/>
+                    </a:srgbClr>
+                  </a:outerShdw>
+                </a:effectLst>
+              </a:rPr>
+              <a:t>5</a:t>
+            </a:r>
+            <a:endParaRPr lang="en-US" sz="3200" b="1" noProof="1">
+              <a:solidFill>
+                <a:schemeClr val="tx2">
+                  <a:lumMod val="75000"/>
+                </a:schemeClr>
+              </a:solidFill>
+              <a:effectLst>
+                <a:outerShdw blurRad="38100" dist="38100" dir="2700000" algn="tl">
+                  <a:srgbClr val="000000">
+                    <a:alpha val="43137"/>
+                  </a:srgbClr>
+                </a:outerShdw>
+              </a:effectLst>
+              <a:latin typeface="Consolas" panose="020B0609020204030204" pitchFamily="49" charset="0"/>
+            </a:endParaRPr>
+          </a:p>
+        </p:txBody>
+      </p:sp>
+      <p:sp>
+        <p:nvSpPr>
+          <p:cNvPr id="6" name="AutoShape 24"/>
+          <p:cNvSpPr>
+            <a:spLocks noChangeArrowheads="1"/>
+          </p:cNvSpPr>
+          <p:nvPr/>
+        </p:nvSpPr>
+        <p:spPr bwMode="auto">
+          <a:xfrm>
+            <a:off x="4722812" y="5059470"/>
+            <a:ext cx="2133600" cy="762000"/>
+          </a:xfrm>
+          <a:prstGeom prst="wedgeRoundRectCallout">
+            <a:avLst>
+              <a:gd name="adj1" fmla="val -78041"/>
+              <a:gd name="adj2" fmla="val -10250"/>
+              <a:gd name="adj3" fmla="val 16667"/>
+            </a:avLst>
+          </a:prstGeom>
+          <a:solidFill>
+            <a:srgbClr val="663606">
+              <a:alpha val="94902"/>
+            </a:srgbClr>
+          </a:solidFill>
+          <a:ln w="19050">
+            <a:solidFill>
+              <a:srgbClr val="F8D49E">
+                <a:alpha val="80000"/>
+              </a:srgbClr>
+            </a:solidFill>
+          </a:ln>
+        </p:spPr>
+        <p:style>
+          <a:lnRef idx="2">
+            <a:schemeClr val="accent1">
+              <a:shade val="50000"/>
+            </a:schemeClr>
+          </a:lnRef>
+          <a:fillRef idx="1">
+            <a:schemeClr val="accent1"/>
+          </a:fillRef>
+          <a:effectRef idx="0">
+            <a:schemeClr val="accent1"/>
+          </a:effectRef>
+          <a:fontRef idx="minor">
+            <a:schemeClr val="lt1"/>
+          </a:fontRef>
+        </p:style>
+        <p:txBody>
+          <a:bodyPr rot="0" spcFirstLastPara="0" vertOverflow="overflow" horzOverflow="overflow" vert="horz" wrap="square" lIns="91440" tIns="45720" rIns="91440" bIns="45720" numCol="1" spcCol="0" rtlCol="0" fromWordArt="0" anchor="ctr" anchorCtr="0" forceAA="0" compatLnSpc="1">
+            <a:prstTxWarp prst="textNoShape">
+              <a:avLst/>
+            </a:prstTxWarp>
+            <a:noAutofit/>
+          </a:bodyPr>
+          <a:lstStyle/>
+          <a:p>
+            <a:pPr algn="ctr" defTabSz="1218987"/>
+            <a:r>
+              <a:rPr lang="en-US" sz="3200" noProof="1">
+                <a:solidFill>
+                  <a:srgbClr val="FFFFFF"/>
+                </a:solidFill>
+                <a:effectLst>
+                  <a:outerShdw blurRad="38100" dist="38100" dir="2700000" algn="tl">
+                    <a:srgbClr val="000000">
+                      <a:alpha val="43137"/>
+                    </a:srgbClr>
+                  </a:outerShdw>
+                </a:effectLst>
+              </a:rPr>
+              <a:t>num == </a:t>
+            </a:r>
+            <a:r>
+              <a:rPr lang="en-US" sz="3200" noProof="1">
+                <a:solidFill>
+                  <a:schemeClr val="tx2">
+                    <a:lumMod val="75000"/>
+                  </a:schemeClr>
+                </a:solidFill>
+                <a:effectLst>
+                  <a:outerShdw blurRad="38100" dist="38100" dir="2700000" algn="tl">
+                    <a:srgbClr val="000000">
+                      <a:alpha val="43137"/>
+                    </a:srgbClr>
+                  </a:outerShdw>
+                </a:effectLst>
+              </a:rPr>
+              <a:t>20</a:t>
+            </a:r>
+            <a:endParaRPr lang="en-US" sz="3200" b="1" noProof="1">
+              <a:solidFill>
+                <a:schemeClr val="tx2">
+                  <a:lumMod val="75000"/>
+                </a:schemeClr>
+              </a:solidFill>
+              <a:effectLst>
+                <a:outerShdw blurRad="38100" dist="38100" dir="2700000" algn="tl">
+                  <a:srgbClr val="000000">
+                    <a:alpha val="43137"/>
+                  </a:srgbClr>
+                </a:outerShdw>
+              </a:effectLst>
+              <a:latin typeface="Consolas" panose="020B0609020204030204" pitchFamily="49" charset="0"/>
+            </a:endParaRPr>
+          </a:p>
+        </p:txBody>
+      </p:sp>
+      <p:sp>
+        <p:nvSpPr>
+          <p:cNvPr id="8" name="Slide Number Placeholder">
+            <a:extLst>
+              <a:ext uri="{FF2B5EF4-FFF2-40B4-BE49-F238E27FC236}">
+                <a16:creationId xmlns:a16="http://schemas.microsoft.com/office/drawing/2014/main" id="{6D18A170-0544-4BEF-91F7-4C725954325E}"/>
+              </a:ext>
+            </a:extLst>
+          </p:cNvPr>
+          <p:cNvSpPr>
+            <a:spLocks noGrp="1"/>
+          </p:cNvSpPr>
+          <p:nvPr>
+            <p:ph type="sldNum" sz="quarter" idx="4"/>
+          </p:nvPr>
+        </p:nvSpPr>
+        <p:spPr>
+          <a:xfrm>
+            <a:off x="11566412" y="6525002"/>
+            <a:ext cx="428822" cy="196477"/>
+          </a:xfrm>
+          <a:prstGeom prst="rect">
+            <a:avLst/>
+          </a:prstGeom>
+        </p:spPr>
+        <p:txBody>
+          <a:bodyPr vert="horz" lIns="36000" tIns="36000" rIns="36000" bIns="36000" rtlCol="0" anchor="ctr"/>
+          <a:lstStyle>
+            <a:lvl1pPr algn="r">
+              <a:defRPr sz="1000">
+                <a:solidFill>
+                  <a:schemeClr val="tx1">
+                    <a:tint val="75000"/>
+                  </a:schemeClr>
+                </a:solidFill>
+              </a:defRPr>
+            </a:lvl1pPr>
+          </a:lstStyle>
+          <a:p>
+            <a:fld id="{C014DD1E-5D91-48A3-AD6D-45FBA980D106}" type="slidenum">
+              <a:rPr lang="en-US" smtClean="0">
+                <a:solidFill>
+                  <a:prstClr val="white">
+                    <a:tint val="75000"/>
+                  </a:prstClr>
+                </a:solidFill>
+              </a:rPr>
+              <a:pPr/>
+              <a:t>14</a:t>
+            </a:fld>
+            <a:endParaRPr lang="en-US" dirty="0">
+              <a:solidFill>
+                <a:prstClr val="white">
+                  <a:tint val="75000"/>
+                </a:prstClr>
+              </a:solidFill>
+            </a:endParaRPr>
+          </a:p>
+        </p:txBody>
+      </p:sp>
+    </p:spTree>
+    <p:extLst>
+      <p:ext uri="{BB962C8B-B14F-4D97-AF65-F5344CB8AC3E}">
+        <p14:creationId xmlns:p14="http://schemas.microsoft.com/office/powerpoint/2010/main" val="3760742362"/>
+      </p:ext>
+    </p:extLst>
+  </p:cSld>
+  <p:clrMapOvr>
+    <a:masterClrMapping/>
+  </p:clrMapOvr>
+  <p:timing>
+    <p:tnLst>
+      <p:par>
+        <p:cTn id="1" dur="indefinite" restart="never" nodeType="tmRoot">
+          <p:childTnLst>
+            <p:seq concurrent="1" nextAc="seek">
+              <p:cTn id="2" dur="indefinite" nodeType="mainSeq">
+                <p:childTnLst>
+                  <p:par>
+                    <p:cTn id="3" fill="hold">
+                      <p:stCondLst>
+                        <p:cond delay="indefinite"/>
+                      </p:stCondLst>
+                      <p:childTnLst>
+                        <p:par>
+                          <p:cTn id="4" fill="hold">
+                            <p:stCondLst>
+                              <p:cond delay="0"/>
+                            </p:stCondLst>
+                            <p:childTnLst>
+                              <p:par>
+                                <p:cTn id="5" presetID="1" presetClass="entr" presetSubtype="0" fill="hold" nodeType="clickEffect">
+                                  <p:stCondLst>
+                                    <p:cond delay="0"/>
+                                  </p:stCondLst>
+                                  <p:childTnLst>
+                                    <p:set>
+                                      <p:cBhvr>
+                                        <p:cTn id="6" dur="1" fill="hold">
+                                          <p:stCondLst>
+                                            <p:cond delay="0"/>
+                                          </p:stCondLst>
+                                        </p:cTn>
+                                        <p:tgtEl>
+                                          <p:spTgt spid="7">
+                                            <p:txEl>
+                                              <p:pRg st="2" end="2"/>
+                                            </p:txEl>
+                                          </p:spTgt>
+                                        </p:tgtEl>
+                                        <p:attrNameLst>
+                                          <p:attrName>style.visibility</p:attrName>
+                                        </p:attrNameLst>
+                                      </p:cBhvr>
+                                      <p:to>
+                                        <p:strVal val="visible"/>
+                                      </p:to>
+                                    </p:set>
+                                  </p:childTnLst>
+                                </p:cTn>
+                              </p:par>
+                            </p:childTnLst>
+                          </p:cTn>
+                        </p:par>
+                      </p:childTnLst>
+                    </p:cTn>
+                  </p:par>
+                  <p:par>
+                    <p:cTn id="7" fill="hold">
+                      <p:stCondLst>
+                        <p:cond delay="indefinite"/>
+                      </p:stCondLst>
+                      <p:childTnLst>
+                        <p:par>
+                          <p:cTn id="8" fill="hold">
+                            <p:stCondLst>
+                              <p:cond delay="0"/>
+                            </p:stCondLst>
+                            <p:childTnLst>
+                              <p:par>
+                                <p:cTn id="9" presetID="1" presetClass="entr" presetSubtype="0" fill="hold" nodeType="clickEffect">
+                                  <p:stCondLst>
+                                    <p:cond delay="0"/>
+                                  </p:stCondLst>
+                                  <p:childTnLst>
+                                    <p:set>
+                                      <p:cBhvr>
+                                        <p:cTn id="10" dur="1" fill="hold">
+                                          <p:stCondLst>
+                                            <p:cond delay="0"/>
+                                          </p:stCondLst>
+                                        </p:cTn>
+                                        <p:tgtEl>
+                                          <p:spTgt spid="7">
+                                            <p:txEl>
+                                              <p:pRg st="3" end="3"/>
+                                            </p:txEl>
+                                          </p:spTgt>
+                                        </p:tgtEl>
+                                        <p:attrNameLst>
+                                          <p:attrName>style.visibility</p:attrName>
+                                        </p:attrNameLst>
+                                      </p:cBhvr>
+                                      <p:to>
+                                        <p:strVal val="visible"/>
+                                      </p:to>
+                                    </p:set>
+                                  </p:childTnLst>
+                                </p:cTn>
+                              </p:par>
+                            </p:childTnLst>
+                          </p:cTn>
+                        </p:par>
+                      </p:childTnLst>
+                    </p:cTn>
+                  </p:par>
+                  <p:par>
+                    <p:cTn id="11" fill="hold">
+                      <p:stCondLst>
+                        <p:cond delay="indefinite"/>
+                      </p:stCondLst>
+                      <p:childTnLst>
+                        <p:par>
+                          <p:cTn id="12" fill="hold">
+                            <p:stCondLst>
+                              <p:cond delay="0"/>
+                            </p:stCondLst>
+                            <p:childTnLst>
+                              <p:par>
+                                <p:cTn id="13" presetID="1" presetClass="entr" presetSubtype="0" fill="hold" nodeType="clickEffect">
+                                  <p:stCondLst>
+                                    <p:cond delay="0"/>
+                                  </p:stCondLst>
+                                  <p:childTnLst>
+                                    <p:set>
+                                      <p:cBhvr>
+                                        <p:cTn id="14" dur="1" fill="hold">
+                                          <p:stCondLst>
+                                            <p:cond delay="0"/>
+                                          </p:stCondLst>
+                                        </p:cTn>
+                                        <p:tgtEl>
+                                          <p:spTgt spid="7">
+                                            <p:txEl>
+                                              <p:pRg st="7" end="7"/>
+                                            </p:txEl>
+                                          </p:spTgt>
+                                        </p:tgtEl>
+                                        <p:attrNameLst>
+                                          <p:attrName>style.visibility</p:attrName>
+                                        </p:attrNameLst>
+                                      </p:cBhvr>
+                                      <p:to>
+                                        <p:strVal val="visible"/>
+                                      </p:to>
+                                    </p:set>
+                                  </p:childTnLst>
+                                </p:cTn>
+                              </p:par>
+                              <p:par>
+                                <p:cTn id="15" presetID="1" presetClass="entr" presetSubtype="0" fill="hold" nodeType="withEffect">
+                                  <p:stCondLst>
+                                    <p:cond delay="0"/>
+                                  </p:stCondLst>
+                                  <p:childTnLst>
+                                    <p:set>
+                                      <p:cBhvr>
+                                        <p:cTn id="16" dur="1" fill="hold">
+                                          <p:stCondLst>
+                                            <p:cond delay="0"/>
+                                          </p:stCondLst>
+                                        </p:cTn>
+                                        <p:tgtEl>
+                                          <p:spTgt spid="7">
+                                            <p:txEl>
+                                              <p:pRg st="8" end="8"/>
+                                            </p:txEl>
+                                          </p:spTgt>
+                                        </p:tgtEl>
+                                        <p:attrNameLst>
+                                          <p:attrName>style.visibility</p:attrName>
+                                        </p:attrNameLst>
+                                      </p:cBhvr>
+                                      <p:to>
+                                        <p:strVal val="visible"/>
+                                      </p:to>
+                                    </p:set>
+                                  </p:childTnLst>
+                                </p:cTn>
+                              </p:par>
+                              <p:par>
+                                <p:cTn id="17" presetID="1" presetClass="entr" presetSubtype="0" fill="hold" nodeType="withEffect">
+                                  <p:stCondLst>
+                                    <p:cond delay="0"/>
+                                  </p:stCondLst>
+                                  <p:childTnLst>
+                                    <p:set>
+                                      <p:cBhvr>
+                                        <p:cTn id="18" dur="1" fill="hold">
+                                          <p:stCondLst>
+                                            <p:cond delay="0"/>
+                                          </p:stCondLst>
+                                        </p:cTn>
+                                        <p:tgtEl>
+                                          <p:spTgt spid="7">
+                                            <p:txEl>
+                                              <p:pRg st="9" end="9"/>
+                                            </p:txEl>
+                                          </p:spTgt>
+                                        </p:tgtEl>
+                                        <p:attrNameLst>
+                                          <p:attrName>style.visibility</p:attrName>
+                                        </p:attrNameLst>
+                                      </p:cBhvr>
+                                      <p:to>
+                                        <p:strVal val="visible"/>
+                                      </p:to>
+                                    </p:set>
+                                  </p:childTnLst>
+                                </p:cTn>
+                              </p:par>
+                              <p:par>
+                                <p:cTn id="19" presetID="1" presetClass="entr" presetSubtype="0" fill="hold" nodeType="withEffect">
+                                  <p:stCondLst>
+                                    <p:cond delay="0"/>
+                                  </p:stCondLst>
+                                  <p:childTnLst>
+                                    <p:set>
+                                      <p:cBhvr>
+                                        <p:cTn id="20" dur="1" fill="hold">
+                                          <p:stCondLst>
+                                            <p:cond delay="0"/>
+                                          </p:stCondLst>
+                                        </p:cTn>
+                                        <p:tgtEl>
+                                          <p:spTgt spid="7">
+                                            <p:txEl>
+                                              <p:pRg st="10" end="10"/>
+                                            </p:txEl>
+                                          </p:spTgt>
+                                        </p:tgtEl>
+                                        <p:attrNameLst>
+                                          <p:attrName>style.visibility</p:attrName>
+                                        </p:attrNameLst>
+                                      </p:cBhvr>
+                                      <p:to>
+                                        <p:strVal val="visible"/>
+                                      </p:to>
+                                    </p:set>
+                                  </p:childTnLst>
+                                </p:cTn>
+                              </p:par>
+                            </p:childTnLst>
+                          </p:cTn>
+                        </p:par>
+                      </p:childTnLst>
+                    </p:cTn>
+                  </p:par>
+                  <p:par>
+                    <p:cTn id="21" fill="hold">
+                      <p:stCondLst>
+                        <p:cond delay="indefinite"/>
+                      </p:stCondLst>
+                      <p:childTnLst>
+                        <p:par>
+                          <p:cTn id="22" fill="hold">
+                            <p:stCondLst>
+                              <p:cond delay="0"/>
+                            </p:stCondLst>
+                            <p:childTnLst>
+                              <p:par>
+                                <p:cTn id="23" presetID="1" presetClass="entr" presetSubtype="0" fill="hold" grpId="0" nodeType="clickEffect">
+                                  <p:stCondLst>
+                                    <p:cond delay="0"/>
+                                  </p:stCondLst>
+                                  <p:childTnLst>
+                                    <p:set>
+                                      <p:cBhvr>
+                                        <p:cTn id="24" dur="1" fill="hold">
+                                          <p:stCondLst>
+                                            <p:cond delay="0"/>
+                                          </p:stCondLst>
+                                        </p:cTn>
+                                        <p:tgtEl>
+                                          <p:spTgt spid="6"/>
+                                        </p:tgtEl>
+                                        <p:attrNameLst>
+                                          <p:attrName>style.visibility</p:attrName>
+                                        </p:attrNameLst>
+                                      </p:cBhvr>
+                                      <p:to>
+                                        <p:strVal val="visible"/>
+                                      </p:to>
+                                    </p:set>
+                                  </p:childTnLst>
+                                </p:cTn>
+                              </p:par>
+                            </p:childTnLst>
+                          </p:cTn>
+                        </p:par>
+                      </p:childTnLst>
+                    </p:cTn>
+                  </p:par>
+                  <p:par>
+                    <p:cTn id="25" fill="hold">
+                      <p:stCondLst>
+                        <p:cond delay="indefinite"/>
+                      </p:stCondLst>
+                      <p:childTnLst>
+                        <p:par>
+                          <p:cTn id="26" fill="hold">
+                            <p:stCondLst>
+                              <p:cond delay="0"/>
+                            </p:stCondLst>
+                            <p:childTnLst>
+                              <p:par>
+                                <p:cTn id="27" presetID="1" presetClass="entr" presetSubtype="0" fill="hold" nodeType="clickEffect">
+                                  <p:stCondLst>
+                                    <p:cond delay="0"/>
+                                  </p:stCondLst>
+                                  <p:childTnLst>
+                                    <p:set>
+                                      <p:cBhvr>
+                                        <p:cTn id="28" dur="1" fill="hold">
+                                          <p:stCondLst>
+                                            <p:cond delay="0"/>
+                                          </p:stCondLst>
+                                        </p:cTn>
+                                        <p:tgtEl>
+                                          <p:spTgt spid="7">
+                                            <p:txEl>
+                                              <p:pRg st="4" end="4"/>
+                                            </p:txEl>
+                                          </p:spTgt>
+                                        </p:tgtEl>
+                                        <p:attrNameLst>
+                                          <p:attrName>style.visibility</p:attrName>
+                                        </p:attrNameLst>
+                                      </p:cBhvr>
+                                      <p:to>
+                                        <p:strVal val="visible"/>
+                                      </p:to>
+                                    </p:set>
+                                  </p:childTnLst>
+                                </p:cTn>
+                              </p:par>
+                            </p:childTnLst>
+                          </p:cTn>
+                        </p:par>
+                      </p:childTnLst>
+                    </p:cTn>
+                  </p:par>
+                  <p:par>
+                    <p:cTn id="29" fill="hold">
+                      <p:stCondLst>
+                        <p:cond delay="indefinite"/>
+                      </p:stCondLst>
+                      <p:childTnLst>
+                        <p:par>
+                          <p:cTn id="30" fill="hold">
+                            <p:stCondLst>
+                              <p:cond delay="0"/>
+                            </p:stCondLst>
+                            <p:childTnLst>
+                              <p:par>
+                                <p:cTn id="31" presetID="1" presetClass="entr" presetSubtype="0" fill="hold" grpId="0" nodeType="clickEffect">
+                                  <p:stCondLst>
+                                    <p:cond delay="0"/>
+                                  </p:stCondLst>
+                                  <p:childTnLst>
+                                    <p:set>
+                                      <p:cBhvr>
+                                        <p:cTn id="32" dur="1" fill="hold">
+                                          <p:stCondLst>
+                                            <p:cond delay="0"/>
+                                          </p:stCondLst>
+                                        </p:cTn>
+                                        <p:tgtEl>
+                                          <p:spTgt spid="5"/>
+                                        </p:tgtEl>
+                                        <p:attrNameLst>
+                                          <p:attrName>style.visibility</p:attrName>
+                                        </p:attrNameLst>
+                                      </p:cBhvr>
+                                      <p:to>
+                                        <p:strVal val="visible"/>
+                                      </p:to>
+                                    </p:set>
+                                  </p:childTnLst>
+                                </p:cTn>
+                              </p:par>
+                            </p:childTnLst>
+                          </p:cTn>
+                        </p:par>
+                      </p:childTnLst>
+                    </p:cTn>
+                  </p:par>
+                </p:childTnLst>
+              </p:cTn>
+              <p:prevCondLst>
+                <p:cond evt="onPrev" delay="0">
+                  <p:tgtEl>
+                    <p:sldTgt/>
+                  </p:tgtEl>
+                </p:cond>
+              </p:prevCondLst>
+              <p:nextCondLst>
+                <p:cond evt="onNext" delay="0">
+                  <p:tgtEl>
+                    <p:sldTgt/>
+                  </p:tgtEl>
+                </p:cond>
+              </p:nextCondLst>
+            </p:seq>
+          </p:childTnLst>
+        </p:cTn>
+      </p:par>
+    </p:tnLst>
+    <p:bldLst>
+      <p:bldP spid="5" grpId="0" animBg="1"/>
+      <p:bldP spid="6" grpId="0" animBg="1"/>
+    </p:bldLst>
+  </p:timing>
+</p:sld>
+</file>
+
+<file path=ppt/slides/slide15.xml><?xml version="1.0" encoding="utf-8"?>
+<p:sld xmlns:a="http://schemas.openxmlformats.org/drawingml/2006/main" xmlns:r="http://schemas.openxmlformats.org/officeDocument/2006/relationships" xmlns:p="http://schemas.openxmlformats.org/presentationml/2006/main">
+  <p:cSld>
+    <p:spTree>
+      <p:nvGrpSpPr>
+        <p:cNvPr id="1" name=""/>
+        <p:cNvGrpSpPr/>
+        <p:nvPr/>
+      </p:nvGrpSpPr>
+      <p:grpSpPr>
+        <a:xfrm>
+          <a:off x="0" y="0"/>
+          <a:ext cx="0" cy="0"/>
+          <a:chOff x="0" y="0"/>
+          <a:chExt cx="0" cy="0"/>
+        </a:xfrm>
+      </p:grpSpPr>
+      <p:sp>
+        <p:nvSpPr>
+          <p:cNvPr id="4" name="Title 3"/>
+          <p:cNvSpPr>
+            <a:spLocks noGrp="1"/>
+          </p:cNvSpPr>
+          <p:nvPr>
+            <p:ph type="title"/>
+          </p:nvPr>
+        </p:nvSpPr>
+        <p:spPr/>
+        <p:txBody>
+          <a:bodyPr>
+            <a:normAutofit/>
+          </a:bodyPr>
+          <a:lstStyle/>
+          <a:p>
+            <a:r>
+              <a:rPr lang="bg-BG" dirty="0"/>
+              <a:t>Пример: Референтен тип (</a:t>
+            </a:r>
+            <a:r>
+              <a:rPr lang="en-US" dirty="0"/>
+              <a:t>Reference Types</a:t>
+            </a:r>
+            <a:r>
+              <a:rPr lang="bg-BG" dirty="0"/>
+              <a:t>)</a:t>
+            </a:r>
+            <a:r>
+              <a:rPr lang="en-US" dirty="0"/>
+              <a:t> </a:t>
+            </a:r>
+          </a:p>
+        </p:txBody>
+      </p:sp>
+      <p:sp>
+        <p:nvSpPr>
+          <p:cNvPr id="7" name="Text Placeholder 5"/>
+          <p:cNvSpPr txBox="1">
+            <a:spLocks/>
+          </p:cNvSpPr>
+          <p:nvPr/>
+        </p:nvSpPr>
+        <p:spPr>
+          <a:xfrm>
+            <a:off x="835025" y="1295400"/>
+            <a:ext cx="10515598" cy="4957868"/>
+          </a:xfrm>
+          <a:prstGeom prst="rect">
+            <a:avLst/>
+          </a:prstGeom>
+          <a:solidFill>
+            <a:schemeClr val="accent5">
+              <a:lumMod val="40000"/>
+              <a:lumOff val="60000"/>
+              <a:alpha val="20000"/>
+            </a:schemeClr>
+          </a:solidFill>
+          <a:ln w="12700">
+            <a:solidFill>
+              <a:schemeClr val="accent5">
+                <a:lumMod val="60000"/>
+                <a:lumOff val="40000"/>
+              </a:schemeClr>
+            </a:solidFill>
+          </a:ln>
+        </p:spPr>
+        <p:txBody>
+          <a:bodyPr vert="horz" wrap="square" lIns="144000" tIns="108000" rIns="144000" bIns="108000" rtlCol="0">
+            <a:spAutoFit/>
+          </a:bodyPr>
+          <a:lstStyle>
+            <a:lvl1pPr indent="0">
+              <a:lnSpc>
+                <a:spcPct val="100000"/>
+              </a:lnSpc>
+              <a:spcBef>
+                <a:spcPts val="0"/>
+              </a:spcBef>
+              <a:spcAft>
+                <a:spcPts val="0"/>
+              </a:spcAft>
+              <a:buClr>
+                <a:srgbClr val="F2B254"/>
+              </a:buClr>
+              <a:buSzPct val="100000"/>
+              <a:buFont typeface="Wingdings" panose="05000000000000000000" pitchFamily="2" charset="2"/>
+              <a:buNone/>
+              <a:defRPr lang="en-US" b="1" noProof="1" smtClean="0">
+                <a:solidFill>
+                  <a:srgbClr val="FBEEDC"/>
+                </a:solidFill>
+                <a:effectLst>
+                  <a:outerShdw blurRad="38100" dist="38100" dir="2700000" algn="tl">
+                    <a:srgbClr val="000000">
+                      <a:alpha val="43137"/>
+                    </a:srgbClr>
+                  </a:outerShdw>
+                </a:effectLst>
+                <a:latin typeface="Consolas" pitchFamily="49" charset="0"/>
+                <a:cs typeface="Consolas" pitchFamily="49" charset="0"/>
+              </a:defRPr>
+            </a:lvl1pPr>
+            <a:lvl2pPr indent="-231606">
+              <a:lnSpc>
+                <a:spcPct val="105000"/>
+              </a:lnSpc>
+              <a:spcBef>
+                <a:spcPts val="600"/>
+              </a:spcBef>
+              <a:spcAft>
+                <a:spcPts val="600"/>
+              </a:spcAft>
+              <a:buClr>
+                <a:schemeClr val="accent1"/>
+              </a:buClr>
+              <a:buSzPct val="80000"/>
+              <a:buFont typeface="Wingdings" panose="05000000000000000000" pitchFamily="2" charset="2"/>
+              <a:buChar char="§"/>
+              <a:defRPr sz="3200" b="0"/>
+            </a:lvl2pPr>
+            <a:lvl3pPr marL="914240" indent="-231606">
+              <a:lnSpc>
+                <a:spcPct val="105000"/>
+              </a:lnSpc>
+              <a:spcBef>
+                <a:spcPts val="600"/>
+              </a:spcBef>
+              <a:spcAft>
+                <a:spcPts val="600"/>
+              </a:spcAft>
+              <a:buClr>
+                <a:srgbClr val="EF9A1D"/>
+              </a:buClr>
+              <a:buSzPct val="80000"/>
+              <a:buFont typeface="Wingdings" panose="05000000000000000000" pitchFamily="2" charset="2"/>
+              <a:buChar char="§"/>
+              <a:defRPr sz="3000" b="0"/>
+            </a:lvl3pPr>
+            <a:lvl4pPr marL="1218987" indent="-231606">
+              <a:lnSpc>
+                <a:spcPct val="105000"/>
+              </a:lnSpc>
+              <a:spcBef>
+                <a:spcPts val="600"/>
+              </a:spcBef>
+              <a:spcAft>
+                <a:spcPts val="600"/>
+              </a:spcAft>
+              <a:buClr>
+                <a:srgbClr val="ED9411"/>
+              </a:buClr>
+              <a:buSzPct val="80000"/>
+              <a:buFont typeface="Wingdings" panose="05000000000000000000" pitchFamily="2" charset="2"/>
+              <a:buChar char="§"/>
+              <a:defRPr sz="2800" b="0"/>
+            </a:lvl4pPr>
+            <a:lvl5pPr marL="1523733" indent="-231606">
+              <a:lnSpc>
+                <a:spcPct val="105000"/>
+              </a:lnSpc>
+              <a:spcBef>
+                <a:spcPts val="600"/>
+              </a:spcBef>
+              <a:spcAft>
+                <a:spcPts val="600"/>
+              </a:spcAft>
+              <a:buClr>
+                <a:srgbClr val="E28D10"/>
+              </a:buClr>
+              <a:buSzPct val="80000"/>
+              <a:buFont typeface="Wingdings" panose="05000000000000000000" pitchFamily="2" charset="2"/>
+              <a:buChar char="§"/>
+              <a:defRPr sz="2600" b="0"/>
+            </a:lvl5pPr>
+            <a:lvl6pPr marL="1828480" indent="-231606">
+              <a:lnSpc>
+                <a:spcPct val="90000"/>
+              </a:lnSpc>
+              <a:spcBef>
+                <a:spcPts val="800"/>
+              </a:spcBef>
+              <a:buClr>
+                <a:schemeClr val="accent1"/>
+              </a:buClr>
+              <a:buSzPct val="80000"/>
+              <a:buFont typeface="Arial" pitchFamily="34" charset="0"/>
+              <a:buChar char="•"/>
+              <a:defRPr sz="2000"/>
+            </a:lvl6pPr>
+            <a:lvl7pPr marL="2133227" indent="-231606">
+              <a:lnSpc>
+                <a:spcPct val="90000"/>
+              </a:lnSpc>
+              <a:spcBef>
+                <a:spcPts val="800"/>
+              </a:spcBef>
+              <a:buClr>
+                <a:schemeClr val="accent1"/>
+              </a:buClr>
+              <a:buSzPct val="80000"/>
+              <a:buFont typeface="Arial" pitchFamily="34" charset="0"/>
+              <a:buChar char="•"/>
+              <a:defRPr sz="2000"/>
+            </a:lvl7pPr>
+            <a:lvl8pPr marL="2437972" indent="-231606">
+              <a:lnSpc>
+                <a:spcPct val="90000"/>
+              </a:lnSpc>
+              <a:spcBef>
+                <a:spcPts val="800"/>
+              </a:spcBef>
+              <a:buClr>
+                <a:schemeClr val="accent1"/>
+              </a:buClr>
+              <a:buSzPct val="80000"/>
+              <a:buFont typeface="Arial" pitchFamily="34" charset="0"/>
+              <a:buChar char="•"/>
+              <a:defRPr sz="2000" baseline="0"/>
+            </a:lvl8pPr>
+            <a:lvl9pPr marL="2742720" indent="-231606">
+              <a:lnSpc>
+                <a:spcPct val="90000"/>
+              </a:lnSpc>
+              <a:spcBef>
+                <a:spcPts val="800"/>
+              </a:spcBef>
+              <a:buClr>
+                <a:schemeClr val="accent1"/>
+              </a:buClr>
+              <a:buSzPct val="80000"/>
+              <a:buFont typeface="Arial" pitchFamily="34" charset="0"/>
+              <a:buChar char="•"/>
+              <a:defRPr sz="2000" baseline="0"/>
+            </a:lvl9pPr>
+          </a:lstStyle>
+          <a:p>
+            <a:r>
+              <a:rPr lang="en-US" sz="2800" dirty="0"/>
+              <a:t>public static void Main()</a:t>
+            </a:r>
+          </a:p>
+          <a:p>
+            <a:r>
+              <a:rPr lang="en-US" sz="2800" dirty="0"/>
+              <a:t>{</a:t>
+            </a:r>
+          </a:p>
+          <a:p>
+            <a:r>
+              <a:rPr lang="en-US" sz="2800" dirty="0"/>
+              <a:t>  int[] nums = { 5 };</a:t>
+            </a:r>
+          </a:p>
+          <a:p>
+            <a:r>
+              <a:rPr lang="en-US" sz="2800" dirty="0"/>
+              <a:t>  </a:t>
+            </a:r>
+            <a:r>
+              <a:rPr lang="en-US" sz="2800" dirty="0">
+                <a:solidFill>
+                  <a:schemeClr val="tx2">
+                    <a:lumMod val="75000"/>
+                  </a:schemeClr>
+                </a:solidFill>
+              </a:rPr>
+              <a:t>Increment</a:t>
+            </a:r>
+            <a:r>
+              <a:rPr lang="en-US" sz="2800" dirty="0"/>
+              <a:t>(nums, 15);</a:t>
+            </a:r>
+          </a:p>
+          <a:p>
+            <a:r>
+              <a:rPr lang="en-US" sz="2800" dirty="0"/>
+              <a:t>  Console.WriteLine(</a:t>
+            </a:r>
+            <a:r>
+              <a:rPr lang="en-US" sz="2800" dirty="0">
+                <a:solidFill>
+                  <a:schemeClr val="tx2">
+                    <a:lumMod val="75000"/>
+                  </a:schemeClr>
+                </a:solidFill>
+              </a:rPr>
+              <a:t>nums[0]</a:t>
+            </a:r>
+            <a:r>
+              <a:rPr lang="en-US" sz="2800" dirty="0"/>
+              <a:t>);</a:t>
+            </a:r>
+          </a:p>
+          <a:p>
+            <a:r>
+              <a:rPr lang="en-US" sz="2800" dirty="0"/>
+              <a:t>}</a:t>
+            </a:r>
+          </a:p>
+          <a:p>
+            <a:endParaRPr lang="en-US" sz="2800" dirty="0"/>
+          </a:p>
+          <a:p>
+            <a:r>
+              <a:rPr lang="en-US" sz="2800" dirty="0"/>
+              <a:t>private static void Increment(int[] nums, int value)</a:t>
+            </a:r>
+          </a:p>
+          <a:p>
+            <a:r>
+              <a:rPr lang="en-US" sz="2800" dirty="0"/>
+              <a:t>{</a:t>
+            </a:r>
+          </a:p>
+          <a:p>
+            <a:r>
+              <a:rPr lang="en-US" sz="2800" dirty="0">
+                <a:solidFill>
+                  <a:schemeClr val="tx2">
+                    <a:lumMod val="75000"/>
+                  </a:schemeClr>
+                </a:solidFill>
+              </a:rPr>
+              <a:t>  nums[0]</a:t>
+            </a:r>
+            <a:r>
+              <a:rPr lang="en-US" sz="2800" dirty="0"/>
+              <a:t> += value;</a:t>
+            </a:r>
+          </a:p>
+          <a:p>
+            <a:r>
+              <a:rPr lang="en-US" sz="2800" dirty="0"/>
+              <a:t>}</a:t>
+            </a:r>
+          </a:p>
+        </p:txBody>
+      </p:sp>
+      <p:sp>
+        <p:nvSpPr>
+          <p:cNvPr id="5" name="AutoShape 24"/>
+          <p:cNvSpPr>
+            <a:spLocks noChangeArrowheads="1"/>
+          </p:cNvSpPr>
+          <p:nvPr/>
+        </p:nvSpPr>
+        <p:spPr bwMode="auto">
+          <a:xfrm>
+            <a:off x="6551612" y="1639992"/>
+            <a:ext cx="2209800" cy="762000"/>
+          </a:xfrm>
+          <a:prstGeom prst="wedgeRoundRectCallout">
+            <a:avLst>
+              <a:gd name="adj1" fmla="val -75011"/>
+              <a:gd name="adj2" fmla="val 70962"/>
+              <a:gd name="adj3" fmla="val 16667"/>
+            </a:avLst>
+          </a:prstGeom>
+          <a:solidFill>
+            <a:srgbClr val="663606">
+              <a:alpha val="94902"/>
+            </a:srgbClr>
+          </a:solidFill>
+          <a:ln w="19050">
+            <a:solidFill>
+              <a:srgbClr val="F8D49E">
+                <a:alpha val="80000"/>
+              </a:srgbClr>
+            </a:solidFill>
+          </a:ln>
+        </p:spPr>
+        <p:style>
+          <a:lnRef idx="2">
+            <a:schemeClr val="accent1">
+              <a:shade val="50000"/>
+            </a:schemeClr>
+          </a:lnRef>
+          <a:fillRef idx="1">
+            <a:schemeClr val="accent1"/>
+          </a:fillRef>
+          <a:effectRef idx="0">
+            <a:schemeClr val="accent1"/>
+          </a:effectRef>
+          <a:fontRef idx="minor">
+            <a:schemeClr val="lt1"/>
+          </a:fontRef>
+        </p:style>
+        <p:txBody>
+          <a:bodyPr rot="0" spcFirstLastPara="0" vertOverflow="overflow" horzOverflow="overflow" vert="horz" wrap="square" lIns="91440" tIns="45720" rIns="91440" bIns="45720" numCol="1" spcCol="0" rtlCol="0" fromWordArt="0" anchor="ctr" anchorCtr="0" forceAA="0" compatLnSpc="1">
+            <a:prstTxWarp prst="textNoShape">
+              <a:avLst/>
+            </a:prstTxWarp>
+            <a:noAutofit/>
+          </a:bodyPr>
+          <a:lstStyle/>
+          <a:p>
+            <a:pPr algn="ctr" defTabSz="1218987"/>
+            <a:r>
+              <a:rPr lang="en-US" sz="3200" noProof="1">
+                <a:solidFill>
+                  <a:srgbClr val="FFFFFF"/>
+                </a:solidFill>
+                <a:effectLst>
+                  <a:outerShdw blurRad="38100" dist="38100" dir="2700000" algn="tl">
+                    <a:srgbClr val="000000">
+                      <a:alpha val="43137"/>
+                    </a:srgbClr>
+                  </a:outerShdw>
+                </a:effectLst>
+              </a:rPr>
+              <a:t>num == </a:t>
+            </a:r>
+            <a:r>
+              <a:rPr lang="en-US" sz="3200" noProof="1">
+                <a:solidFill>
+                  <a:schemeClr val="tx2">
+                    <a:lumMod val="75000"/>
+                  </a:schemeClr>
+                </a:solidFill>
+                <a:effectLst>
+                  <a:outerShdw blurRad="38100" dist="38100" dir="2700000" algn="tl">
+                    <a:srgbClr val="000000">
+                      <a:alpha val="43137"/>
+                    </a:srgbClr>
+                  </a:outerShdw>
+                </a:effectLst>
+              </a:rPr>
+              <a:t>20</a:t>
+            </a:r>
+            <a:endParaRPr lang="en-US" sz="3200" b="1" noProof="1">
+              <a:solidFill>
+                <a:schemeClr val="tx2">
+                  <a:lumMod val="75000"/>
+                </a:schemeClr>
+              </a:solidFill>
+              <a:effectLst>
+                <a:outerShdw blurRad="38100" dist="38100" dir="2700000" algn="tl">
+                  <a:srgbClr val="000000">
+                    <a:alpha val="43137"/>
+                  </a:srgbClr>
+                </a:outerShdw>
+              </a:effectLst>
+              <a:latin typeface="Consolas" panose="020B0609020204030204" pitchFamily="49" charset="0"/>
+            </a:endParaRPr>
+          </a:p>
+        </p:txBody>
+      </p:sp>
+      <p:sp>
+        <p:nvSpPr>
+          <p:cNvPr id="6" name="AutoShape 24"/>
+          <p:cNvSpPr>
+            <a:spLocks noChangeArrowheads="1"/>
+          </p:cNvSpPr>
+          <p:nvPr/>
+        </p:nvSpPr>
+        <p:spPr bwMode="auto">
+          <a:xfrm>
+            <a:off x="5522912" y="4840392"/>
+            <a:ext cx="2133600" cy="762000"/>
+          </a:xfrm>
+          <a:prstGeom prst="wedgeRoundRectCallout">
+            <a:avLst>
+              <a:gd name="adj1" fmla="val -75877"/>
+              <a:gd name="adj2" fmla="val 24902"/>
+              <a:gd name="adj3" fmla="val 16667"/>
+            </a:avLst>
+          </a:prstGeom>
+          <a:solidFill>
+            <a:srgbClr val="663606">
+              <a:alpha val="94902"/>
+            </a:srgbClr>
+          </a:solidFill>
+          <a:ln w="19050">
+            <a:solidFill>
+              <a:srgbClr val="F8D49E">
+                <a:alpha val="80000"/>
+              </a:srgbClr>
+            </a:solidFill>
+          </a:ln>
+        </p:spPr>
+        <p:style>
+          <a:lnRef idx="2">
+            <a:schemeClr val="accent1">
+              <a:shade val="50000"/>
+            </a:schemeClr>
+          </a:lnRef>
+          <a:fillRef idx="1">
+            <a:schemeClr val="accent1"/>
+          </a:fillRef>
+          <a:effectRef idx="0">
+            <a:schemeClr val="accent1"/>
+          </a:effectRef>
+          <a:fontRef idx="minor">
+            <a:schemeClr val="lt1"/>
+          </a:fontRef>
+        </p:style>
+        <p:txBody>
+          <a:bodyPr rot="0" spcFirstLastPara="0" vertOverflow="overflow" horzOverflow="overflow" vert="horz" wrap="square" lIns="91440" tIns="45720" rIns="91440" bIns="45720" numCol="1" spcCol="0" rtlCol="0" fromWordArt="0" anchor="ctr" anchorCtr="0" forceAA="0" compatLnSpc="1">
+            <a:prstTxWarp prst="textNoShape">
+              <a:avLst/>
+            </a:prstTxWarp>
+            <a:noAutofit/>
+          </a:bodyPr>
+          <a:lstStyle/>
+          <a:p>
+            <a:pPr algn="ctr" defTabSz="1218987"/>
+            <a:r>
+              <a:rPr lang="en-US" sz="3200" noProof="1">
+                <a:solidFill>
+                  <a:srgbClr val="FFFFFF"/>
+                </a:solidFill>
+                <a:effectLst>
+                  <a:outerShdw blurRad="38100" dist="38100" dir="2700000" algn="tl">
+                    <a:srgbClr val="000000">
+                      <a:alpha val="43137"/>
+                    </a:srgbClr>
+                  </a:outerShdw>
+                </a:effectLst>
+              </a:rPr>
+              <a:t>num == </a:t>
+            </a:r>
+            <a:r>
+              <a:rPr lang="en-US" sz="3200" noProof="1">
+                <a:solidFill>
+                  <a:schemeClr val="tx2">
+                    <a:lumMod val="75000"/>
+                  </a:schemeClr>
+                </a:solidFill>
+                <a:effectLst>
+                  <a:outerShdw blurRad="38100" dist="38100" dir="2700000" algn="tl">
+                    <a:srgbClr val="000000">
+                      <a:alpha val="43137"/>
+                    </a:srgbClr>
+                  </a:outerShdw>
+                </a:effectLst>
+              </a:rPr>
+              <a:t>20</a:t>
+            </a:r>
+            <a:endParaRPr lang="en-US" sz="3200" b="1" noProof="1">
+              <a:solidFill>
+                <a:schemeClr val="tx2">
+                  <a:lumMod val="75000"/>
+                </a:schemeClr>
+              </a:solidFill>
+              <a:effectLst>
+                <a:outerShdw blurRad="38100" dist="38100" dir="2700000" algn="tl">
+                  <a:srgbClr val="000000">
+                    <a:alpha val="43137"/>
+                  </a:srgbClr>
+                </a:outerShdw>
+              </a:effectLst>
+              <a:latin typeface="Consolas" panose="020B0609020204030204" pitchFamily="49" charset="0"/>
+            </a:endParaRPr>
+          </a:p>
+        </p:txBody>
+      </p:sp>
+      <p:sp>
+        <p:nvSpPr>
+          <p:cNvPr id="8" name="Slide Number Placeholder">
+            <a:extLst>
+              <a:ext uri="{FF2B5EF4-FFF2-40B4-BE49-F238E27FC236}">
+                <a16:creationId xmlns:a16="http://schemas.microsoft.com/office/drawing/2014/main" id="{B703A6B7-ADF6-4C6D-9B95-F522C3BA1ABD}"/>
+              </a:ext>
+            </a:extLst>
+          </p:cNvPr>
+          <p:cNvSpPr>
+            <a:spLocks noGrp="1"/>
+          </p:cNvSpPr>
+          <p:nvPr>
+            <p:ph type="sldNum" sz="quarter" idx="4"/>
+          </p:nvPr>
+        </p:nvSpPr>
+        <p:spPr>
+          <a:xfrm>
+            <a:off x="11566412" y="6525002"/>
+            <a:ext cx="428822" cy="196477"/>
+          </a:xfrm>
+          <a:prstGeom prst="rect">
+            <a:avLst/>
+          </a:prstGeom>
+        </p:spPr>
+        <p:txBody>
+          <a:bodyPr vert="horz" lIns="36000" tIns="36000" rIns="36000" bIns="36000" rtlCol="0" anchor="ctr"/>
+          <a:lstStyle>
+            <a:lvl1pPr algn="r">
+              <a:defRPr sz="1000">
+                <a:solidFill>
+                  <a:schemeClr val="tx1">
+                    <a:tint val="75000"/>
+                  </a:schemeClr>
+                </a:solidFill>
+              </a:defRPr>
+            </a:lvl1pPr>
+          </a:lstStyle>
+          <a:p>
+            <a:fld id="{C014DD1E-5D91-48A3-AD6D-45FBA980D106}" type="slidenum">
+              <a:rPr lang="en-US" smtClean="0">
+                <a:solidFill>
+                  <a:prstClr val="white">
+                    <a:tint val="75000"/>
+                  </a:prstClr>
+                </a:solidFill>
+              </a:rPr>
+              <a:pPr/>
+              <a:t>15</a:t>
+            </a:fld>
+            <a:endParaRPr lang="en-US" dirty="0">
+              <a:solidFill>
+                <a:prstClr val="white">
+                  <a:tint val="75000"/>
+                </a:prstClr>
+              </a:solidFill>
+            </a:endParaRPr>
+          </a:p>
+        </p:txBody>
+      </p:sp>
+    </p:spTree>
+    <p:extLst>
+      <p:ext uri="{BB962C8B-B14F-4D97-AF65-F5344CB8AC3E}">
+        <p14:creationId xmlns:p14="http://schemas.microsoft.com/office/powerpoint/2010/main" val="2475366721"/>
+      </p:ext>
+    </p:extLst>
+  </p:cSld>
+  <p:clrMapOvr>
+    <a:masterClrMapping/>
+  </p:clrMapOvr>
+  <p:timing>
+    <p:tnLst>
+      <p:par>
+        <p:cTn id="1" dur="indefinite" restart="never" nodeType="tmRoot">
+          <p:childTnLst>
+            <p:seq concurrent="1" nextAc="seek">
+              <p:cTn id="2" dur="indefinite" nodeType="mainSeq">
+                <p:childTnLst>
+                  <p:par>
+                    <p:cTn id="3" fill="hold">
+                      <p:stCondLst>
+                        <p:cond delay="indefinite"/>
+                      </p:stCondLst>
+                      <p:childTnLst>
+                        <p:par>
+                          <p:cTn id="4" fill="hold">
+                            <p:stCondLst>
+                              <p:cond delay="0"/>
+                            </p:stCondLst>
+                            <p:childTnLst>
+                              <p:par>
+                                <p:cTn id="5" presetID="1" presetClass="entr" presetSubtype="0" fill="hold" nodeType="clickEffect">
+                                  <p:stCondLst>
+                                    <p:cond delay="0"/>
+                                  </p:stCondLst>
+                                  <p:childTnLst>
+                                    <p:set>
+                                      <p:cBhvr>
+                                        <p:cTn id="6" dur="1" fill="hold">
+                                          <p:stCondLst>
+                                            <p:cond delay="0"/>
+                                          </p:stCondLst>
+                                        </p:cTn>
+                                        <p:tgtEl>
+                                          <p:spTgt spid="7">
+                                            <p:txEl>
+                                              <p:pRg st="2" end="2"/>
+                                            </p:txEl>
+                                          </p:spTgt>
+                                        </p:tgtEl>
+                                        <p:attrNameLst>
+                                          <p:attrName>style.visibility</p:attrName>
+                                        </p:attrNameLst>
+                                      </p:cBhvr>
+                                      <p:to>
+                                        <p:strVal val="visible"/>
+                                      </p:to>
+                                    </p:set>
+                                  </p:childTnLst>
+                                </p:cTn>
+                              </p:par>
+                              <p:par>
+                                <p:cTn id="7" presetID="1" presetClass="entr" presetSubtype="0" fill="hold" nodeType="withEffect">
+                                  <p:stCondLst>
+                                    <p:cond delay="0"/>
+                                  </p:stCondLst>
+                                  <p:childTnLst>
+                                    <p:set>
+                                      <p:cBhvr>
+                                        <p:cTn id="8" dur="1" fill="hold">
+                                          <p:stCondLst>
+                                            <p:cond delay="0"/>
+                                          </p:stCondLst>
+                                        </p:cTn>
+                                        <p:tgtEl>
+                                          <p:spTgt spid="7">
+                                            <p:txEl>
+                                              <p:pRg st="3" end="3"/>
+                                            </p:txEl>
+                                          </p:spTgt>
+                                        </p:tgtEl>
+                                        <p:attrNameLst>
+                                          <p:attrName>style.visibility</p:attrName>
+                                        </p:attrNameLst>
+                                      </p:cBhvr>
+                                      <p:to>
+                                        <p:strVal val="visible"/>
+                                      </p:to>
+                                    </p:set>
+                                  </p:childTnLst>
+                                </p:cTn>
+                              </p:par>
+                            </p:childTnLst>
+                          </p:cTn>
+                        </p:par>
+                      </p:childTnLst>
+                    </p:cTn>
+                  </p:par>
+                  <p:par>
+                    <p:cTn id="9" fill="hold">
+                      <p:stCondLst>
+                        <p:cond delay="indefinite"/>
+                      </p:stCondLst>
+                      <p:childTnLst>
+                        <p:par>
+                          <p:cTn id="10" fill="hold">
+                            <p:stCondLst>
+                              <p:cond delay="0"/>
+                            </p:stCondLst>
+                            <p:childTnLst>
+                              <p:par>
+                                <p:cTn id="11" presetID="1" presetClass="entr" presetSubtype="0" fill="hold" nodeType="clickEffect">
+                                  <p:stCondLst>
+                                    <p:cond delay="0"/>
+                                  </p:stCondLst>
+                                  <p:childTnLst>
+                                    <p:set>
+                                      <p:cBhvr>
+                                        <p:cTn id="12" dur="1" fill="hold">
+                                          <p:stCondLst>
+                                            <p:cond delay="0"/>
+                                          </p:stCondLst>
+                                        </p:cTn>
+                                        <p:tgtEl>
+                                          <p:spTgt spid="7">
+                                            <p:txEl>
+                                              <p:pRg st="7" end="7"/>
+                                            </p:txEl>
+                                          </p:spTgt>
+                                        </p:tgtEl>
+                                        <p:attrNameLst>
+                                          <p:attrName>style.visibility</p:attrName>
+                                        </p:attrNameLst>
+                                      </p:cBhvr>
+                                      <p:to>
+                                        <p:strVal val="visible"/>
+                                      </p:to>
+                                    </p:set>
+                                  </p:childTnLst>
+                                </p:cTn>
+                              </p:par>
+                              <p:par>
+                                <p:cTn id="13" presetID="1" presetClass="entr" presetSubtype="0" fill="hold" nodeType="withEffect">
+                                  <p:stCondLst>
+                                    <p:cond delay="0"/>
+                                  </p:stCondLst>
+                                  <p:childTnLst>
+                                    <p:set>
+                                      <p:cBhvr>
+                                        <p:cTn id="14" dur="1" fill="hold">
+                                          <p:stCondLst>
+                                            <p:cond delay="0"/>
+                                          </p:stCondLst>
+                                        </p:cTn>
+                                        <p:tgtEl>
+                                          <p:spTgt spid="7">
+                                            <p:txEl>
+                                              <p:pRg st="8" end="8"/>
+                                            </p:txEl>
+                                          </p:spTgt>
+                                        </p:tgtEl>
+                                        <p:attrNameLst>
+                                          <p:attrName>style.visibility</p:attrName>
+                                        </p:attrNameLst>
+                                      </p:cBhvr>
+                                      <p:to>
+                                        <p:strVal val="visible"/>
+                                      </p:to>
+                                    </p:set>
+                                  </p:childTnLst>
+                                </p:cTn>
+                              </p:par>
+                              <p:par>
+                                <p:cTn id="15" presetID="1" presetClass="entr" presetSubtype="0" fill="hold" nodeType="withEffect">
+                                  <p:stCondLst>
+                                    <p:cond delay="0"/>
+                                  </p:stCondLst>
+                                  <p:childTnLst>
+                                    <p:set>
+                                      <p:cBhvr>
+                                        <p:cTn id="16" dur="1" fill="hold">
+                                          <p:stCondLst>
+                                            <p:cond delay="0"/>
+                                          </p:stCondLst>
+                                        </p:cTn>
+                                        <p:tgtEl>
+                                          <p:spTgt spid="7">
+                                            <p:txEl>
+                                              <p:pRg st="9" end="9"/>
+                                            </p:txEl>
+                                          </p:spTgt>
+                                        </p:tgtEl>
+                                        <p:attrNameLst>
+                                          <p:attrName>style.visibility</p:attrName>
+                                        </p:attrNameLst>
+                                      </p:cBhvr>
+                                      <p:to>
+                                        <p:strVal val="visible"/>
+                                      </p:to>
+                                    </p:set>
+                                  </p:childTnLst>
+                                </p:cTn>
+                              </p:par>
+                              <p:par>
+                                <p:cTn id="17" presetID="1" presetClass="entr" presetSubtype="0" fill="hold" nodeType="withEffect">
+                                  <p:stCondLst>
+                                    <p:cond delay="0"/>
+                                  </p:stCondLst>
+                                  <p:childTnLst>
+                                    <p:set>
+                                      <p:cBhvr>
+                                        <p:cTn id="18" dur="1" fill="hold">
+                                          <p:stCondLst>
+                                            <p:cond delay="0"/>
+                                          </p:stCondLst>
+                                        </p:cTn>
+                                        <p:tgtEl>
+                                          <p:spTgt spid="7">
+                                            <p:txEl>
+                                              <p:pRg st="10" end="10"/>
+                                            </p:txEl>
+                                          </p:spTgt>
+                                        </p:tgtEl>
+                                        <p:attrNameLst>
+                                          <p:attrName>style.visibility</p:attrName>
+                                        </p:attrNameLst>
+                                      </p:cBhvr>
+                                      <p:to>
+                                        <p:strVal val="visible"/>
+                                      </p:to>
+                                    </p:set>
+                                  </p:childTnLst>
+                                </p:cTn>
+                              </p:par>
+                            </p:childTnLst>
+                          </p:cTn>
+                        </p:par>
+                      </p:childTnLst>
+                    </p:cTn>
+                  </p:par>
+                  <p:par>
+                    <p:cTn id="19" fill="hold">
+                      <p:stCondLst>
+                        <p:cond delay="indefinite"/>
+                      </p:stCondLst>
+                      <p:childTnLst>
+                        <p:par>
+                          <p:cTn id="20" fill="hold">
+                            <p:stCondLst>
+                              <p:cond delay="0"/>
+                            </p:stCondLst>
+                            <p:childTnLst>
+                              <p:par>
+                                <p:cTn id="21" presetID="1" presetClass="entr" presetSubtype="0" fill="hold" grpId="0" nodeType="clickEffect">
+                                  <p:stCondLst>
+                                    <p:cond delay="0"/>
+                                  </p:stCondLst>
+                                  <p:childTnLst>
+                                    <p:set>
+                                      <p:cBhvr>
+                                        <p:cTn id="22" dur="1" fill="hold">
+                                          <p:stCondLst>
+                                            <p:cond delay="0"/>
+                                          </p:stCondLst>
+                                        </p:cTn>
+                                        <p:tgtEl>
+                                          <p:spTgt spid="6"/>
+                                        </p:tgtEl>
+                                        <p:attrNameLst>
+                                          <p:attrName>style.visibility</p:attrName>
+                                        </p:attrNameLst>
+                                      </p:cBhvr>
+                                      <p:to>
+                                        <p:strVal val="visible"/>
+                                      </p:to>
+                                    </p:set>
+                                  </p:childTnLst>
+                                </p:cTn>
+                              </p:par>
+                            </p:childTnLst>
+                          </p:cTn>
+                        </p:par>
+                      </p:childTnLst>
+                    </p:cTn>
+                  </p:par>
+                  <p:par>
+                    <p:cTn id="23" fill="hold">
+                      <p:stCondLst>
+                        <p:cond delay="indefinite"/>
+                      </p:stCondLst>
+                      <p:childTnLst>
+                        <p:par>
+                          <p:cTn id="24" fill="hold">
+                            <p:stCondLst>
+                              <p:cond delay="0"/>
+                            </p:stCondLst>
+                            <p:childTnLst>
+                              <p:par>
+                                <p:cTn id="25" presetID="1" presetClass="entr" presetSubtype="0" fill="hold" nodeType="clickEffect">
+                                  <p:stCondLst>
+                                    <p:cond delay="0"/>
+                                  </p:stCondLst>
+                                  <p:childTnLst>
+                                    <p:set>
+                                      <p:cBhvr>
+                                        <p:cTn id="26" dur="1" fill="hold">
+                                          <p:stCondLst>
+                                            <p:cond delay="0"/>
+                                          </p:stCondLst>
+                                        </p:cTn>
+                                        <p:tgtEl>
+                                          <p:spTgt spid="7">
+                                            <p:txEl>
+                                              <p:pRg st="4" end="4"/>
+                                            </p:txEl>
+                                          </p:spTgt>
+                                        </p:tgtEl>
+                                        <p:attrNameLst>
+                                          <p:attrName>style.visibility</p:attrName>
+                                        </p:attrNameLst>
+                                      </p:cBhvr>
+                                      <p:to>
+                                        <p:strVal val="visible"/>
+                                      </p:to>
+                                    </p:set>
+                                  </p:childTnLst>
+                                </p:cTn>
+                              </p:par>
+                            </p:childTnLst>
+                          </p:cTn>
+                        </p:par>
+                      </p:childTnLst>
+                    </p:cTn>
+                  </p:par>
+                  <p:par>
+                    <p:cTn id="27" fill="hold">
+                      <p:stCondLst>
+                        <p:cond delay="indefinite"/>
+                      </p:stCondLst>
+                      <p:childTnLst>
+                        <p:par>
+                          <p:cTn id="28" fill="hold">
+                            <p:stCondLst>
+                              <p:cond delay="0"/>
+                            </p:stCondLst>
+                            <p:childTnLst>
+                              <p:par>
+                                <p:cTn id="29" presetID="1" presetClass="entr" presetSubtype="0" fill="hold" grpId="0" nodeType="clickEffect">
+                                  <p:stCondLst>
+                                    <p:cond delay="0"/>
+                                  </p:stCondLst>
+                                  <p:childTnLst>
+                                    <p:set>
+                                      <p:cBhvr>
+                                        <p:cTn id="30" dur="1" fill="hold">
+                                          <p:stCondLst>
+                                            <p:cond delay="0"/>
+                                          </p:stCondLst>
+                                        </p:cTn>
+                                        <p:tgtEl>
+                                          <p:spTgt spid="5"/>
+                                        </p:tgtEl>
+                                        <p:attrNameLst>
+                                          <p:attrName>style.visibility</p:attrName>
+                                        </p:attrNameLst>
+                                      </p:cBhvr>
+                                      <p:to>
+                                        <p:strVal val="visible"/>
+                                      </p:to>
+                                    </p:set>
+                                  </p:childTnLst>
+                                </p:cTn>
+                              </p:par>
+                            </p:childTnLst>
+                          </p:cTn>
+                        </p:par>
+                      </p:childTnLst>
+                    </p:cTn>
+                  </p:par>
+                </p:childTnLst>
+              </p:cTn>
+              <p:prevCondLst>
+                <p:cond evt="onPrev" delay="0">
+                  <p:tgtEl>
+                    <p:sldTgt/>
+                  </p:tgtEl>
+                </p:cond>
+              </p:prevCondLst>
+              <p:nextCondLst>
+                <p:cond evt="onNext" delay="0">
+                  <p:tgtEl>
+                    <p:sldTgt/>
+                  </p:tgtEl>
+                </p:cond>
+              </p:nextCondLst>
+            </p:seq>
+          </p:childTnLst>
+        </p:cTn>
+      </p:par>
+    </p:tnLst>
+    <p:bldLst>
+      <p:bldP spid="5" grpId="0" animBg="1"/>
+      <p:bldP spid="6" grpId="0" animBg="1"/>
+    </p:bldLst>
+  </p:timing>
+</p:sld>
+</file>
+
+<file path=ppt/slides/slide16.xml><?xml version="1.0" encoding="utf-8"?>
+<p:sld xmlns:a="http://schemas.openxmlformats.org/drawingml/2006/main" xmlns:r="http://schemas.openxmlformats.org/officeDocument/2006/relationships" xmlns:p="http://schemas.openxmlformats.org/presentationml/2006/main">
+  <p:cSld>
+    <p:spTree>
+      <p:nvGrpSpPr>
+        <p:cNvPr id="1" name=""/>
+        <p:cNvGrpSpPr/>
+        <p:nvPr/>
+      </p:nvGrpSpPr>
+      <p:grpSpPr>
+        <a:xfrm>
+          <a:off x="0" y="0"/>
+          <a:ext cx="0" cy="0"/>
+          <a:chOff x="0" y="0"/>
+          <a:chExt cx="0" cy="0"/>
+        </a:xfrm>
+      </p:grpSpPr>
+      <p:sp>
+        <p:nvSpPr>
+          <p:cNvPr id="5" name="Content Placeholder 4"/>
+          <p:cNvSpPr>
+            <a:spLocks noGrp="1"/>
+          </p:cNvSpPr>
+          <p:nvPr>
+            <p:ph idx="1"/>
+          </p:nvPr>
+        </p:nvSpPr>
+        <p:spPr>
+          <a:xfrm>
+            <a:off x="190413" y="1151121"/>
+            <a:ext cx="8276072" cy="5570355"/>
+          </a:xfrm>
+        </p:spPr>
+        <p:txBody>
+          <a:bodyPr>
+            <a:normAutofit/>
+          </a:bodyPr>
+          <a:lstStyle/>
+          <a:p>
+            <a:pPr>
+              <a:lnSpc>
+                <a:spcPct val="110000"/>
+              </a:lnSpc>
+            </a:pPr>
+            <a:r>
+              <a:rPr lang="bg-BG" sz="3000" dirty="0">
+                <a:solidFill>
+                  <a:schemeClr val="tx2">
+                    <a:lumMod val="75000"/>
+                  </a:schemeClr>
+                </a:solidFill>
+              </a:rPr>
+              <a:t>Масивите</a:t>
+            </a:r>
+            <a:r>
+              <a:rPr lang="bg-BG" sz="3000" dirty="0"/>
+              <a:t> са променливи от </a:t>
+            </a:r>
+            <a:r>
+              <a:rPr lang="bg-BG" sz="3000" dirty="0">
+                <a:solidFill>
+                  <a:schemeClr val="tx2">
+                    <a:lumMod val="75000"/>
+                  </a:schemeClr>
+                </a:solidFill>
+              </a:rPr>
+              <a:t>един и същи тип</a:t>
+            </a:r>
+            <a:r>
+              <a:rPr lang="bg-BG" sz="3000" dirty="0"/>
+              <a:t>, с </a:t>
+            </a:r>
+            <a:r>
+              <a:rPr lang="bg-BG" sz="3000" dirty="0">
+                <a:solidFill>
+                  <a:schemeClr val="tx2">
+                    <a:lumMod val="75000"/>
+                  </a:schemeClr>
+                </a:solidFill>
+              </a:rPr>
+              <a:t>едно и също име</a:t>
+            </a:r>
+            <a:r>
+              <a:rPr lang="bg-BG" sz="3000" dirty="0"/>
+              <a:t>, различаващи се по </a:t>
+            </a:r>
+            <a:r>
+              <a:rPr lang="bg-BG" sz="3000" dirty="0">
+                <a:solidFill>
+                  <a:schemeClr val="tx2">
+                    <a:lumMod val="75000"/>
+                  </a:schemeClr>
+                </a:solidFill>
+              </a:rPr>
+              <a:t>индекс</a:t>
+            </a:r>
+          </a:p>
+          <a:p>
+            <a:pPr>
+              <a:lnSpc>
+                <a:spcPct val="110000"/>
+              </a:lnSpc>
+            </a:pPr>
+            <a:r>
+              <a:rPr lang="bg-BG" sz="3000" dirty="0"/>
+              <a:t>Достъпът до елемент от масив става с посочване на </a:t>
+            </a:r>
+            <a:r>
+              <a:rPr lang="bg-BG" sz="3000" dirty="0">
+                <a:solidFill>
+                  <a:schemeClr val="tx2">
+                    <a:lumMod val="75000"/>
+                  </a:schemeClr>
+                </a:solidFill>
+              </a:rPr>
+              <a:t>името</a:t>
+            </a:r>
+            <a:r>
+              <a:rPr lang="bg-BG" sz="3000" dirty="0"/>
+              <a:t> </a:t>
+            </a:r>
+            <a:r>
+              <a:rPr lang="bg-BG" sz="3000" dirty="0">
+                <a:solidFill>
+                  <a:schemeClr val="tx2">
+                    <a:lumMod val="75000"/>
+                  </a:schemeClr>
+                </a:solidFill>
+              </a:rPr>
+              <a:t>на масива</a:t>
+            </a:r>
+            <a:r>
+              <a:rPr lang="bg-BG" sz="3000" dirty="0"/>
+              <a:t> и </a:t>
+            </a:r>
+            <a:r>
+              <a:rPr lang="bg-BG" sz="3000" dirty="0">
+                <a:solidFill>
+                  <a:schemeClr val="tx2">
+                    <a:lumMod val="75000"/>
+                  </a:schemeClr>
+                </a:solidFill>
+              </a:rPr>
+              <a:t>индекса</a:t>
+            </a:r>
+            <a:r>
+              <a:rPr lang="bg-BG" sz="3000" dirty="0"/>
+              <a:t> му</a:t>
+            </a:r>
+          </a:p>
+          <a:p>
+            <a:pPr>
+              <a:lnSpc>
+                <a:spcPct val="110000"/>
+              </a:lnSpc>
+            </a:pPr>
+            <a:r>
+              <a:rPr lang="bg-BG" sz="3000" dirty="0"/>
+              <a:t>Индексите са от </a:t>
+            </a:r>
+            <a:r>
+              <a:rPr lang="bg-BG" sz="3000" dirty="0">
+                <a:solidFill>
+                  <a:schemeClr val="tx2">
+                    <a:lumMod val="75000"/>
+                  </a:schemeClr>
+                </a:solidFill>
+              </a:rPr>
+              <a:t>0</a:t>
+            </a:r>
+            <a:r>
+              <a:rPr lang="bg-BG" sz="3000" dirty="0"/>
+              <a:t> до </a:t>
+            </a:r>
+            <a:r>
+              <a:rPr lang="en-US" sz="3000" dirty="0">
+                <a:solidFill>
+                  <a:schemeClr val="tx2">
+                    <a:lumMod val="75000"/>
+                  </a:schemeClr>
+                </a:solidFill>
+              </a:rPr>
+              <a:t>Length-1</a:t>
+            </a:r>
+            <a:r>
+              <a:rPr lang="bg-BG" sz="3000" dirty="0">
+                <a:solidFill>
+                  <a:schemeClr val="tx2">
+                    <a:lumMod val="75000"/>
+                  </a:schemeClr>
+                </a:solidFill>
+              </a:rPr>
+              <a:t>. </a:t>
+            </a:r>
+            <a:r>
+              <a:rPr lang="bg-BG" sz="3000" dirty="0"/>
+              <a:t>Броят на елементите е </a:t>
+            </a:r>
+            <a:r>
+              <a:rPr lang="bg-BG" sz="3000" dirty="0">
+                <a:solidFill>
+                  <a:schemeClr val="tx2">
+                    <a:lumMod val="75000"/>
+                  </a:schemeClr>
+                </a:solidFill>
+              </a:rPr>
+              <a:t>постоянен</a:t>
+            </a:r>
+            <a:endParaRPr lang="en-US" sz="3000" dirty="0">
+              <a:solidFill>
+                <a:schemeClr val="tx2">
+                  <a:lumMod val="75000"/>
+                </a:schemeClr>
+              </a:solidFill>
+            </a:endParaRPr>
+          </a:p>
+          <a:p>
+            <a:pPr>
+              <a:lnSpc>
+                <a:spcPct val="110000"/>
+              </a:lnSpc>
+            </a:pPr>
+            <a:r>
+              <a:rPr lang="bg-BG" sz="2800" dirty="0"/>
+              <a:t>Масивите са </a:t>
+            </a:r>
+            <a:r>
+              <a:rPr lang="bg-BG" sz="2800" dirty="0">
+                <a:solidFill>
+                  <a:schemeClr val="tx2">
+                    <a:lumMod val="75000"/>
+                  </a:schemeClr>
+                </a:solidFill>
+              </a:rPr>
+              <a:t>референтен тип данни</a:t>
+            </a:r>
+            <a:r>
+              <a:rPr lang="bg-BG" sz="2800" dirty="0"/>
+              <a:t>, т.е. в тях се помни адреса, на който стоят данните, а не самите данни</a:t>
+            </a:r>
+            <a:endParaRPr lang="bg-BG" sz="3000" dirty="0"/>
+          </a:p>
+          <a:p>
+            <a:pPr>
+              <a:lnSpc>
+                <a:spcPct val="110000"/>
+              </a:lnSpc>
+            </a:pPr>
+            <a:endParaRPr lang="en-US" sz="3000" dirty="0"/>
+          </a:p>
+        </p:txBody>
+      </p:sp>
+      <p:sp>
+        <p:nvSpPr>
+          <p:cNvPr id="4" name="Title 3"/>
+          <p:cNvSpPr>
+            <a:spLocks noGrp="1"/>
+          </p:cNvSpPr>
+          <p:nvPr>
+            <p:ph type="title"/>
+          </p:nvPr>
+        </p:nvSpPr>
+        <p:spPr/>
+        <p:txBody>
+          <a:bodyPr/>
+          <a:lstStyle/>
+          <a:p>
+            <a:r>
+              <a:rPr lang="bg-BG"/>
+              <a:t>Какво научихме този час?</a:t>
+            </a:r>
+            <a:endParaRPr lang="en-US" dirty="0"/>
+          </a:p>
+        </p:txBody>
+      </p:sp>
+      <p:pic>
+        <p:nvPicPr>
+          <p:cNvPr id="10" name="Picture 9"/>
+          <p:cNvPicPr>
+            <a:picLocks noChangeAspect="1"/>
+          </p:cNvPicPr>
+          <p:nvPr/>
+        </p:nvPicPr>
+        <p:blipFill>
+          <a:blip r:embed="rId3" cstate="print">
+            <a:extLst>
+              <a:ext uri="{28A0092B-C50C-407E-A947-70E740481C1C}">
+                <a14:useLocalDpi xmlns:a14="http://schemas.microsoft.com/office/drawing/2010/main" val="0"/>
+              </a:ext>
+            </a:extLst>
+          </a:blip>
+          <a:stretch>
+            <a:fillRect/>
+          </a:stretch>
+        </p:blipFill>
+        <p:spPr>
+          <a:xfrm>
+            <a:off x="8822325" y="1343676"/>
+            <a:ext cx="2008909" cy="1283653"/>
+          </a:xfrm>
+          <a:prstGeom prst="rect">
+            <a:avLst/>
+          </a:prstGeom>
+        </p:spPr>
+      </p:pic>
+      <p:pic>
+        <p:nvPicPr>
+          <p:cNvPr id="11" name="Picture 10"/>
+          <p:cNvPicPr>
+            <a:picLocks noChangeAspect="1"/>
+          </p:cNvPicPr>
+          <p:nvPr/>
+        </p:nvPicPr>
+        <p:blipFill rotWithShape="1">
+          <a:blip r:embed="rId4" cstate="print">
+            <a:extLst>
+              <a:ext uri="{28A0092B-C50C-407E-A947-70E740481C1C}">
+                <a14:useLocalDpi xmlns:a14="http://schemas.microsoft.com/office/drawing/2010/main" val="0"/>
+              </a:ext>
+            </a:extLst>
+          </a:blip>
+          <a:srcRect/>
+          <a:stretch>
+            <a:fillRect/>
+          </a:stretch>
+        </p:blipFill>
+        <p:spPr>
+          <a:xfrm flipH="1">
+            <a:off x="9847864" y="1985503"/>
+            <a:ext cx="1917042" cy="2074721"/>
+          </a:xfrm>
+          <a:prstGeom prst="rect">
+            <a:avLst/>
+          </a:prstGeom>
+        </p:spPr>
+      </p:pic>
+      <p:pic>
+        <p:nvPicPr>
+          <p:cNvPr id="13" name="Picture 12">
+            <a:extLst>
+              <a:ext uri="{FF2B5EF4-FFF2-40B4-BE49-F238E27FC236}">
+                <a16:creationId xmlns:a16="http://schemas.microsoft.com/office/drawing/2014/main" id="{9A31C5D2-8C0F-4EAA-A704-44A19C7D1BFA}"/>
+              </a:ext>
+            </a:extLst>
+          </p:cNvPr>
+          <p:cNvPicPr>
+            <a:picLocks noChangeAspect="1"/>
+          </p:cNvPicPr>
+          <p:nvPr/>
+        </p:nvPicPr>
+        <p:blipFill>
+          <a:blip r:embed="rId5"/>
+          <a:stretch>
+            <a:fillRect/>
+          </a:stretch>
+        </p:blipFill>
+        <p:spPr>
+          <a:xfrm>
+            <a:off x="8609916" y="4598756"/>
+            <a:ext cx="3047096" cy="1542932"/>
+          </a:xfrm>
+          <a:prstGeom prst="rect">
+            <a:avLst/>
+          </a:prstGeom>
+        </p:spPr>
+      </p:pic>
+      <p:sp>
+        <p:nvSpPr>
+          <p:cNvPr id="8" name="Slide Number Placeholder">
+            <a:extLst>
+              <a:ext uri="{FF2B5EF4-FFF2-40B4-BE49-F238E27FC236}">
+                <a16:creationId xmlns:a16="http://schemas.microsoft.com/office/drawing/2014/main" id="{0EE5F172-F131-4D4E-ADDA-1ECA52A5C6CC}"/>
+              </a:ext>
+            </a:extLst>
+          </p:cNvPr>
+          <p:cNvSpPr>
+            <a:spLocks noGrp="1"/>
+          </p:cNvSpPr>
+          <p:nvPr>
+            <p:ph type="sldNum" sz="quarter" idx="4"/>
+          </p:nvPr>
+        </p:nvSpPr>
+        <p:spPr>
+          <a:xfrm>
+            <a:off x="11566412" y="6525002"/>
+            <a:ext cx="428822" cy="196477"/>
+          </a:xfrm>
+          <a:prstGeom prst="rect">
+            <a:avLst/>
+          </a:prstGeom>
+        </p:spPr>
+        <p:txBody>
+          <a:bodyPr vert="horz" lIns="36000" tIns="36000" rIns="36000" bIns="36000" rtlCol="0" anchor="ctr"/>
+          <a:lstStyle>
+            <a:lvl1pPr algn="r">
+              <a:defRPr sz="1000">
+                <a:solidFill>
+                  <a:schemeClr val="tx1">
+                    <a:tint val="75000"/>
+                  </a:schemeClr>
+                </a:solidFill>
+              </a:defRPr>
+            </a:lvl1pPr>
+          </a:lstStyle>
+          <a:p>
+            <a:fld id="{C014DD1E-5D91-48A3-AD6D-45FBA980D106}" type="slidenum">
+              <a:rPr lang="en-US" smtClean="0">
+                <a:solidFill>
+                  <a:prstClr val="white">
+                    <a:tint val="75000"/>
+                  </a:prstClr>
+                </a:solidFill>
+              </a:rPr>
+              <a:pPr/>
+              <a:t>16</a:t>
+            </a:fld>
+            <a:endParaRPr lang="en-US" dirty="0">
+              <a:solidFill>
+                <a:prstClr val="white">
+                  <a:tint val="75000"/>
+                </a:prstClr>
+              </a:solidFill>
+            </a:endParaRPr>
+          </a:p>
+        </p:txBody>
+      </p:sp>
+    </p:spTree>
+    <p:extLst>
+      <p:ext uri="{BB962C8B-B14F-4D97-AF65-F5344CB8AC3E}">
+        <p14:creationId xmlns:p14="http://schemas.microsoft.com/office/powerpoint/2010/main" val="2732138405"/>
+      </p:ext>
+    </p:extLst>
+  </p:cSld>
+  <p:clrMapOvr>
+    <a:masterClrMapping/>
+  </p:clrMapOvr>
+  <p:timing>
+    <p:tnLst>
+      <p:par>
+        <p:cTn id="1" dur="indefinite" restart="never" nodeType="tmRoot">
+          <p:childTnLst>
+            <p:seq concurrent="1" nextAc="seek">
+              <p:cTn id="2" dur="indefinite" nodeType="mainSeq">
+                <p:childTnLst>
+                  <p:par>
+                    <p:cTn id="3" fill="hold">
+                      <p:stCondLst>
+                        <p:cond delay="indefinite"/>
+                      </p:stCondLst>
+                      <p:childTnLst>
+                        <p:par>
+                          <p:cTn id="4" fill="hold">
+                            <p:stCondLst>
+                              <p:cond delay="0"/>
+                            </p:stCondLst>
+                            <p:childTnLst>
+                              <p:par>
+                                <p:cTn id="5" presetID="1" presetClass="entr" presetSubtype="0" fill="hold" nodeType="clickEffect">
+                                  <p:stCondLst>
+                                    <p:cond delay="0"/>
+                                  </p:stCondLst>
+                                  <p:childTnLst>
+                                    <p:set>
+                                      <p:cBhvr>
+                                        <p:cTn id="6" dur="1" fill="hold">
+                                          <p:stCondLst>
+                                            <p:cond delay="0"/>
+                                          </p:stCondLst>
+                                        </p:cTn>
+                                        <p:tgtEl>
+                                          <p:spTgt spid="5">
+                                            <p:txEl>
+                                              <p:pRg st="0" end="0"/>
+                                            </p:txEl>
+                                          </p:spTgt>
+                                        </p:tgtEl>
+                                        <p:attrNameLst>
+                                          <p:attrName>style.visibility</p:attrName>
+                                        </p:attrNameLst>
+                                      </p:cBhvr>
+                                      <p:to>
+                                        <p:strVal val="visible"/>
+                                      </p:to>
+                                    </p:set>
+                                  </p:childTnLst>
+                                </p:cTn>
+                              </p:par>
+                            </p:childTnLst>
+                          </p:cTn>
+                        </p:par>
+                      </p:childTnLst>
+                    </p:cTn>
+                  </p:par>
+                  <p:par>
+                    <p:cTn id="7" fill="hold">
+                      <p:stCondLst>
+                        <p:cond delay="indefinite"/>
+                      </p:stCondLst>
+                      <p:childTnLst>
+                        <p:par>
+                          <p:cTn id="8" fill="hold">
+                            <p:stCondLst>
+                              <p:cond delay="0"/>
+                            </p:stCondLst>
+                            <p:childTnLst>
+                              <p:par>
+                                <p:cTn id="9" presetID="1" presetClass="entr" presetSubtype="0" fill="hold" nodeType="clickEffect">
+                                  <p:stCondLst>
+                                    <p:cond delay="0"/>
+                                  </p:stCondLst>
+                                  <p:childTnLst>
+                                    <p:set>
+                                      <p:cBhvr>
+                                        <p:cTn id="10" dur="1" fill="hold">
+                                          <p:stCondLst>
+                                            <p:cond delay="0"/>
+                                          </p:stCondLst>
+                                        </p:cTn>
+                                        <p:tgtEl>
+                                          <p:spTgt spid="5">
+                                            <p:txEl>
+                                              <p:pRg st="1" end="1"/>
+                                            </p:txEl>
+                                          </p:spTgt>
+                                        </p:tgtEl>
+                                        <p:attrNameLst>
+                                          <p:attrName>style.visibility</p:attrName>
+                                        </p:attrNameLst>
+                                      </p:cBhvr>
+                                      <p:to>
+                                        <p:strVal val="visible"/>
+                                      </p:to>
+                                    </p:set>
+                                  </p:childTnLst>
+                                </p:cTn>
+                              </p:par>
+                            </p:childTnLst>
+                          </p:cTn>
+                        </p:par>
+                      </p:childTnLst>
+                    </p:cTn>
+                  </p:par>
+                  <p:par>
+                    <p:cTn id="11" fill="hold">
+                      <p:stCondLst>
+                        <p:cond delay="indefinite"/>
+                      </p:stCondLst>
+                      <p:childTnLst>
+                        <p:par>
+                          <p:cTn id="12" fill="hold">
+                            <p:stCondLst>
+                              <p:cond delay="0"/>
+                            </p:stCondLst>
+                            <p:childTnLst>
+                              <p:par>
+                                <p:cTn id="13" presetID="1" presetClass="entr" presetSubtype="0" fill="hold" nodeType="clickEffect">
+                                  <p:stCondLst>
+                                    <p:cond delay="0"/>
+                                  </p:stCondLst>
+                                  <p:childTnLst>
+                                    <p:set>
+                                      <p:cBhvr>
+                                        <p:cTn id="14" dur="1" fill="hold">
+                                          <p:stCondLst>
+                                            <p:cond delay="0"/>
+                                          </p:stCondLst>
+                                        </p:cTn>
+                                        <p:tgtEl>
+                                          <p:spTgt spid="5">
+                                            <p:txEl>
+                                              <p:pRg st="2" end="2"/>
+                                            </p:txEl>
+                                          </p:spTgt>
+                                        </p:tgtEl>
+                                        <p:attrNameLst>
+                                          <p:attrName>style.visibility</p:attrName>
+                                        </p:attrNameLst>
+                                      </p:cBhvr>
+                                      <p:to>
+                                        <p:strVal val="visible"/>
+                                      </p:to>
+                                    </p:set>
+                                  </p:childTnLst>
+                                </p:cTn>
+                              </p:par>
+                            </p:childTnLst>
+                          </p:cTn>
+                        </p:par>
+                      </p:childTnLst>
+                    </p:cTn>
+                  </p:par>
+                  <p:par>
+                    <p:cTn id="15" fill="hold">
+                      <p:stCondLst>
+                        <p:cond delay="indefinite"/>
+                      </p:stCondLst>
+                      <p:childTnLst>
+                        <p:par>
+                          <p:cTn id="16" fill="hold">
+                            <p:stCondLst>
+                              <p:cond delay="0"/>
+                            </p:stCondLst>
+                            <p:childTnLst>
+                              <p:par>
+                                <p:cTn id="17" presetID="1" presetClass="entr" presetSubtype="0" fill="hold" nodeType="clickEffect">
+                                  <p:stCondLst>
+                                    <p:cond delay="0"/>
+                                  </p:stCondLst>
+                                  <p:childTnLst>
+                                    <p:set>
+                                      <p:cBhvr>
+                                        <p:cTn id="18" dur="1" fill="hold">
+                                          <p:stCondLst>
+                                            <p:cond delay="0"/>
+                                          </p:stCondLst>
+                                        </p:cTn>
+                                        <p:tgtEl>
+                                          <p:spTgt spid="5">
+                                            <p:txEl>
+                                              <p:pRg st="3" end="3"/>
+                                            </p:txEl>
+                                          </p:spTgt>
+                                        </p:tgtEl>
+                                        <p:attrNameLst>
+                                          <p:attrName>style.visibility</p:attrName>
+                                        </p:attrNameLst>
+                                      </p:cBhvr>
+                                      <p:to>
+                                        <p:strVal val="visible"/>
+                                      </p:to>
+                                    </p:set>
+                                  </p:childTnLst>
+                                </p:cTn>
+                              </p:par>
+                            </p:childTnLst>
+                          </p:cTn>
+                        </p:par>
+                      </p:childTnLst>
+                    </p:cTn>
+                  </p:par>
+                </p:childTnLst>
+              </p:cTn>
+              <p:prevCondLst>
+                <p:cond evt="onPrev" delay="0">
+                  <p:tgtEl>
+                    <p:sldTgt/>
+                  </p:tgtEl>
+                </p:cond>
+              </p:prevCondLst>
+              <p:nextCondLst>
+                <p:cond evt="onNext" delay="0">
+                  <p:tgtEl>
+                    <p:sldTgt/>
+                  </p:tgtEl>
+                </p:cond>
+              </p:nextCondLst>
+            </p:seq>
+          </p:childTnLst>
+        </p:cTn>
+      </p:par>
+    </p:tnLst>
+  </p:timing>
+</p:sld>
+</file>
+
+<file path=ppt/slides/slide17.xml><?xml version="1.0" encoding="utf-8"?>
+<p:sld xmlns:a="http://schemas.openxmlformats.org/drawingml/2006/main" xmlns:r="http://schemas.openxmlformats.org/officeDocument/2006/relationships" xmlns:p="http://schemas.openxmlformats.org/presentationml/2006/main">
+  <p:cSld>
+    <p:spTree>
+      <p:nvGrpSpPr>
+        <p:cNvPr id="1" name=""/>
+        <p:cNvGrpSpPr/>
+        <p:nvPr/>
+      </p:nvGrpSpPr>
+      <p:grpSpPr>
+        <a:xfrm>
+          <a:off x="0" y="0"/>
+          <a:ext cx="0" cy="0"/>
+          <a:chOff x="0" y="0"/>
+          <a:chExt cx="0" cy="0"/>
+        </a:xfrm>
+      </p:grpSpPr>
+      <p:sp>
+        <p:nvSpPr>
+          <p:cNvPr id="3" name="Text Placeholder 2"/>
+          <p:cNvSpPr>
+            <a:spLocks noGrp="1"/>
+          </p:cNvSpPr>
+          <p:nvPr>
+            <p:ph type="body" sz="quarter" idx="10"/>
+          </p:nvPr>
+        </p:nvSpPr>
+        <p:spPr/>
+        <p:txBody>
+          <a:bodyPr/>
+          <a:lstStyle/>
+          <a:p>
+            <a:r>
+              <a:rPr lang="en-US" dirty="0">
+                <a:hlinkClick r:id="rId3"/>
+              </a:rPr>
+              <a:t>https://it-kariera.mon.bg/e-learning/</a:t>
+            </a:r>
+            <a:endParaRPr lang="en-US" dirty="0"/>
+          </a:p>
+        </p:txBody>
+      </p:sp>
+      <p:sp>
+        <p:nvSpPr>
+          <p:cNvPr id="11" name="Title 10"/>
+          <p:cNvSpPr>
+            <a:spLocks noGrp="1"/>
+          </p:cNvSpPr>
+          <p:nvPr>
+            <p:ph type="title"/>
+          </p:nvPr>
+        </p:nvSpPr>
+        <p:spPr/>
+        <p:txBody>
+          <a:bodyPr/>
+          <a:lstStyle/>
+          <a:p>
+            <a:r>
+              <a:rPr lang="bg-BG" dirty="0">
+                <a:latin typeface="+mn-ea"/>
+              </a:rPr>
+              <a:t>Масиви</a:t>
+            </a:r>
+            <a:endParaRPr lang="en-US" dirty="0"/>
+          </a:p>
+        </p:txBody>
+      </p:sp>
+    </p:spTree>
+    <p:extLst>
+      <p:ext uri="{BB962C8B-B14F-4D97-AF65-F5344CB8AC3E}">
+        <p14:creationId xmlns:p14="http://schemas.microsoft.com/office/powerpoint/2010/main" val="1228567007"/>
+      </p:ext>
+    </p:extLst>
+  </p:cSld>
+  <p:clrMapOvr>
+    <a:masterClrMapping/>
+  </p:clrMapOvr>
+</p:sld>
+</file>
+
+<file path=ppt/slides/slide18.xml><?xml version="1.0" encoding="utf-8"?>
+<p:sld xmlns:a="http://schemas.openxmlformats.org/drawingml/2006/main" xmlns:r="http://schemas.openxmlformats.org/officeDocument/2006/relationships" xmlns:p="http://schemas.openxmlformats.org/presentationml/2006/main">
+  <p:cSld>
+    <p:spTree>
+      <p:nvGrpSpPr>
+        <p:cNvPr id="1" name=""/>
+        <p:cNvGrpSpPr/>
+        <p:nvPr/>
+      </p:nvGrpSpPr>
+      <p:grpSpPr>
+        <a:xfrm>
+          <a:off x="0" y="0"/>
+          <a:ext cx="0" cy="0"/>
+          <a:chOff x="0" y="0"/>
+          <a:chExt cx="0" cy="0"/>
+        </a:xfrm>
+      </p:grpSpPr>
+      <p:sp>
+        <p:nvSpPr>
           <p:cNvPr id="3" name="Slide Content"/>
           <p:cNvSpPr>
             <a:spLocks noGrp="1"/>
@@ -5279,7 +11389,7 @@
                 </a:solidFill>
               </a:rPr>
               <a:pPr/>
-              <a:t>10</a:t>
+              <a:t>18</a:t>
             </a:fld>
             <a:endParaRPr lang="en-US" dirty="0">
               <a:solidFill>
@@ -5376,7 +11486,7 @@
           <a:p>
             <a:pPr marL="514350" indent="-514350">
               <a:lnSpc>
-                <a:spcPct val="150000"/>
+                <a:spcPct val="130000"/>
               </a:lnSpc>
               <a:buFont typeface="+mj-lt"/>
               <a:buAutoNum type="arabicPeriod"/>
@@ -5389,7 +11499,7 @@
           <a:p>
             <a:pPr marL="514350" indent="-514350">
               <a:lnSpc>
-                <a:spcPct val="150000"/>
+                <a:spcPct val="130000"/>
               </a:lnSpc>
               <a:buFont typeface="+mj-lt"/>
               <a:buAutoNum type="arabicPeriod"/>
@@ -5402,7 +11512,7 @@
           <a:p>
             <a:pPr marL="514350" indent="-514350">
               <a:lnSpc>
-                <a:spcPct val="150000"/>
+                <a:spcPct val="130000"/>
               </a:lnSpc>
               <a:buFont typeface="+mj-lt"/>
               <a:buAutoNum type="arabicPeriod"/>
@@ -5415,7 +11525,7 @@
           <a:p>
             <a:pPr marL="514350" indent="-514350">
               <a:lnSpc>
-                <a:spcPct val="150000"/>
+                <a:spcPct val="130000"/>
               </a:lnSpc>
               <a:buFont typeface="+mj-lt"/>
               <a:buAutoNum type="arabicPeriod"/>
@@ -5423,6 +11533,33 @@
             <a:r>
               <a:rPr lang="bg-BG" dirty="0"/>
               <a:t>Достъп до елемент от масив</a:t>
+            </a:r>
+            <a:endParaRPr lang="en-US" dirty="0"/>
+          </a:p>
+          <a:p>
+            <a:pPr marL="514350" indent="-514350">
+              <a:lnSpc>
+                <a:spcPct val="130000"/>
+              </a:lnSpc>
+              <a:buFont typeface="+mj-lt"/>
+              <a:buAutoNum type="arabicPeriod"/>
+            </a:pPr>
+            <a:r>
+              <a:rPr lang="bg-BG" dirty="0"/>
+              <a:t>Стойностни типове данни </a:t>
+            </a:r>
+          </a:p>
+          <a:p>
+            <a:pPr marL="514350" indent="-514350">
+              <a:lnSpc>
+                <a:spcPct val="130000"/>
+              </a:lnSpc>
+              <a:buFont typeface="+mj-lt"/>
+              <a:buAutoNum type="arabicPeriod"/>
+            </a:pPr>
+            <a:r>
+              <a:rPr lang="bg-BG" dirty="0"/>
+              <a:t>Референтни типове данни</a:t>
             </a:r>
           </a:p>
         </p:txBody>
@@ -5563,7 +11700,7 @@
                                         <p:tgtEl>
                                           <p:spTgt spid="7">
                                             <p:txEl>
-                                              <p:pRg st="0" end="0"/>
+                                              <p:pRg st="1" end="1"/>
                                             </p:txEl>
                                           </p:spTgt>
                                         </p:tgtEl>
@@ -5612,7 +11749,7 @@
                                         <p:tgtEl>
                                           <p:spTgt spid="7">
                                             <p:txEl>
-                                              <p:pRg st="1" end="1"/>
+                                              <p:pRg st="2" end="2"/>
                                             </p:txEl>
                                           </p:spTgt>
                                         </p:tgtEl>
@@ -5661,7 +11798,7 @@
                                         <p:tgtEl>
                                           <p:spTgt spid="7">
                                             <p:txEl>
-                                              <p:pRg st="2" end="2"/>
+                                              <p:pRg st="3" end="3"/>
                                             </p:txEl>
                                           </p:spTgt>
                                         </p:tgtEl>
@@ -5710,7 +11847,56 @@
                                         <p:tgtEl>
                                           <p:spTgt spid="7">
                                             <p:txEl>
-                                              <p:pRg st="3" end="3"/>
+                                              <p:pRg st="4" end="4"/>
+                                            </p:txEl>
+                                          </p:spTgt>
+                                        </p:tgtEl>
+                                        <p:attrNameLst>
+                                          <p:attrName>style.visibility</p:attrName>
+                                        </p:attrNameLst>
+                                      </p:cBhvr>
+                                      <p:to>
+                                        <p:strVal val="visible"/>
+                                      </p:to>
+                                    </p:set>
+                                  </p:childTnLst>
+                                </p:cTn>
+                              </p:par>
+                            </p:childTnLst>
+                          </p:cTn>
+                        </p:par>
+                      </p:childTnLst>
+                    </p:cTn>
+                  </p:par>
+                  <p:par>
+                    <p:cTn id="19" fill="hold">
+                      <p:stCondLst>
+                        <p:cond delay="indefinite"/>
+                      </p:stCondLst>
+                      <p:childTnLst>
+                        <p:par>
+                          <p:cTn id="20" fill="hold">
+                            <p:stCondLst>
+                              <p:cond delay="0"/>
+                            </p:stCondLst>
+                            <p:childTnLst>
+                              <p:par>
+                                <p:cTn id="21" presetID="1" presetClass="entr" presetSubtype="0" fill="hold" grpId="0" nodeType="clickEffect">
+                                  <p:stCondLst>
+                                    <p:cond delay="0"/>
+                                  </p:stCondLst>
+                                  <p:childTnLst>
+                                    <p:set>
+                                      <p:cBhvr>
+                                        <p:cTn id="22" dur="1" fill="hold">
+                                          <p:stCondLst>
+                                            <p:cond delay="0"/>
+                                          </p:stCondLst>
+                                        </p:cTn>
+                                        <p:tgtEl>
+                                          <p:spTgt spid="7">
+                                            <p:txEl>
+                                              <p:pRg st="5" end="5"/>
                                             </p:txEl>
                                           </p:spTgt>
                                         </p:tgtEl>
@@ -8573,7 +14759,7 @@
         </p:nvSpPr>
         <p:spPr bwMode="auto">
           <a:xfrm>
-            <a:off x="6977493" y="616955"/>
+            <a:off x="6949324" y="623559"/>
             <a:ext cx="3917519" cy="1145878"/>
           </a:xfrm>
           <a:prstGeom prst="wedgeRoundRectCallout">
@@ -8683,13 +14869,13 @@
         </p:nvSpPr>
         <p:spPr bwMode="auto">
           <a:xfrm>
-            <a:off x="7847012" y="1922864"/>
-            <a:ext cx="3428999" cy="1547447"/>
+            <a:off x="6949324" y="2108890"/>
+            <a:ext cx="4724399" cy="1001684"/>
           </a:xfrm>
           <a:prstGeom prst="wedgeRoundRectCallout">
             <a:avLst>
-              <a:gd name="adj1" fmla="val -62882"/>
-              <a:gd name="adj2" fmla="val 52623"/>
+              <a:gd name="adj1" fmla="val -52020"/>
+              <a:gd name="adj2" fmla="val 91746"/>
               <a:gd name="adj3" fmla="val 16667"/>
             </a:avLst>
           </a:prstGeom>
@@ -8856,8 +15042,8 @@
         </p:nvSpPr>
         <p:spPr bwMode="auto">
           <a:xfrm>
-            <a:off x="8521534" y="4075666"/>
-            <a:ext cx="3044878" cy="1494692"/>
+            <a:off x="8151812" y="4040314"/>
+            <a:ext cx="3750510" cy="1494692"/>
           </a:xfrm>
           <a:prstGeom prst="wedgeRoundRectCallout">
             <a:avLst>
@@ -8981,7 +15167,7 @@
                   </a:outerShdw>
                 </a:effectLst>
               </a:rPr>
-              <a:t>служи за достъп до елементите</a:t>
+              <a:t>дава достъп до елементите</a:t>
             </a:r>
           </a:p>
           <a:p>
@@ -10769,7 +16955,7 @@
           <a:graphicData uri="http://schemas.openxmlformats.org/presentationml/2006/ole">
             <mc:AlternateContent xmlns:mc="http://schemas.openxmlformats.org/markup-compatibility/2006">
               <mc:Choice xmlns:v="urn:schemas-microsoft-com:vml" Requires="v">
-                <p:oleObj spid="_x0000_s1027" name="Image" r:id="rId3" imgW="4088880" imgH="2907720" progId="Photoshop.Image.15">
+                <p:oleObj spid="_x0000_s1035" name="Image" r:id="rId3" imgW="4088880" imgH="2907720" progId="Photoshop.Image.15">
                   <p:embed/>
                 </p:oleObj>
               </mc:Choice>
@@ -11629,7 +17815,150 @@
       </p:grpSpPr>
       <p:sp>
         <p:nvSpPr>
-          <p:cNvPr id="5" name="Content Placeholder 4"/>
+          <p:cNvPr id="6" name="Subtitle 5"/>
+          <p:cNvSpPr>
+            <a:spLocks noGrp="1"/>
+          </p:cNvSpPr>
+          <p:nvPr>
+            <p:ph type="body" idx="1"/>
+          </p:nvPr>
+        </p:nvSpPr>
+        <p:spPr/>
+        <p:txBody>
+          <a:bodyPr>
+            <a:normAutofit fontScale="97500"/>
+          </a:bodyPr>
+          <a:lstStyle/>
+          <a:p>
+            <a:r>
+              <a:rPr lang="bg-BG" dirty="0">
+                <a:solidFill>
+                  <a:srgbClr val="FFA72A"/>
+                </a:solidFill>
+              </a:rPr>
+              <a:t>Референтни и стойностни типове</a:t>
+            </a:r>
+            <a:endParaRPr lang="x-none" altLang="en-US" dirty="0">
+              <a:latin typeface="+mn-ea"/>
+            </a:endParaRPr>
+          </a:p>
+        </p:txBody>
+      </p:sp>
+      <p:sp>
+        <p:nvSpPr>
+          <p:cNvPr id="5" name="Title 4"/>
+          <p:cNvSpPr>
+            <a:spLocks noGrp="1"/>
+          </p:cNvSpPr>
+          <p:nvPr>
+            <p:ph type="title"/>
+          </p:nvPr>
+        </p:nvSpPr>
+        <p:spPr>
+          <a:xfrm>
+            <a:off x="912812" y="4818200"/>
+            <a:ext cx="10363200" cy="820600"/>
+          </a:xfrm>
+        </p:spPr>
+        <p:txBody>
+          <a:bodyPr>
+            <a:normAutofit/>
+          </a:bodyPr>
+          <a:lstStyle/>
+          <a:p>
+            <a:r>
+              <a:rPr lang="bg-BG" altLang="en-US" dirty="0">
+                <a:latin typeface="+mn-lt"/>
+              </a:rPr>
+              <a:t>Достъп до елементите на масив</a:t>
+            </a:r>
+            <a:endParaRPr lang="x-none" altLang="en-US" dirty="0">
+              <a:latin typeface="+mn-lt"/>
+            </a:endParaRPr>
+          </a:p>
+        </p:txBody>
+      </p:sp>
+      <p:pic>
+        <p:nvPicPr>
+          <p:cNvPr id="2" name="Picture 1"/>
+          <p:cNvPicPr>
+            <a:picLocks noChangeAspect="1"/>
+          </p:cNvPicPr>
+          <p:nvPr/>
+        </p:nvPicPr>
+        <p:blipFill>
+          <a:blip r:embed="rId3"/>
+          <a:stretch>
+            <a:fillRect/>
+          </a:stretch>
+        </p:blipFill>
+        <p:spPr>
+          <a:xfrm>
+            <a:off x="3427412" y="901825"/>
+            <a:ext cx="4791871" cy="2426418"/>
+          </a:xfrm>
+          <a:prstGeom prst="rect">
+            <a:avLst/>
+          </a:prstGeom>
+        </p:spPr>
+      </p:pic>
+      <p:pic>
+        <p:nvPicPr>
+          <p:cNvPr id="3" name="Picture 2"/>
+          <p:cNvPicPr>
+            <a:picLocks noChangeAspect="1"/>
+          </p:cNvPicPr>
+          <p:nvPr/>
+        </p:nvPicPr>
+        <p:blipFill>
+          <a:blip r:embed="rId4"/>
+          <a:stretch>
+            <a:fillRect/>
+          </a:stretch>
+        </p:blipFill>
+        <p:spPr>
+          <a:xfrm>
+            <a:off x="3427412" y="2736621"/>
+            <a:ext cx="4419944" cy="1682979"/>
+          </a:xfrm>
+          <a:prstGeom prst="rect">
+            <a:avLst/>
+          </a:prstGeom>
+        </p:spPr>
+      </p:pic>
+    </p:spTree>
+    <p:extLst>
+      <p:ext uri="{BB962C8B-B14F-4D97-AF65-F5344CB8AC3E}">
+        <p14:creationId xmlns:p14="http://schemas.microsoft.com/office/powerpoint/2010/main" val="3288770936"/>
+      </p:ext>
+    </p:extLst>
+  </p:cSld>
+  <p:clrMapOvr>
+    <a:masterClrMapping/>
+  </p:clrMapOvr>
+</p:sld>
+</file>
+
+<file path=ppt/slides/slide9.xml><?xml version="1.0" encoding="utf-8"?>
+<p:sld xmlns:a="http://schemas.openxmlformats.org/drawingml/2006/main" xmlns:r="http://schemas.openxmlformats.org/officeDocument/2006/relationships" xmlns:p="http://schemas.openxmlformats.org/presentationml/2006/main">
+  <p:cSld>
+    <p:spTree>
+      <p:nvGrpSpPr>
+        <p:cNvPr id="1" name=""/>
+        <p:cNvGrpSpPr/>
+        <p:nvPr/>
+      </p:nvGrpSpPr>
+      <p:grpSpPr>
+        <a:xfrm>
+          <a:off x="0" y="0"/>
+          <a:ext cx="0" cy="0"/>
+          <a:chOff x="0" y="0"/>
+          <a:chExt cx="0" cy="0"/>
+        </a:xfrm>
+      </p:grpSpPr>
+      <p:sp>
+        <p:nvSpPr>
+          <p:cNvPr id="3" name="Subtitle 2"/>
           <p:cNvSpPr>
             <a:spLocks noGrp="1"/>
           </p:cNvSpPr>
@@ -11639,186 +17968,107 @@
         </p:nvSpPr>
         <p:spPr>
           <a:xfrm>
-            <a:off x="190413" y="1151121"/>
-            <a:ext cx="8276072" cy="5570355"/>
+            <a:off x="190413" y="1371600"/>
+            <a:ext cx="11804822" cy="5197476"/>
           </a:xfrm>
         </p:spPr>
         <p:txBody>
-          <a:bodyPr>
-            <a:normAutofit/>
-          </a:bodyPr>
+          <a:bodyPr/>
           <a:lstStyle/>
           <a:p>
-            <a:pPr>
-              <a:lnSpc>
-                <a:spcPct val="110000"/>
-              </a:lnSpc>
-            </a:pPr>
-            <a:r>
-              <a:rPr lang="bg-BG" sz="3000" dirty="0">
+            <a:r>
+              <a:rPr lang="bg-BG" dirty="0"/>
+              <a:t>Що</a:t>
+            </a:r>
+            <a:r>
+              <a:rPr lang="bg-BG" dirty="0">
                 <a:solidFill>
                   <a:schemeClr val="tx2">
                     <a:lumMod val="75000"/>
                   </a:schemeClr>
                 </a:solidFill>
               </a:rPr>
-              <a:t>Масивите</a:t>
-            </a:r>
-            <a:r>
-              <a:rPr lang="bg-BG" sz="3000" dirty="0"/>
-              <a:t> са променливи от </a:t>
-            </a:r>
-            <a:r>
-              <a:rPr lang="bg-BG" sz="3000" dirty="0">
+              <a:t> </a:t>
+            </a:r>
+            <a:r>
+              <a:rPr lang="bg-BG" dirty="0"/>
+              <a:t>е</a:t>
+            </a:r>
+            <a:r>
+              <a:rPr lang="bg-BG" dirty="0">
                 <a:solidFill>
                   <a:schemeClr val="tx2">
                     <a:lumMod val="75000"/>
                   </a:schemeClr>
                 </a:solidFill>
               </a:rPr>
-              <a:t>един и същи тип</a:t>
-            </a:r>
-            <a:r>
-              <a:rPr lang="bg-BG" sz="3000" dirty="0"/>
-              <a:t>, с </a:t>
-            </a:r>
-            <a:r>
-              <a:rPr lang="bg-BG" sz="3000" dirty="0">
+              <a:t> стойностен тип (</a:t>
+            </a:r>
+            <a:r>
+              <a:rPr lang="en-US" dirty="0">
                 <a:solidFill>
                   <a:schemeClr val="tx2">
                     <a:lumMod val="75000"/>
                   </a:schemeClr>
                 </a:solidFill>
               </a:rPr>
-              <a:t>едно и също име</a:t>
-            </a:r>
-            <a:r>
-              <a:rPr lang="bg-BG" sz="3000" dirty="0"/>
-              <a:t>, различаващи се по </a:t>
-            </a:r>
-            <a:r>
-              <a:rPr lang="bg-BG" sz="3000" dirty="0">
+              <a:t>Value Type</a:t>
+            </a:r>
+            <a:r>
+              <a:rPr lang="bg-BG" dirty="0">
                 <a:solidFill>
                   <a:schemeClr val="tx2">
                     <a:lumMod val="75000"/>
                   </a:schemeClr>
                 </a:solidFill>
               </a:rPr>
-              <a:t>индекс</a:t>
-            </a:r>
-          </a:p>
-          <a:p>
-            <a:pPr>
-              <a:lnSpc>
-                <a:spcPct val="110000"/>
-              </a:lnSpc>
-            </a:pPr>
-            <a:r>
-              <a:rPr lang="bg-BG" sz="3000" dirty="0"/>
-              <a:t>Достъпът до елемент от масив става с посочване на </a:t>
-            </a:r>
-            <a:r>
-              <a:rPr lang="bg-BG" sz="3000" dirty="0">
+              <a:t>)?</a:t>
+            </a:r>
+          </a:p>
+          <a:p>
+            <a:r>
+              <a:rPr lang="bg-BG" dirty="0"/>
+              <a:t>Що</a:t>
+            </a:r>
+            <a:r>
+              <a:rPr lang="en-US" dirty="0"/>
+              <a:t> </a:t>
+            </a:r>
+            <a:r>
+              <a:rPr lang="bg-BG" dirty="0"/>
+              <a:t>е </a:t>
+            </a:r>
+            <a:r>
+              <a:rPr lang="bg-BG" dirty="0">
                 <a:solidFill>
                   <a:schemeClr val="tx2">
                     <a:lumMod val="75000"/>
                   </a:schemeClr>
                 </a:solidFill>
               </a:rPr>
-              <a:t>името</a:t>
-            </a:r>
-            <a:r>
-              <a:rPr lang="bg-BG" sz="3000" dirty="0"/>
-              <a:t> </a:t>
-            </a:r>
-            <a:r>
-              <a:rPr lang="bg-BG" sz="3000" dirty="0">
+              <a:t>референтен тип (</a:t>
+            </a:r>
+            <a:r>
+              <a:rPr lang="en-US" dirty="0">
                 <a:solidFill>
                   <a:schemeClr val="tx2">
                     <a:lumMod val="75000"/>
                   </a:schemeClr>
                 </a:solidFill>
               </a:rPr>
-              <a:t>на масива</a:t>
-            </a:r>
-            <a:r>
-              <a:rPr lang="bg-BG" sz="3000" dirty="0"/>
-              <a:t> и </a:t>
-            </a:r>
-            <a:r>
-              <a:rPr lang="bg-BG" sz="3000" dirty="0">
+              <a:t>Reference Type</a:t>
+            </a:r>
+            <a:r>
+              <a:rPr lang="bg-BG" dirty="0">
                 <a:solidFill>
                   <a:schemeClr val="tx2">
                     <a:lumMod val="75000"/>
                   </a:schemeClr>
                 </a:solidFill>
               </a:rPr>
-              <a:t>индекса</a:t>
-            </a:r>
-            <a:r>
-              <a:rPr lang="bg-BG" sz="3000" dirty="0"/>
-              <a:t> му</a:t>
-            </a:r>
-          </a:p>
-          <a:p>
-            <a:pPr>
-              <a:lnSpc>
-                <a:spcPct val="110000"/>
-              </a:lnSpc>
-            </a:pPr>
-            <a:r>
-              <a:rPr lang="bg-BG" sz="3000" dirty="0"/>
-              <a:t>Индексите са от </a:t>
-            </a:r>
-            <a:r>
-              <a:rPr lang="bg-BG" sz="3000" dirty="0">
-                <a:solidFill>
-                  <a:schemeClr val="tx2">
-                    <a:lumMod val="75000"/>
-                  </a:schemeClr>
-                </a:solidFill>
-              </a:rPr>
-              <a:t>0</a:t>
-            </a:r>
-            <a:r>
-              <a:rPr lang="bg-BG" sz="3000" dirty="0"/>
-              <a:t> до </a:t>
-            </a:r>
-            <a:r>
-              <a:rPr lang="en-US" sz="3000" dirty="0">
-                <a:solidFill>
-                  <a:schemeClr val="tx2">
-                    <a:lumMod val="75000"/>
-                  </a:schemeClr>
-                </a:solidFill>
-              </a:rPr>
-              <a:t>Length-1</a:t>
-            </a:r>
-            <a:r>
-              <a:rPr lang="bg-BG" sz="3000" dirty="0">
-                <a:solidFill>
-                  <a:schemeClr val="tx2">
-                    <a:lumMod val="75000"/>
-                  </a:schemeClr>
-                </a:solidFill>
-              </a:rPr>
-              <a:t>. </a:t>
-            </a:r>
-            <a:r>
-              <a:rPr lang="bg-BG" sz="3000" dirty="0"/>
-              <a:t>Броят на елементите е </a:t>
-            </a:r>
-            <a:r>
-              <a:rPr lang="bg-BG" sz="3000" dirty="0">
-                <a:solidFill>
-                  <a:schemeClr val="tx2">
-                    <a:lumMod val="75000"/>
-                  </a:schemeClr>
-                </a:solidFill>
-              </a:rPr>
-              <a:t>постоянен</a:t>
-            </a:r>
-            <a:endParaRPr lang="en-US" sz="3000" dirty="0">
+              <a:t>)</a:t>
+            </a:r>
+            <a:endParaRPr lang="en-US" dirty="0">
               <a:solidFill>
                 <a:schemeClr val="tx2">
                   <a:lumMod val="75000"/>
@@ -11826,28 +18076,11 @@
               </a:solidFill>
             </a:endParaRPr>
           </a:p>
-          <a:p>
-            <a:pPr marL="0" indent="0">
-              <a:lnSpc>
-                <a:spcPct val="110000"/>
-              </a:lnSpc>
-              <a:buNone/>
-            </a:pPr>
-            <a:endParaRPr lang="bg-BG" sz="3000" dirty="0"/>
-          </a:p>
-          <a:p>
-            <a:pPr>
-              <a:lnSpc>
-                <a:spcPct val="110000"/>
-              </a:lnSpc>
-            </a:pPr>
-            <a:endParaRPr lang="en-US" sz="3000" dirty="0"/>
-          </a:p>
         </p:txBody>
       </p:sp>
       <p:sp>
         <p:nvSpPr>
-          <p:cNvPr id="4" name="Title 3"/>
+          <p:cNvPr id="2" name="Title 1"/>
           <p:cNvSpPr>
             <a:spLocks noGrp="1"/>
           </p:cNvSpPr>
@@ -11857,27 +18090,46 @@
         </p:nvSpPr>
         <p:spPr/>
         <p:txBody>
-          <a:bodyPr/>
+          <a:bodyPr>
+            <a:normAutofit/>
+          </a:bodyPr>
           <a:lstStyle/>
           <a:p>
-            <a:r>
-              <a:rPr lang="bg-BG"/>
-              <a:t>Какво научихме този час?</a:t>
-            </a:r>
-            <a:endParaRPr lang="en-US" dirty="0"/>
+            <a:pPr>
+              <a:lnSpc>
+                <a:spcPts val="5400"/>
+              </a:lnSpc>
+            </a:pPr>
+            <a:r>
+              <a:rPr lang="bg-BG" sz="4400" dirty="0">
+                <a:solidFill>
+                  <a:schemeClr val="tx2">
+                    <a:lumMod val="75000"/>
+                  </a:schemeClr>
+                </a:solidFill>
+              </a:rPr>
+              <a:t>Стойностен  и референтен тип</a:t>
+            </a:r>
+            <a:endParaRPr lang="en-US" sz="4400" i="1" dirty="0">
+              <a:solidFill>
+                <a:schemeClr val="tx2">
+                  <a:lumMod val="75000"/>
+                </a:schemeClr>
+              </a:solidFill>
+            </a:endParaRPr>
           </a:p>
         </p:txBody>
       </p:sp>
       <p:pic>
         <p:nvPicPr>
-          <p:cNvPr id="10" name="Picture 9"/>
+          <p:cNvPr id="8" name="Picture 7"/>
           <p:cNvPicPr>
             <a:picLocks noChangeAspect="1"/>
           </p:cNvPicPr>
           <p:nvPr/>
         </p:nvPicPr>
         <p:blipFill>
-          <a:blip r:embed="rId3" cstate="print">
+          <a:blip r:embed="rId3">
             <a:extLst>
               <a:ext uri="{28A0092B-C50C-407E-A947-70E740481C1C}">
                 <a14:useLocalDpi xmlns:a14="http://schemas.microsoft.com/office/drawing/2010/main" val="0"/>
@@ -11890,69 +18142,8 @@
         </p:blipFill>
         <p:spPr>
           <a:xfrm>
-            <a:off x="8532812" y="1377743"/>
-            <a:ext cx="2209800" cy="1412018"/>
-          </a:xfrm>
-          <a:prstGeom prst="rect">
-            <a:avLst/>
-          </a:prstGeom>
-        </p:spPr>
-      </p:pic>
-      <p:pic>
-        <p:nvPicPr>
-          <p:cNvPr id="11" name="Picture 10"/>
-          <p:cNvPicPr>
-            <a:picLocks noChangeAspect="1"/>
-          </p:cNvPicPr>
-          <p:nvPr/>
-        </p:nvPicPr>
-        <p:blipFill rotWithShape="1">
-          <a:blip r:embed="rId4" cstate="print">
-            <a:extLst>
-              <a:ext uri="{28A0092B-C50C-407E-A947-70E740481C1C}">
-                <a14:useLocalDpi xmlns:a14="http://schemas.microsoft.com/office/drawing/2010/main" val="0"/>
-              </a:ext>
-            </a:extLst>
-          </a:blip>
-          <a:srcRect/>
-          <a:stretch>
-            <a:fillRect/>
-          </a:stretch>
-        </p:blipFill>
-        <p:spPr>
-          <a:xfrm flipH="1">
-            <a:off x="9752012" y="1881767"/>
-            <a:ext cx="2108746" cy="2282193"/>
-          </a:xfrm>
-          <a:prstGeom prst="rect">
-            <a:avLst/>
-          </a:prstGeom>
-        </p:spPr>
-      </p:pic>
-      <p:pic>
-        <p:nvPicPr>
-          <p:cNvPr id="13" name="Picture 12">
-            <a:extLst>
-              <a:ext uri="{FF2B5EF4-FFF2-40B4-BE49-F238E27FC236}">
-                <a16:creationId xmlns:a16="http://schemas.microsoft.com/office/drawing/2014/main" id="{9A31C5D2-8C0F-4EAA-A704-44A19C7D1BFA}"/>
-              </a:ext>
-            </a:extLst>
-          </p:cNvPr>
-          <p:cNvPicPr>
-            <a:picLocks noChangeAspect="1"/>
-          </p:cNvPicPr>
-          <p:nvPr/>
-        </p:nvPicPr>
-        <p:blipFill>
-          <a:blip r:embed="rId5"/>
-          <a:stretch>
-            <a:fillRect/>
-          </a:stretch>
-        </p:blipFill>
-        <p:spPr>
-          <a:xfrm>
-            <a:off x="7521263" y="4343401"/>
-            <a:ext cx="4055686" cy="2053642"/>
+            <a:off x="2130424" y="3081131"/>
+            <a:ext cx="7924800" cy="3014869"/>
           </a:xfrm>
           <a:prstGeom prst="rect">
             <a:avLst/>
@@ -11961,10 +18152,10 @@
       </p:pic>
       <p:sp>
         <p:nvSpPr>
-          <p:cNvPr id="8" name="Slide Number Placeholder">
+          <p:cNvPr id="5" name="Slide Number Placeholder">
             <a:extLst>
               <a:ext uri="{FF2B5EF4-FFF2-40B4-BE49-F238E27FC236}">
-                <a16:creationId xmlns:a16="http://schemas.microsoft.com/office/drawing/2014/main" id="{0EE5F172-F131-4D4E-ADDA-1ECA52A5C6CC}"/>
+                <a16:creationId xmlns:a16="http://schemas.microsoft.com/office/drawing/2014/main" id="{2EEB6263-FB81-4ED6-BEE3-ADC637B20B5A}"/>
               </a:ext>
             </a:extLst>
           </p:cNvPr>
@@ -12007,7 +18198,7 @@
                 </a:solidFill>
               </a:rPr>
               <a:pPr/>
-              <a:t>8</a:t>
+              <a:t>9</a:t>
             </a:fld>
             <a:endParaRPr lang="en-US" dirty="0">
               <a:solidFill>
@@ -12022,264 +18213,7 @@
     </p:spTree>
     <p:extLst>
       <p:ext uri="{BB962C8B-B14F-4D97-AF65-F5344CB8AC3E}">
-        <p14:creationId xmlns:p14="http://schemas.microsoft.com/office/powerpoint/2010/main" val="2732138405"/>
-      </p:ext>
-    </p:extLst>
-  </p:cSld>
-  <p:clrMapOvr>
-    <a:masterClrMapping/>
-  </p:clrMapOvr>
-  <p:timing>
-    <p:tnLst>
-      <p:par>
-        <p:cTn id="1" dur="indefinite" restart="never" nodeType="tmRoot">
-          <p:childTnLst>
-            <p:seq concurrent="1" nextAc="seek">
-              <p:cTn id="2" dur="indefinite" nodeType="mainSeq">
-                <p:childTnLst>
-                  <p:par>
-                    <p:cTn id="3" fill="hold">
-                      <p:stCondLst>
-                        <p:cond delay="indefinite"/>
-                      </p:stCondLst>
-                      <p:childTnLst>
-                        <p:par>
-                          <p:cTn id="4" fill="hold">
-                            <p:stCondLst>
-                              <p:cond delay="0"/>
-                            </p:stCondLst>
-                            <p:childTnLst>
-                              <p:par>
-                                <p:cTn id="5" presetID="1" presetClass="entr" presetSubtype="0" fill="hold" nodeType="clickEffect">
-                                  <p:stCondLst>
-                                    <p:cond delay="0"/>
-                                  </p:stCondLst>
-                                  <p:childTnLst>
-                                    <p:set>
-                                      <p:cBhvr>
-                                        <p:cTn id="6" dur="1" fill="hold">
-                                          <p:stCondLst>
-                                            <p:cond delay="0"/>
-                                          </p:stCondLst>
-                                        </p:cTn>
-                                        <p:tgtEl>
-                                          <p:spTgt spid="5">
-                                            <p:txEl>
-                                              <p:pRg st="0" end="0"/>
-                                            </p:txEl>
-                                          </p:spTgt>
-                                        </p:tgtEl>
-                                        <p:attrNameLst>
-                                          <p:attrName>style.visibility</p:attrName>
-                                        </p:attrNameLst>
-                                      </p:cBhvr>
-                                      <p:to>
-                                        <p:strVal val="visible"/>
-                                      </p:to>
-                                    </p:set>
-                                  </p:childTnLst>
-                                </p:cTn>
-                              </p:par>
-                            </p:childTnLst>
-                          </p:cTn>
-                        </p:par>
-                      </p:childTnLst>
-                    </p:cTn>
-                  </p:par>
-                  <p:par>
-                    <p:cTn id="7" fill="hold">
-                      <p:stCondLst>
-                        <p:cond delay="indefinite"/>
-                      </p:stCondLst>
-                      <p:childTnLst>
-                        <p:par>
-                          <p:cTn id="8" fill="hold">
-                            <p:stCondLst>
-                              <p:cond delay="0"/>
-                            </p:stCondLst>
-                            <p:childTnLst>
-                              <p:par>
-                                <p:cTn id="9" presetID="1" presetClass="entr" presetSubtype="0" fill="hold" nodeType="clickEffect">
-                                  <p:stCondLst>
-                                    <p:cond delay="0"/>
-                                  </p:stCondLst>
-                                  <p:childTnLst>
-                                    <p:set>
-                                      <p:cBhvr>
-                                        <p:cTn id="10" dur="1" fill="hold">
-                                          <p:stCondLst>
-                                            <p:cond delay="0"/>
-                                          </p:stCondLst>
-                                        </p:cTn>
-                                        <p:tgtEl>
-                                          <p:spTgt spid="5">
-                                            <p:txEl>
-                                              <p:pRg st="1" end="1"/>
-                                            </p:txEl>
-                                          </p:spTgt>
-                                        </p:tgtEl>
-                                        <p:attrNameLst>
-                                          <p:attrName>style.visibility</p:attrName>
-                                        </p:attrNameLst>
-                                      </p:cBhvr>
-                                      <p:to>
-                                        <p:strVal val="visible"/>
-                                      </p:to>
-                                    </p:set>
-                                  </p:childTnLst>
-                                </p:cTn>
-                              </p:par>
-                            </p:childTnLst>
-                          </p:cTn>
-                        </p:par>
-                      </p:childTnLst>
-                    </p:cTn>
-                  </p:par>
-                  <p:par>
-                    <p:cTn id="11" fill="hold">
-                      <p:stCondLst>
-                        <p:cond delay="indefinite"/>
-                      </p:stCondLst>
-                      <p:childTnLst>
-                        <p:par>
-                          <p:cTn id="12" fill="hold">
-                            <p:stCondLst>
-                              <p:cond delay="0"/>
-                            </p:stCondLst>
-                            <p:childTnLst>
-                              <p:par>
-                                <p:cTn id="13" presetID="1" presetClass="entr" presetSubtype="0" fill="hold" nodeType="clickEffect">
-                                  <p:stCondLst>
-                                    <p:cond delay="0"/>
-                                  </p:stCondLst>
-                                  <p:childTnLst>
-                                    <p:set>
-                                      <p:cBhvr>
-                                        <p:cTn id="14" dur="1" fill="hold">
-                                          <p:stCondLst>
-                                            <p:cond delay="0"/>
-                                          </p:stCondLst>
-                                        </p:cTn>
-                                        <p:tgtEl>
-                                          <p:spTgt spid="5">
-                                            <p:txEl>
-                                              <p:pRg st="2" end="2"/>
-                                            </p:txEl>
-                                          </p:spTgt>
-                                        </p:tgtEl>
-                                        <p:attrNameLst>
-                                          <p:attrName>style.visibility</p:attrName>
-                                        </p:attrNameLst>
-                                      </p:cBhvr>
-                                      <p:to>
-                                        <p:strVal val="visible"/>
-                                      </p:to>
-                                    </p:set>
-                                  </p:childTnLst>
-                                </p:cTn>
-                              </p:par>
-                            </p:childTnLst>
-                          </p:cTn>
-                        </p:par>
-                      </p:childTnLst>
-                    </p:cTn>
-                  </p:par>
-                </p:childTnLst>
-              </p:cTn>
-              <p:prevCondLst>
-                <p:cond evt="onPrev" delay="0">
-                  <p:tgtEl>
-                    <p:sldTgt/>
-                  </p:tgtEl>
-                </p:cond>
-              </p:prevCondLst>
-              <p:nextCondLst>
-                <p:cond evt="onNext" delay="0">
-                  <p:tgtEl>
-                    <p:sldTgt/>
-                  </p:tgtEl>
-                </p:cond>
-              </p:nextCondLst>
-            </p:seq>
-          </p:childTnLst>
-        </p:cTn>
-      </p:par>
-    </p:tnLst>
-  </p:timing>
-</p:sld>
-</file>
-
-<file path=ppt/slides/slide9.xml><?xml version="1.0" encoding="utf-8"?>
-<p:sld xmlns:a="http://schemas.openxmlformats.org/drawingml/2006/main" xmlns:r="http://schemas.openxmlformats.org/officeDocument/2006/relationships" xmlns:p="http://schemas.openxmlformats.org/presentationml/2006/main">
-  <p:cSld>
-    <p:spTree>
-      <p:nvGrpSpPr>
-        <p:cNvPr id="1" name=""/>
-        <p:cNvGrpSpPr/>
-        <p:nvPr/>
-      </p:nvGrpSpPr>
-      <p:grpSpPr>
-        <a:xfrm>
-          <a:off x="0" y="0"/>
-          <a:ext cx="0" cy="0"/>
-          <a:chOff x="0" y="0"/>
-          <a:chExt cx="0" cy="0"/>
-        </a:xfrm>
-      </p:grpSpPr>
-      <p:sp>
-        <p:nvSpPr>
-          <p:cNvPr id="3" name="Text Placeholder 2"/>
-          <p:cNvSpPr>
-            <a:spLocks noGrp="1"/>
-          </p:cNvSpPr>
-          <p:nvPr>
-            <p:ph type="body" sz="quarter" idx="10"/>
-          </p:nvPr>
-        </p:nvSpPr>
-        <p:spPr/>
-        <p:txBody>
-          <a:bodyPr/>
-          <a:lstStyle/>
-          <a:p>
-            <a:r>
-              <a:rPr lang="en-US" dirty="0">
-                <a:hlinkClick r:id="rId3"/>
-              </a:rPr>
-              <a:t>https://it-kariera.mon.bg/e-learning/</a:t>
-            </a:r>
-            <a:endParaRPr lang="en-US" dirty="0"/>
-          </a:p>
-        </p:txBody>
-      </p:sp>
-      <p:sp>
-        <p:nvSpPr>
-          <p:cNvPr id="11" name="Title 10"/>
-          <p:cNvSpPr>
-            <a:spLocks noGrp="1"/>
-          </p:cNvSpPr>
-          <p:nvPr>
-            <p:ph type="title"/>
-          </p:nvPr>
-        </p:nvSpPr>
-        <p:spPr/>
-        <p:txBody>
-          <a:bodyPr/>
-          <a:lstStyle/>
-          <a:p>
-            <a:r>
-              <a:rPr lang="bg-BG" dirty="0">
-                <a:latin typeface="+mn-ea"/>
-              </a:rPr>
-              <a:t>Масиви</a:t>
-            </a:r>
-            <a:endParaRPr lang="en-US" dirty="0"/>
-          </a:p>
-        </p:txBody>
-      </p:sp>
-    </p:spTree>
-    <p:extLst>
-      <p:ext uri="{BB962C8B-B14F-4D97-AF65-F5344CB8AC3E}">
-        <p14:creationId xmlns:p14="http://schemas.microsoft.com/office/powerpoint/2010/main" val="1228567007"/>
+        <p14:creationId xmlns:p14="http://schemas.microsoft.com/office/powerpoint/2010/main" val="3669978498"/>
       </p:ext>
     </p:extLst>
   </p:cSld>

--- a/Courses/Applied-Programmer/Programming-Fundamentals/03-Масиви-и-списъци/09.Въведение-в-масиви.pptx
+++ b/Courses/Applied-Programmer/Programming-Fundamentals/03-Масиви-и-списъци/09.Въведение-в-масиви.pptx
@@ -355,7 +355,7 @@
             <a:fld id="{FE5B4EDC-59C0-49C7-8ADA-5A781B329E02}" type="datetimeFigureOut">
               <a:rPr lang="en-US"/>
               <a:pPr/>
-              <a:t>10-Nov-20</a:t>
+              <a:t>19-Nov-20</a:t>
             </a:fld>
             <a:endParaRPr dirty="0"/>
           </a:p>
@@ -653,7 +653,7 @@
             <a:fld id="{F2D8D46A-B586-417D-BFBD-8C8FE0AAF762}" type="datetimeFigureOut">
               <a:rPr lang="en-US" smtClean="0"/>
               <a:pPr/>
-              <a:t>10-Nov-20</a:t>
+              <a:t>19-Nov-20</a:t>
             </a:fld>
             <a:endParaRPr lang="en-US" dirty="0"/>
           </a:p>
@@ -4790,10 +4790,10 @@
         </p:nvGrpSpPr>
         <p:grpSpPr>
           <a:xfrm>
-            <a:off x="760412" y="3583505"/>
-            <a:ext cx="5043827" cy="2524722"/>
-            <a:chOff x="745783" y="3624633"/>
-            <a:chExt cx="5043827" cy="2524722"/>
+            <a:off x="258654" y="3583505"/>
+            <a:ext cx="5545585" cy="2620342"/>
+            <a:chOff x="244025" y="3624633"/>
+            <a:chExt cx="5545585" cy="2620342"/>
           </a:xfrm>
         </p:grpSpPr>
         <p:pic>
@@ -4850,7 +4850,7 @@
           </p:blipFill>
           <p:spPr bwMode="auto">
             <a:xfrm>
-              <a:off x="745783" y="4076772"/>
+              <a:off x="253447" y="4184284"/>
               <a:ext cx="2175525" cy="761165"/>
             </a:xfrm>
             <a:prstGeom prst="roundRect">
@@ -4889,7 +4889,7 @@
           </p:nvSpPr>
           <p:spPr bwMode="auto">
             <a:xfrm>
-              <a:off x="760413" y="4998598"/>
+              <a:off x="253447" y="4994250"/>
               <a:ext cx="3187614" cy="444343"/>
             </a:xfrm>
             <a:prstGeom prst="rect">
@@ -5146,7 +5146,7 @@
           </p:nvSpPr>
           <p:spPr bwMode="auto">
             <a:xfrm>
-              <a:off x="760412" y="5403725"/>
+              <a:off x="253447" y="5403477"/>
               <a:ext cx="3187613" cy="382788"/>
             </a:xfrm>
             <a:prstGeom prst="rect">
@@ -5402,7 +5402,7 @@
           </p:nvSpPr>
           <p:spPr bwMode="auto">
             <a:xfrm>
-              <a:off x="760412" y="5690893"/>
+              <a:off x="244025" y="5786513"/>
               <a:ext cx="3810000" cy="458462"/>
             </a:xfrm>
             <a:prstGeom prst="rect">
@@ -5643,6 +5643,141 @@
           </p:txBody>
         </p:sp>
       </p:grpSp>
+      <p:sp>
+        <p:nvSpPr>
+          <p:cNvPr id="13" name="Text Placeholder 11">
+            <a:extLst>
+              <a:ext uri="{FF2B5EF4-FFF2-40B4-BE49-F238E27FC236}">
+                <a16:creationId xmlns:a16="http://schemas.microsoft.com/office/drawing/2014/main" id="{DBFE7DC1-7F9F-411F-9DA1-3AC7F090063B}"/>
+              </a:ext>
+            </a:extLst>
+          </p:cNvPr>
+          <p:cNvSpPr txBox="1">
+            <a:spLocks/>
+          </p:cNvSpPr>
+          <p:nvPr/>
+        </p:nvSpPr>
+        <p:spPr bwMode="auto">
+          <a:xfrm>
+            <a:off x="258654" y="6229986"/>
+            <a:ext cx="11885613" cy="349702"/>
+          </a:xfrm>
+          <a:prstGeom prst="rect">
+            <a:avLst/>
+          </a:prstGeom>
+          <a:noFill/>
+          <a:effectLst/>
+        </p:spPr>
+        <p:txBody>
+          <a:bodyPr vert="horz" wrap="square" lIns="36000" tIns="36000" rIns="36000" bIns="36000" rtlCol="0" anchor="ctr" anchorCtr="0">
+            <a:spAutoFit/>
+          </a:bodyPr>
+          <a:lstStyle>
+            <a:defPPr>
+              <a:defRPr lang="en-US"/>
+            </a:defPPr>
+            <a:lvl1pPr marL="0" algn="l" defTabSz="1218987" rtl="0" eaLnBrk="1" latinLnBrk="0" hangingPunct="1">
+              <a:defRPr sz="2400" kern="1200">
+                <a:solidFill>
+                  <a:schemeClr val="tx1"/>
+                </a:solidFill>
+                <a:latin typeface="+mn-lt"/>
+                <a:ea typeface="+mn-ea"/>
+                <a:cs typeface="+mn-cs"/>
+              </a:defRPr>
+            </a:lvl1pPr>
+            <a:lvl2pPr marL="609493" algn="l" defTabSz="1218987" rtl="0" eaLnBrk="1" latinLnBrk="0" hangingPunct="1">
+              <a:defRPr sz="2400" kern="1200">
+                <a:solidFill>
+                  <a:schemeClr val="tx1"/>
+                </a:solidFill>
+                <a:latin typeface="+mn-lt"/>
+                <a:ea typeface="+mn-ea"/>
+                <a:cs typeface="+mn-cs"/>
+              </a:defRPr>
+            </a:lvl2pPr>
+            <a:lvl3pPr marL="1218987" algn="l" defTabSz="1218987" rtl="0" eaLnBrk="1" latinLnBrk="0" hangingPunct="1">
+              <a:defRPr sz="2400" kern="1200">
+                <a:solidFill>
+                  <a:schemeClr val="tx1"/>
+                </a:solidFill>
+                <a:latin typeface="+mn-lt"/>
+                <a:ea typeface="+mn-ea"/>
+                <a:cs typeface="+mn-cs"/>
+              </a:defRPr>
+            </a:lvl3pPr>
+            <a:lvl4pPr marL="1828480" algn="l" defTabSz="1218987" rtl="0" eaLnBrk="1" latinLnBrk="0" hangingPunct="1">
+              <a:defRPr sz="2400" kern="1200">
+                <a:solidFill>
+                  <a:schemeClr val="tx1"/>
+                </a:solidFill>
+                <a:latin typeface="+mn-lt"/>
+                <a:ea typeface="+mn-ea"/>
+                <a:cs typeface="+mn-cs"/>
+              </a:defRPr>
+            </a:lvl4pPr>
+            <a:lvl5pPr marL="2437973" algn="l" defTabSz="1218987" rtl="0" eaLnBrk="1" latinLnBrk="0" hangingPunct="1">
+              <a:defRPr sz="2400" kern="1200">
+                <a:solidFill>
+                  <a:schemeClr val="tx1"/>
+                </a:solidFill>
+                <a:latin typeface="+mn-lt"/>
+                <a:ea typeface="+mn-ea"/>
+                <a:cs typeface="+mn-cs"/>
+              </a:defRPr>
+            </a:lvl5pPr>
+            <a:lvl6pPr marL="3047467" algn="l" defTabSz="1218987" rtl="0" eaLnBrk="1" latinLnBrk="0" hangingPunct="1">
+              <a:defRPr sz="2400" kern="1200">
+                <a:solidFill>
+                  <a:schemeClr val="tx1"/>
+                </a:solidFill>
+                <a:latin typeface="+mn-lt"/>
+                <a:ea typeface="+mn-ea"/>
+                <a:cs typeface="+mn-cs"/>
+              </a:defRPr>
+            </a:lvl6pPr>
+            <a:lvl7pPr marL="3656960" algn="l" defTabSz="1218987" rtl="0" eaLnBrk="1" latinLnBrk="0" hangingPunct="1">
+              <a:defRPr sz="2400" kern="1200">
+                <a:solidFill>
+                  <a:schemeClr val="tx1"/>
+                </a:solidFill>
+                <a:latin typeface="+mn-lt"/>
+                <a:ea typeface="+mn-ea"/>
+                <a:cs typeface="+mn-cs"/>
+              </a:defRPr>
+            </a:lvl7pPr>
+            <a:lvl8pPr marL="4266453" algn="l" defTabSz="1218987" rtl="0" eaLnBrk="1" latinLnBrk="0" hangingPunct="1">
+              <a:defRPr sz="2400" kern="1200">
+                <a:solidFill>
+                  <a:schemeClr val="tx1"/>
+                </a:solidFill>
+                <a:latin typeface="+mn-lt"/>
+                <a:ea typeface="+mn-ea"/>
+                <a:cs typeface="+mn-cs"/>
+              </a:defRPr>
+            </a:lvl8pPr>
+            <a:lvl9pPr marL="4875947" algn="l" defTabSz="1218987" rtl="0" eaLnBrk="1" latinLnBrk="0" hangingPunct="1">
+              <a:defRPr sz="2400" kern="1200">
+                <a:solidFill>
+                  <a:schemeClr val="tx1"/>
+                </a:solidFill>
+                <a:latin typeface="+mn-lt"/>
+                <a:ea typeface="+mn-ea"/>
+                <a:cs typeface="+mn-cs"/>
+              </a:defRPr>
+            </a:lvl9pPr>
+          </a:lstStyle>
+          <a:p>
+            <a:r>
+              <a:rPr lang="en-US" sz="1800" b="1" dirty="0">
+                <a:hlinkClick r:id="rId8"/>
+              </a:rPr>
+              <a:t>https://github.com/BG-IT-Edu/School-Programming/tree/main/Courses/Applied-Programmer/Programming-Fundamentals</a:t>
+            </a:r>
+            <a:endParaRPr lang="en-GB" sz="1800" b="1" dirty="0"/>
+          </a:p>
+        </p:txBody>
+      </p:sp>
     </p:spTree>
     <p:extLst>
       <p:ext uri="{BB962C8B-B14F-4D97-AF65-F5344CB8AC3E}">
@@ -10877,31 +11012,6 @@
       </p:grpSpPr>
       <p:sp>
         <p:nvSpPr>
-          <p:cNvPr id="3" name="Text Placeholder 2"/>
-          <p:cNvSpPr>
-            <a:spLocks noGrp="1"/>
-          </p:cNvSpPr>
-          <p:nvPr>
-            <p:ph type="body" sz="quarter" idx="10"/>
-          </p:nvPr>
-        </p:nvSpPr>
-        <p:spPr/>
-        <p:txBody>
-          <a:bodyPr/>
-          <a:lstStyle/>
-          <a:p>
-            <a:r>
-              <a:rPr lang="en-US" dirty="0">
-                <a:hlinkClick r:id="rId3"/>
-              </a:rPr>
-              <a:t>https://it-kariera.mon.bg/e-learning/</a:t>
-            </a:r>
-            <a:endParaRPr lang="en-US" dirty="0"/>
-          </a:p>
-        </p:txBody>
-      </p:sp>
-      <p:sp>
-        <p:nvSpPr>
           <p:cNvPr id="11" name="Title 10"/>
           <p:cNvSpPr>
             <a:spLocks noGrp="1"/>
@@ -10922,6 +11032,141 @@
               <a:t>Масиви</a:t>
             </a:r>
             <a:endParaRPr lang="en-US" dirty="0"/>
+          </a:p>
+        </p:txBody>
+      </p:sp>
+      <p:sp>
+        <p:nvSpPr>
+          <p:cNvPr id="6" name="Text Placeholder 11">
+            <a:extLst>
+              <a:ext uri="{FF2B5EF4-FFF2-40B4-BE49-F238E27FC236}">
+                <a16:creationId xmlns:a16="http://schemas.microsoft.com/office/drawing/2014/main" id="{113D7575-C9E6-4DE3-AF01-B3CBB09B0E31}"/>
+              </a:ext>
+            </a:extLst>
+          </p:cNvPr>
+          <p:cNvSpPr txBox="1">
+            <a:spLocks/>
+          </p:cNvSpPr>
+          <p:nvPr/>
+        </p:nvSpPr>
+        <p:spPr bwMode="auto">
+          <a:xfrm>
+            <a:off x="303212" y="6400800"/>
+            <a:ext cx="11885613" cy="349702"/>
+          </a:xfrm>
+          <a:prstGeom prst="rect">
+            <a:avLst/>
+          </a:prstGeom>
+          <a:noFill/>
+          <a:effectLst/>
+        </p:spPr>
+        <p:txBody>
+          <a:bodyPr vert="horz" wrap="square" lIns="36000" tIns="36000" rIns="36000" bIns="36000" rtlCol="0" anchor="ctr" anchorCtr="0">
+            <a:spAutoFit/>
+          </a:bodyPr>
+          <a:lstStyle>
+            <a:defPPr>
+              <a:defRPr lang="en-US"/>
+            </a:defPPr>
+            <a:lvl1pPr marL="0" algn="l" defTabSz="1218987" rtl="0" eaLnBrk="1" latinLnBrk="0" hangingPunct="1">
+              <a:defRPr sz="2400" kern="1200">
+                <a:solidFill>
+                  <a:schemeClr val="tx1"/>
+                </a:solidFill>
+                <a:latin typeface="+mn-lt"/>
+                <a:ea typeface="+mn-ea"/>
+                <a:cs typeface="+mn-cs"/>
+              </a:defRPr>
+            </a:lvl1pPr>
+            <a:lvl2pPr marL="609493" algn="l" defTabSz="1218987" rtl="0" eaLnBrk="1" latinLnBrk="0" hangingPunct="1">
+              <a:defRPr sz="2400" kern="1200">
+                <a:solidFill>
+                  <a:schemeClr val="tx1"/>
+                </a:solidFill>
+                <a:latin typeface="+mn-lt"/>
+                <a:ea typeface="+mn-ea"/>
+                <a:cs typeface="+mn-cs"/>
+              </a:defRPr>
+            </a:lvl2pPr>
+            <a:lvl3pPr marL="1218987" algn="l" defTabSz="1218987" rtl="0" eaLnBrk="1" latinLnBrk="0" hangingPunct="1">
+              <a:defRPr sz="2400" kern="1200">
+                <a:solidFill>
+                  <a:schemeClr val="tx1"/>
+                </a:solidFill>
+                <a:latin typeface="+mn-lt"/>
+                <a:ea typeface="+mn-ea"/>
+                <a:cs typeface="+mn-cs"/>
+              </a:defRPr>
+            </a:lvl3pPr>
+            <a:lvl4pPr marL="1828480" algn="l" defTabSz="1218987" rtl="0" eaLnBrk="1" latinLnBrk="0" hangingPunct="1">
+              <a:defRPr sz="2400" kern="1200">
+                <a:solidFill>
+                  <a:schemeClr val="tx1"/>
+                </a:solidFill>
+                <a:latin typeface="+mn-lt"/>
+                <a:ea typeface="+mn-ea"/>
+                <a:cs typeface="+mn-cs"/>
+              </a:defRPr>
+            </a:lvl4pPr>
+            <a:lvl5pPr marL="2437973" algn="l" defTabSz="1218987" rtl="0" eaLnBrk="1" latinLnBrk="0" hangingPunct="1">
+              <a:defRPr sz="2400" kern="1200">
+                <a:solidFill>
+                  <a:schemeClr val="tx1"/>
+                </a:solidFill>
+                <a:latin typeface="+mn-lt"/>
+                <a:ea typeface="+mn-ea"/>
+                <a:cs typeface="+mn-cs"/>
+              </a:defRPr>
+            </a:lvl5pPr>
+            <a:lvl6pPr marL="3047467" algn="l" defTabSz="1218987" rtl="0" eaLnBrk="1" latinLnBrk="0" hangingPunct="1">
+              <a:defRPr sz="2400" kern="1200">
+                <a:solidFill>
+                  <a:schemeClr val="tx1"/>
+                </a:solidFill>
+                <a:latin typeface="+mn-lt"/>
+                <a:ea typeface="+mn-ea"/>
+                <a:cs typeface="+mn-cs"/>
+              </a:defRPr>
+            </a:lvl6pPr>
+            <a:lvl7pPr marL="3656960" algn="l" defTabSz="1218987" rtl="0" eaLnBrk="1" latinLnBrk="0" hangingPunct="1">
+              <a:defRPr sz="2400" kern="1200">
+                <a:solidFill>
+                  <a:schemeClr val="tx1"/>
+                </a:solidFill>
+                <a:latin typeface="+mn-lt"/>
+                <a:ea typeface="+mn-ea"/>
+                <a:cs typeface="+mn-cs"/>
+              </a:defRPr>
+            </a:lvl7pPr>
+            <a:lvl8pPr marL="4266453" algn="l" defTabSz="1218987" rtl="0" eaLnBrk="1" latinLnBrk="0" hangingPunct="1">
+              <a:defRPr sz="2400" kern="1200">
+                <a:solidFill>
+                  <a:schemeClr val="tx1"/>
+                </a:solidFill>
+                <a:latin typeface="+mn-lt"/>
+                <a:ea typeface="+mn-ea"/>
+                <a:cs typeface="+mn-cs"/>
+              </a:defRPr>
+            </a:lvl8pPr>
+            <a:lvl9pPr marL="4875947" algn="l" defTabSz="1218987" rtl="0" eaLnBrk="1" latinLnBrk="0" hangingPunct="1">
+              <a:defRPr sz="2400" kern="1200">
+                <a:solidFill>
+                  <a:schemeClr val="tx1"/>
+                </a:solidFill>
+                <a:latin typeface="+mn-lt"/>
+                <a:ea typeface="+mn-ea"/>
+                <a:cs typeface="+mn-cs"/>
+              </a:defRPr>
+            </a:lvl9pPr>
+          </a:lstStyle>
+          <a:p>
+            <a:r>
+              <a:rPr lang="en-US" sz="1800" b="1" dirty="0">
+                <a:hlinkClick r:id="rId3"/>
+              </a:rPr>
+              <a:t>https://github.com/BG-IT-Edu/School-Programming/tree/main/Courses/Applied-Programmer/Programming-Fundamentals</a:t>
+            </a:r>
+            <a:endParaRPr lang="en-GB" sz="1800" b="1" dirty="0"/>
           </a:p>
         </p:txBody>
       </p:sp>
@@ -16955,7 +17200,7 @@
           <a:graphicData uri="http://schemas.openxmlformats.org/presentationml/2006/ole">
             <mc:AlternateContent xmlns:mc="http://schemas.openxmlformats.org/markup-compatibility/2006">
               <mc:Choice xmlns:v="urn:schemas-microsoft-com:vml" Requires="v">
-                <p:oleObj spid="_x0000_s1035" name="Image" r:id="rId3" imgW="4088880" imgH="2907720" progId="Photoshop.Image.15">
+                <p:oleObj spid="_x0000_s1036" name="Image" r:id="rId3" imgW="4088880" imgH="2907720" progId="Photoshop.Image.15">
                   <p:embed/>
                 </p:oleObj>
               </mc:Choice>

--- a/Courses/Applied-Programmer/Programming-Fundamentals/03-Масиви-и-списъци/09.Въведение-в-масиви.pptx
+++ b/Courses/Applied-Programmer/Programming-Fundamentals/03-Масиви-и-списъци/09.Въведение-в-масиви.pptx
@@ -355,7 +355,7 @@
             <a:fld id="{FE5B4EDC-59C0-49C7-8ADA-5A781B329E02}" type="datetimeFigureOut">
               <a:rPr lang="en-US"/>
               <a:pPr/>
-              <a:t>19-Nov-20</a:t>
+              <a:t>21-Nov-20</a:t>
             </a:fld>
             <a:endParaRPr dirty="0"/>
           </a:p>
@@ -653,7 +653,7 @@
             <a:fld id="{F2D8D46A-B586-417D-BFBD-8C8FE0AAF762}" type="datetimeFigureOut">
               <a:rPr lang="en-US" smtClean="0"/>
               <a:pPr/>
-              <a:t>19-Nov-20</a:t>
+              <a:t>21-Nov-20</a:t>
             </a:fld>
             <a:endParaRPr lang="en-US" dirty="0"/>
           </a:p>
@@ -6455,7 +6455,7 @@
                             </p:stCondLst>
                             <p:childTnLst>
                               <p:par>
-                                <p:cTn id="5" presetID="1" presetClass="entr" presetSubtype="0" fill="hold" grpId="0" nodeType="clickEffect">
+                                <p:cTn id="5" presetID="1" presetClass="entr" presetSubtype="0" fill="hold" nodeType="clickEffect">
                                   <p:stCondLst>
                                     <p:cond delay="0"/>
                                   </p:stCondLst>
@@ -6463,6 +6463,86 @@
                                     <p:set>
                                       <p:cBhvr>
                                         <p:cTn id="6" dur="1" fill="hold">
+                                          <p:stCondLst>
+                                            <p:cond delay="0"/>
+                                          </p:stCondLst>
+                                        </p:cTn>
+                                        <p:tgtEl>
+                                          <p:spTgt spid="6">
+                                            <p:txEl>
+                                              <p:pRg st="1" end="1"/>
+                                            </p:txEl>
+                                          </p:spTgt>
+                                        </p:tgtEl>
+                                        <p:attrNameLst>
+                                          <p:attrName>style.visibility</p:attrName>
+                                        </p:attrNameLst>
+                                      </p:cBhvr>
+                                      <p:to>
+                                        <p:strVal val="visible"/>
+                                      </p:to>
+                                    </p:set>
+                                  </p:childTnLst>
+                                </p:cTn>
+                              </p:par>
+                              <p:par>
+                                <p:cTn id="7" presetID="1" presetClass="entr" presetSubtype="0" fill="hold" nodeType="withEffect">
+                                  <p:stCondLst>
+                                    <p:cond delay="0"/>
+                                  </p:stCondLst>
+                                  <p:childTnLst>
+                                    <p:set>
+                                      <p:cBhvr>
+                                        <p:cTn id="8" dur="1" fill="hold">
+                                          <p:stCondLst>
+                                            <p:cond delay="0"/>
+                                          </p:stCondLst>
+                                        </p:cTn>
+                                        <p:tgtEl>
+                                          <p:spTgt spid="6">
+                                            <p:txEl>
+                                              <p:pRg st="2" end="2"/>
+                                            </p:txEl>
+                                          </p:spTgt>
+                                        </p:tgtEl>
+                                        <p:attrNameLst>
+                                          <p:attrName>style.visibility</p:attrName>
+                                        </p:attrNameLst>
+                                      </p:cBhvr>
+                                      <p:to>
+                                        <p:strVal val="visible"/>
+                                      </p:to>
+                                    </p:set>
+                                  </p:childTnLst>
+                                </p:cTn>
+                              </p:par>
+                            </p:childTnLst>
+                          </p:cTn>
+                        </p:par>
+                      </p:childTnLst>
+                    </p:cTn>
+                  </p:par>
+                  <p:par>
+                    <p:cTn id="9" fill="hold">
+                      <p:stCondLst>
+                        <p:cond delay="indefinite"/>
+                      </p:stCondLst>
+                      <p:childTnLst>
+                        <p:par>
+                          <p:cTn id="10" fill="hold">
+                            <p:stCondLst>
+                              <p:cond delay="0"/>
+                            </p:stCondLst>
+                            <p:childTnLst>
+                              <p:par>
+                                <p:cTn id="11" presetID="1" presetClass="entr" presetSubtype="0" fill="hold" grpId="0" nodeType="clickEffect">
+                                  <p:stCondLst>
+                                    <p:cond delay="0"/>
+                                  </p:stCondLst>
+                                  <p:childTnLst>
+                                    <p:set>
+                                      <p:cBhvr>
+                                        <p:cTn id="12" dur="1" fill="hold">
                                           <p:stCondLst>
                                             <p:cond delay="0"/>
                                           </p:stCondLst>
@@ -6490,26 +6570,26 @@
                     </p:cTn>
                   </p:par>
                   <p:par>
-                    <p:cTn id="7" fill="hold">
+                    <p:cTn id="13" fill="hold">
                       <p:stCondLst>
                         <p:cond delay="indefinite"/>
                       </p:stCondLst>
                       <p:childTnLst>
                         <p:par>
-                          <p:cTn id="8" fill="hold">
+                          <p:cTn id="14" fill="hold">
                             <p:stCondLst>
                               <p:cond delay="0"/>
                             </p:stCondLst>
                             <p:childTnLst>
                               <p:par>
-                                <p:cTn id="9" presetID="1" presetClass="entr" presetSubtype="0" fill="hold" grpId="0" nodeType="clickEffect">
+                                <p:cTn id="15" presetID="1" presetClass="entr" presetSubtype="0" fill="hold" grpId="0" nodeType="clickEffect">
                                   <p:stCondLst>
                                     <p:cond delay="0"/>
                                   </p:stCondLst>
                                   <p:childTnLst>
                                     <p:set>
                                       <p:cBhvr>
-                                        <p:cTn id="10" dur="1" fill="hold">
+                                        <p:cTn id="16" dur="1" fill="hold">
                                           <p:stCondLst>
                                             <p:cond delay="0"/>
                                           </p:stCondLst>
@@ -6539,26 +6619,26 @@
                     </p:cTn>
                   </p:par>
                   <p:par>
-                    <p:cTn id="11" fill="hold">
+                    <p:cTn id="17" fill="hold">
                       <p:stCondLst>
                         <p:cond delay="indefinite"/>
                       </p:stCondLst>
                       <p:childTnLst>
                         <p:par>
-                          <p:cTn id="12" fill="hold">
+                          <p:cTn id="18" fill="hold">
                             <p:stCondLst>
                               <p:cond delay="0"/>
                             </p:stCondLst>
                             <p:childTnLst>
                               <p:par>
-                                <p:cTn id="13" presetID="1" presetClass="entr" presetSubtype="0" fill="hold" grpId="0" nodeType="clickEffect">
+                                <p:cTn id="19" presetID="1" presetClass="entr" presetSubtype="0" fill="hold" grpId="0" nodeType="clickEffect">
                                   <p:stCondLst>
                                     <p:cond delay="0"/>
                                   </p:stCondLst>
                                   <p:childTnLst>
                                     <p:set>
                                       <p:cBhvr>
-                                        <p:cTn id="14" dur="1" fill="hold">
+                                        <p:cTn id="20" dur="1" fill="hold">
                                           <p:stCondLst>
                                             <p:cond delay="0"/>
                                           </p:stCondLst>
@@ -6578,14 +6658,14 @@
                                 </p:cTn>
                               </p:par>
                               <p:par>
-                                <p:cTn id="15" presetID="1" presetClass="entr" presetSubtype="0" fill="hold" nodeType="withEffect">
+                                <p:cTn id="21" presetID="1" presetClass="entr" presetSubtype="0" fill="hold" nodeType="withEffect">
                                   <p:stCondLst>
                                     <p:cond delay="0"/>
                                   </p:stCondLst>
                                   <p:childTnLst>
                                     <p:set>
                                       <p:cBhvr>
-                                        <p:cTn id="16" dur="1" fill="hold">
+                                        <p:cTn id="22" dur="1" fill="hold">
                                           <p:stCondLst>
                                             <p:cond delay="0"/>
                                           </p:stCondLst>
@@ -7365,7 +7445,7 @@
                             </p:stCondLst>
                             <p:childTnLst>
                               <p:par>
-                                <p:cTn id="5" presetID="1" presetClass="entr" presetSubtype="0" fill="hold" grpId="0" nodeType="clickEffect">
+                                <p:cTn id="5" presetID="1" presetClass="entr" presetSubtype="0" fill="hold" nodeType="clickEffect">
                                   <p:stCondLst>
                                     <p:cond delay="0"/>
                                   </p:stCondLst>
@@ -7373,6 +7453,104 @@
                                     <p:set>
                                       <p:cBhvr>
                                         <p:cTn id="6" dur="1" fill="hold">
+                                          <p:stCondLst>
+                                            <p:cond delay="0"/>
+                                          </p:stCondLst>
+                                        </p:cTn>
+                                        <p:tgtEl>
+                                          <p:spTgt spid="4">
+                                            <p:txEl>
+                                              <p:pRg st="1" end="1"/>
+                                            </p:txEl>
+                                          </p:spTgt>
+                                        </p:tgtEl>
+                                        <p:attrNameLst>
+                                          <p:attrName>style.visibility</p:attrName>
+                                        </p:attrNameLst>
+                                      </p:cBhvr>
+                                      <p:to>
+                                        <p:strVal val="visible"/>
+                                      </p:to>
+                                    </p:set>
+                                  </p:childTnLst>
+                                </p:cTn>
+                              </p:par>
+                            </p:childTnLst>
+                          </p:cTn>
+                        </p:par>
+                      </p:childTnLst>
+                    </p:cTn>
+                  </p:par>
+                  <p:par>
+                    <p:cTn id="7" fill="hold">
+                      <p:stCondLst>
+                        <p:cond delay="indefinite"/>
+                      </p:stCondLst>
+                      <p:childTnLst>
+                        <p:par>
+                          <p:cTn id="8" fill="hold">
+                            <p:stCondLst>
+                              <p:cond delay="0"/>
+                            </p:stCondLst>
+                            <p:childTnLst>
+                              <p:par>
+                                <p:cTn id="9" presetID="1" presetClass="entr" presetSubtype="0" fill="hold" nodeType="clickEffect">
+                                  <p:stCondLst>
+                                    <p:cond delay="0"/>
+                                  </p:stCondLst>
+                                  <p:childTnLst>
+                                    <p:set>
+                                      <p:cBhvr>
+                                        <p:cTn id="10" dur="1" fill="hold">
+                                          <p:stCondLst>
+                                            <p:cond delay="0"/>
+                                          </p:stCondLst>
+                                        </p:cTn>
+                                        <p:tgtEl>
+                                          <p:spTgt spid="4">
+                                            <p:txEl>
+                                              <p:pRg st="2" end="2"/>
+                                            </p:txEl>
+                                          </p:spTgt>
+                                        </p:tgtEl>
+                                        <p:attrNameLst>
+                                          <p:attrName>style.visibility</p:attrName>
+                                        </p:attrNameLst>
+                                      </p:cBhvr>
+                                      <p:to>
+                                        <p:strVal val="visible"/>
+                                      </p:to>
+                                    </p:set>
+                                  </p:childTnLst>
+                                </p:cTn>
+                              </p:par>
+                            </p:childTnLst>
+                          </p:cTn>
+                        </p:par>
+                      </p:childTnLst>
+                    </p:cTn>
+                  </p:par>
+                  <p:par>
+                    <p:cTn id="11" fill="hold">
+                      <p:stCondLst>
+                        <p:cond delay="indefinite"/>
+                      </p:stCondLst>
+                      <p:childTnLst>
+                        <p:par>
+                          <p:cTn id="12" fill="hold">
+                            <p:stCondLst>
+                              <p:cond delay="0"/>
+                            </p:stCondLst>
+                            <p:childTnLst>
+                              <p:par>
+                                <p:cTn id="13" presetID="1" presetClass="entr" presetSubtype="0" fill="hold" grpId="0" nodeType="clickEffect">
+                                  <p:stCondLst>
+                                    <p:cond delay="0"/>
+                                  </p:stCondLst>
+                                  <p:childTnLst>
+                                    <p:set>
+                                      <p:cBhvr>
+                                        <p:cTn id="14" dur="1" fill="hold">
                                           <p:stCondLst>
                                             <p:cond delay="0"/>
                                           </p:stCondLst>
@@ -7395,15 +7573,33 @@
                                   </p:childTnLst>
                                 </p:cTn>
                               </p:par>
+                            </p:childTnLst>
+                          </p:cTn>
+                        </p:par>
+                      </p:childTnLst>
+                    </p:cTn>
+                  </p:par>
+                  <p:par>
+                    <p:cTn id="15" fill="hold">
+                      <p:stCondLst>
+                        <p:cond delay="indefinite"/>
+                      </p:stCondLst>
+                      <p:childTnLst>
+                        <p:par>
+                          <p:cTn id="16" fill="hold">
+                            <p:stCondLst>
+                              <p:cond delay="0"/>
+                            </p:stCondLst>
+                            <p:childTnLst>
                               <p:par>
-                                <p:cTn id="7" presetID="1" presetClass="entr" presetSubtype="0" fill="hold" grpId="0" nodeType="withEffect">
+                                <p:cTn id="17" presetID="1" presetClass="entr" presetSubtype="0" fill="hold" grpId="0" nodeType="clickEffect">
                                   <p:stCondLst>
                                     <p:cond delay="0"/>
                                   </p:stCondLst>
                                   <p:childTnLst>
                                     <p:set>
                                       <p:cBhvr>
-                                        <p:cTn id="8" dur="1" fill="hold">
+                                        <p:cTn id="18" dur="1" fill="hold">
                                           <p:stCondLst>
                                             <p:cond delay="0"/>
                                           </p:stCondLst>
@@ -7433,26 +7629,26 @@
                     </p:cTn>
                   </p:par>
                   <p:par>
-                    <p:cTn id="9" fill="hold">
+                    <p:cTn id="19" fill="hold">
                       <p:stCondLst>
                         <p:cond delay="indefinite"/>
                       </p:stCondLst>
                       <p:childTnLst>
                         <p:par>
-                          <p:cTn id="10" fill="hold">
+                          <p:cTn id="20" fill="hold">
                             <p:stCondLst>
                               <p:cond delay="0"/>
                             </p:stCondLst>
                             <p:childTnLst>
                               <p:par>
-                                <p:cTn id="11" presetID="1" presetClass="entr" presetSubtype="0" fill="hold" grpId="0" nodeType="clickEffect">
+                                <p:cTn id="21" presetID="1" presetClass="entr" presetSubtype="0" fill="hold" grpId="0" nodeType="clickEffect">
                                   <p:stCondLst>
                                     <p:cond delay="0"/>
                                   </p:stCondLst>
                                   <p:childTnLst>
                                     <p:set>
                                       <p:cBhvr>
-                                        <p:cTn id="12" dur="1" fill="hold">
+                                        <p:cTn id="22" dur="1" fill="hold">
                                           <p:stCondLst>
                                             <p:cond delay="0"/>
                                           </p:stCondLst>
@@ -7472,14 +7668,14 @@
                                 </p:cTn>
                               </p:par>
                               <p:par>
-                                <p:cTn id="13" presetID="1" presetClass="entr" presetSubtype="0" fill="hold" nodeType="withEffect">
+                                <p:cTn id="23" presetID="1" presetClass="entr" presetSubtype="0" fill="hold" nodeType="withEffect">
                                   <p:stCondLst>
                                     <p:cond delay="0"/>
                                   </p:stCondLst>
                                   <p:childTnLst>
                                     <p:set>
                                       <p:cBhvr>
-                                        <p:cTn id="14" dur="1" fill="hold">
+                                        <p:cTn id="24" dur="1" fill="hold">
                                           <p:stCondLst>
                                             <p:cond delay="0"/>
                                           </p:stCondLst>
@@ -17200,7 +17396,7 @@
           <a:graphicData uri="http://schemas.openxmlformats.org/presentationml/2006/ole">
             <mc:AlternateContent xmlns:mc="http://schemas.openxmlformats.org/markup-compatibility/2006">
               <mc:Choice xmlns:v="urn:schemas-microsoft-com:vml" Requires="v">
-                <p:oleObj spid="_x0000_s1036" name="Image" r:id="rId3" imgW="4088880" imgH="2907720" progId="Photoshop.Image.15">
+                <p:oleObj spid="_x0000_s1037" name="Image" r:id="rId3" imgW="4088880" imgH="2907720" progId="Photoshop.Image.15">
                   <p:embed/>
                 </p:oleObj>
               </mc:Choice>
@@ -18465,6 +18661,130 @@
   <p:clrMapOvr>
     <a:masterClrMapping/>
   </p:clrMapOvr>
+  <p:timing>
+    <p:tnLst>
+      <p:par>
+        <p:cTn id="1" dur="indefinite" restart="never" nodeType="tmRoot">
+          <p:childTnLst>
+            <p:seq concurrent="1" nextAc="seek">
+              <p:cTn id="2" dur="indefinite" nodeType="mainSeq">
+                <p:childTnLst>
+                  <p:par>
+                    <p:cTn id="3" fill="hold">
+                      <p:stCondLst>
+                        <p:cond delay="indefinite"/>
+                      </p:stCondLst>
+                      <p:childTnLst>
+                        <p:par>
+                          <p:cTn id="4" fill="hold">
+                            <p:stCondLst>
+                              <p:cond delay="0"/>
+                            </p:stCondLst>
+                            <p:childTnLst>
+                              <p:par>
+                                <p:cTn id="5" presetID="1" presetClass="entr" presetSubtype="0" fill="hold" nodeType="clickEffect">
+                                  <p:stCondLst>
+                                    <p:cond delay="0"/>
+                                  </p:stCondLst>
+                                  <p:childTnLst>
+                                    <p:set>
+                                      <p:cBhvr>
+                                        <p:cTn id="6" dur="1" fill="hold">
+                                          <p:stCondLst>
+                                            <p:cond delay="0"/>
+                                          </p:stCondLst>
+                                        </p:cTn>
+                                        <p:tgtEl>
+                                          <p:spTgt spid="3">
+                                            <p:txEl>
+                                              <p:pRg st="1" end="1"/>
+                                            </p:txEl>
+                                          </p:spTgt>
+                                        </p:tgtEl>
+                                        <p:attrNameLst>
+                                          <p:attrName>style.visibility</p:attrName>
+                                        </p:attrNameLst>
+                                      </p:cBhvr>
+                                      <p:to>
+                                        <p:strVal val="visible"/>
+                                      </p:to>
+                                    </p:set>
+                                  </p:childTnLst>
+                                </p:cTn>
+                              </p:par>
+                            </p:childTnLst>
+                          </p:cTn>
+                        </p:par>
+                      </p:childTnLst>
+                    </p:cTn>
+                  </p:par>
+                  <p:par>
+                    <p:cTn id="7" fill="hold">
+                      <p:stCondLst>
+                        <p:cond delay="indefinite"/>
+                      </p:stCondLst>
+                      <p:childTnLst>
+                        <p:par>
+                          <p:cTn id="8" fill="hold">
+                            <p:stCondLst>
+                              <p:cond delay="0"/>
+                            </p:stCondLst>
+                            <p:childTnLst>
+                              <p:par>
+                                <p:cTn id="9" presetID="1" presetClass="entr" presetSubtype="0" fill="hold" nodeType="clickEffect">
+                                  <p:stCondLst>
+                                    <p:cond delay="0"/>
+                                  </p:stCondLst>
+                                  <p:childTnLst>
+                                    <p:set>
+                                      <p:cBhvr>
+                                        <p:cTn id="10" dur="1" fill="hold">
+                                          <p:stCondLst>
+                                            <p:cond delay="0"/>
+                                          </p:stCondLst>
+                                        </p:cTn>
+                                        <p:tgtEl>
+                                          <p:spTgt spid="8"/>
+                                        </p:tgtEl>
+                                        <p:attrNameLst>
+                                          <p:attrName>style.visibility</p:attrName>
+                                        </p:attrNameLst>
+                                      </p:cBhvr>
+                                      <p:to>
+                                        <p:strVal val="visible"/>
+                                      </p:to>
+                                    </p:set>
+                                  </p:childTnLst>
+                                </p:cTn>
+                              </p:par>
+                            </p:childTnLst>
+                          </p:cTn>
+                        </p:par>
+                      </p:childTnLst>
+                    </p:cTn>
+                  </p:par>
+                </p:childTnLst>
+              </p:cTn>
+              <p:prevCondLst>
+                <p:cond evt="onPrev" delay="0">
+                  <p:tgtEl>
+                    <p:sldTgt/>
+                  </p:tgtEl>
+                </p:cond>
+              </p:prevCondLst>
+              <p:nextCondLst>
+                <p:cond evt="onNext" delay="0">
+                  <p:tgtEl>
+                    <p:sldTgt/>
+                  </p:tgtEl>
+                </p:cond>
+              </p:nextCondLst>
+            </p:seq>
+          </p:childTnLst>
+        </p:cTn>
+      </p:par>
+    </p:tnLst>
+  </p:timing>
 </p:sld>
 </file>
 

--- a/Courses/Applied-Programmer/Programming-Fundamentals/03-Масиви-и-списъци/09.Въведение-в-масиви.pptx
+++ b/Courses/Applied-Programmer/Programming-Fundamentals/03-Масиви-и-списъци/09.Въведение-в-масиви.pptx
@@ -17396,7 +17396,7 @@
           <a:graphicData uri="http://schemas.openxmlformats.org/presentationml/2006/ole">
             <mc:AlternateContent xmlns:mc="http://schemas.openxmlformats.org/markup-compatibility/2006">
               <mc:Choice xmlns:v="urn:schemas-microsoft-com:vml" Requires="v">
-                <p:oleObj spid="_x0000_s1037" name="Image" r:id="rId3" imgW="4088880" imgH="2907720" progId="Photoshop.Image.15">
+                <p:oleObj spid="_x0000_s1038" name="Image" r:id="rId3" imgW="4088880" imgH="2907720" progId="Photoshop.Image.15">
                   <p:embed/>
                 </p:oleObj>
               </mc:Choice>
